--- a/Engineering Expo 2018/Poster/CS61_Expo_Poster.pptx
+++ b/Engineering Expo 2018/Poster/CS61_Expo_Poster.pptx
@@ -5,10 +5,11 @@
     <p:sldMasterId id="2147483660" r:id="rId1"/>
   </p:sldMasterIdLst>
   <p:notesMasterIdLst>
-    <p:notesMasterId r:id="rId3"/>
+    <p:notesMasterId r:id="rId4"/>
   </p:notesMasterIdLst>
   <p:sldIdLst>
     <p:sldId id="261" r:id="rId2"/>
+    <p:sldId id="262" r:id="rId3"/>
   </p:sldIdLst>
   <p:sldSz cx="43891200" cy="32918400"/>
   <p:notesSz cx="6858000" cy="9144000"/>
@@ -243,7 +244,7 @@
             <a:fld id="{9CF59EBC-EC05-6B4D-B166-DDFA6A1EDCB6}" type="datetimeFigureOut">
               <a:rPr lang="en-US" smtClean="0"/>
               <a:pPr/>
-              <a:t>4/25/2018</a:t>
+              <a:t>5/7/2018</a:t>
             </a:fld>
             <a:endParaRPr lang="en-US" dirty="0"/>
           </a:p>
@@ -514,6 +515,199 @@
     </a:lvl9pPr>
   </p:notesStyle>
 </p:notesMaster>
+</file>
+
+<file path=ppt/notesSlides/notesSlide1.xml><?xml version="1.0" encoding="utf-8"?>
+<p:notes xmlns:a="http://schemas.openxmlformats.org/drawingml/2006/main" xmlns:r="http://schemas.openxmlformats.org/officeDocument/2006/relationships" xmlns:p="http://schemas.openxmlformats.org/presentationml/2006/main">
+  <p:cSld>
+    <p:spTree>
+      <p:nvGrpSpPr>
+        <p:cNvPr id="1" name=""/>
+        <p:cNvGrpSpPr/>
+        <p:nvPr/>
+      </p:nvGrpSpPr>
+      <p:grpSpPr>
+        <a:xfrm>
+          <a:off x="0" y="0"/>
+          <a:ext cx="0" cy="0"/>
+          <a:chOff x="0" y="0"/>
+          <a:chExt cx="0" cy="0"/>
+        </a:xfrm>
+      </p:grpSpPr>
+      <p:sp>
+        <p:nvSpPr>
+          <p:cNvPr id="2" name="Slide Image Placeholder 1"/>
+          <p:cNvSpPr>
+            <a:spLocks noGrp="1" noRot="1" noChangeAspect="1"/>
+          </p:cNvSpPr>
+          <p:nvPr>
+            <p:ph type="sldImg"/>
+          </p:nvPr>
+        </p:nvSpPr>
+        <p:spPr/>
+      </p:sp>
+      <p:sp>
+        <p:nvSpPr>
+          <p:cNvPr id="3" name="Notes Placeholder 2"/>
+          <p:cNvSpPr>
+            <a:spLocks noGrp="1"/>
+          </p:cNvSpPr>
+          <p:nvPr>
+            <p:ph type="body" idx="1"/>
+          </p:nvPr>
+        </p:nvSpPr>
+        <p:spPr/>
+        <p:txBody>
+          <a:bodyPr/>
+          <a:lstStyle/>
+          <a:p>
+            <a:r>
+              <a:rPr lang="en-US" dirty="0" smtClean="0"/>
+              <a:t>Submitted</a:t>
+            </a:r>
+            <a:r>
+              <a:rPr lang="en-US" baseline="0" dirty="0" smtClean="0"/>
+              <a:t> Version</a:t>
+            </a:r>
+          </a:p>
+        </p:txBody>
+      </p:sp>
+      <p:sp>
+        <p:nvSpPr>
+          <p:cNvPr id="4" name="Slide Number Placeholder 3"/>
+          <p:cNvSpPr>
+            <a:spLocks noGrp="1"/>
+          </p:cNvSpPr>
+          <p:nvPr>
+            <p:ph type="sldNum" sz="quarter" idx="10"/>
+          </p:nvPr>
+        </p:nvSpPr>
+        <p:spPr/>
+        <p:txBody>
+          <a:bodyPr/>
+          <a:lstStyle/>
+          <a:p>
+            <a:fld id="{DD9D7D82-3AAB-FE4F-A8B8-55362074E59C}" type="slidenum">
+              <a:rPr lang="en-US" smtClean="0"/>
+              <a:pPr/>
+              <a:t>1</a:t>
+            </a:fld>
+            <a:endParaRPr lang="en-US" dirty="0"/>
+          </a:p>
+        </p:txBody>
+      </p:sp>
+    </p:spTree>
+    <p:extLst>
+      <p:ext uri="{BB962C8B-B14F-4D97-AF65-F5344CB8AC3E}">
+        <p14:creationId xmlns:p14="http://schemas.microsoft.com/office/powerpoint/2010/main" val="130360432"/>
+      </p:ext>
+    </p:extLst>
+  </p:cSld>
+  <p:clrMapOvr>
+    <a:masterClrMapping/>
+  </p:clrMapOvr>
+</p:notes>
+</file>
+
+<file path=ppt/notesSlides/notesSlide2.xml><?xml version="1.0" encoding="utf-8"?>
+<p:notes xmlns:a="http://schemas.openxmlformats.org/drawingml/2006/main" xmlns:r="http://schemas.openxmlformats.org/officeDocument/2006/relationships" xmlns:p="http://schemas.openxmlformats.org/presentationml/2006/main">
+  <p:cSld>
+    <p:spTree>
+      <p:nvGrpSpPr>
+        <p:cNvPr id="1" name=""/>
+        <p:cNvGrpSpPr/>
+        <p:nvPr/>
+      </p:nvGrpSpPr>
+      <p:grpSpPr>
+        <a:xfrm>
+          <a:off x="0" y="0"/>
+          <a:ext cx="0" cy="0"/>
+          <a:chOff x="0" y="0"/>
+          <a:chExt cx="0" cy="0"/>
+        </a:xfrm>
+      </p:grpSpPr>
+      <p:sp>
+        <p:nvSpPr>
+          <p:cNvPr id="2" name="Slide Image Placeholder 1"/>
+          <p:cNvSpPr>
+            <a:spLocks noGrp="1" noRot="1" noChangeAspect="1"/>
+          </p:cNvSpPr>
+          <p:nvPr>
+            <p:ph type="sldImg"/>
+          </p:nvPr>
+        </p:nvSpPr>
+        <p:spPr/>
+      </p:sp>
+      <p:sp>
+        <p:nvSpPr>
+          <p:cNvPr id="3" name="Notes Placeholder 2"/>
+          <p:cNvSpPr>
+            <a:spLocks noGrp="1"/>
+          </p:cNvSpPr>
+          <p:nvPr>
+            <p:ph type="body" idx="1"/>
+          </p:nvPr>
+        </p:nvSpPr>
+        <p:spPr/>
+        <p:txBody>
+          <a:bodyPr/>
+          <a:lstStyle/>
+          <a:p>
+            <a:r>
+              <a:rPr lang="en-US" dirty="0" smtClean="0"/>
+              <a:t>Dr. De </a:t>
+            </a:r>
+            <a:r>
+              <a:rPr lang="en-US" dirty="0" err="1" smtClean="0"/>
+              <a:t>Amicis</a:t>
+            </a:r>
+            <a:r>
+              <a:rPr lang="en-US" dirty="0" smtClean="0"/>
+              <a:t> </a:t>
+            </a:r>
+            <a:r>
+              <a:rPr lang="en-US" smtClean="0"/>
+              <a:t>Revised Version</a:t>
+            </a:r>
+            <a:endParaRPr lang="en-US"/>
+          </a:p>
+        </p:txBody>
+      </p:sp>
+      <p:sp>
+        <p:nvSpPr>
+          <p:cNvPr id="4" name="Slide Number Placeholder 3"/>
+          <p:cNvSpPr>
+            <a:spLocks noGrp="1"/>
+          </p:cNvSpPr>
+          <p:nvPr>
+            <p:ph type="sldNum" sz="quarter" idx="10"/>
+          </p:nvPr>
+        </p:nvSpPr>
+        <p:spPr/>
+        <p:txBody>
+          <a:bodyPr/>
+          <a:lstStyle/>
+          <a:p>
+            <a:fld id="{DD9D7D82-3AAB-FE4F-A8B8-55362074E59C}" type="slidenum">
+              <a:rPr lang="en-US" smtClean="0"/>
+              <a:pPr/>
+              <a:t>2</a:t>
+            </a:fld>
+            <a:endParaRPr lang="en-US" dirty="0"/>
+          </a:p>
+        </p:txBody>
+      </p:sp>
+    </p:spTree>
+    <p:extLst>
+      <p:ext uri="{BB962C8B-B14F-4D97-AF65-F5344CB8AC3E}">
+        <p14:creationId xmlns:p14="http://schemas.microsoft.com/office/powerpoint/2010/main" val="1611377341"/>
+      </p:ext>
+    </p:extLst>
+  </p:cSld>
+  <p:clrMapOvr>
+    <a:masterClrMapping/>
+  </p:clrMapOvr>
+</p:notes>
 </file>
 
 <file path=ppt/slideLayouts/slideLayout1.xml><?xml version="1.0" encoding="utf-8"?>
@@ -3577,7 +3771,7 @@
             <p:nvPr/>
           </p:nvPicPr>
           <p:blipFill rotWithShape="1">
-            <a:blip r:embed="rId2">
+            <a:blip r:embed="rId3">
               <a:alphaModFix/>
             </a:blip>
             <a:srcRect l="2486" t="3166"/>
@@ -3611,7 +3805,7 @@
             <p:nvPr/>
           </p:nvPicPr>
           <p:blipFill rotWithShape="1">
-            <a:blip r:embed="rId3">
+            <a:blip r:embed="rId4">
               <a:alphaModFix/>
             </a:blip>
             <a:srcRect l="4241" t="4264" r="4149" b="4610"/>
@@ -3645,7 +3839,7 @@
             <p:nvPr/>
           </p:nvPicPr>
           <p:blipFill rotWithShape="1">
-            <a:blip r:embed="rId4">
+            <a:blip r:embed="rId5">
               <a:alphaModFix/>
             </a:blip>
             <a:srcRect l="3147" b="2133"/>
@@ -3679,7 +3873,7 @@
             <p:nvPr/>
           </p:nvPicPr>
           <p:blipFill rotWithShape="1">
-            <a:blip r:embed="rId5">
+            <a:blip r:embed="rId6">
               <a:alphaModFix/>
             </a:blip>
             <a:srcRect l="5117" t="1784" r="3341" b="7165"/>
@@ -3713,7 +3907,7 @@
             <p:nvPr/>
           </p:nvPicPr>
           <p:blipFill>
-            <a:blip r:embed="rId6">
+            <a:blip r:embed="rId7">
               <a:alphaModFix/>
             </a:blip>
             <a:stretch>
@@ -3943,9 +4137,6 @@
               </a:rPr>
               <a:t>1   HTC Vive Headset and Controllers</a:t>
             </a:r>
-            <a:endParaRPr lang="en-US" sz="4000" dirty="0" smtClean="0">
-              <a:latin typeface="Verdana Regular" charset="0"/>
-            </a:endParaRPr>
           </a:p>
         </p:txBody>
       </p:sp>
@@ -4002,7 +4193,7 @@
           <p:nvPr/>
         </p:nvPicPr>
         <p:blipFill rotWithShape="1">
-          <a:blip r:embed="rId7">
+          <a:blip r:embed="rId8">
             <a:alphaModFix/>
           </a:blip>
           <a:srcRect t="7304"/>
@@ -4037,7 +4228,7 @@
           <p:nvPr/>
         </p:nvPicPr>
         <p:blipFill rotWithShape="1">
-          <a:blip r:embed="rId8">
+          <a:blip r:embed="rId9">
             <a:alphaModFix/>
           </a:blip>
           <a:srcRect l="1854" r="1574"/>
@@ -4504,7 +4695,13 @@
               <a:rPr lang="en-US" sz="3600" dirty="0" smtClean="0">
                 <a:latin typeface="Verdana Regular" charset="0"/>
               </a:rPr>
-              <a:t>Associate Professor at Oregon State University, School of Electrical Engineering and Computer Science, focus in research in Computer Graphics and Visualization</a:t>
+              <a:t>Associate Professor at Oregon State University, School of Electrical Engineering and Computer </a:t>
+            </a:r>
+            <a:r>
+              <a:rPr lang="en-US" sz="3600" dirty="0" smtClean="0">
+                <a:latin typeface="Verdana Regular" charset="0"/>
+              </a:rPr>
+              <a:t>Science, focus in research in Computer Graphics and Visualization</a:t>
             </a:r>
           </a:p>
           <a:p>
@@ -4521,17 +4718,8 @@
               <a:rPr lang="en-US" sz="3600" b="1" i="1" dirty="0" smtClean="0">
                 <a:latin typeface="Verdana Regular" charset="0"/>
               </a:rPr>
-              <a:t>raffaele.deamicis@oregon</a:t>
+              <a:t>raffaele.deamicis@oregonstate.edu</a:t>
             </a:r>
-            <a:r>
-              <a:rPr lang="en-US" sz="3600" b="1" i="1" dirty="0" smtClean="0">
-                <a:latin typeface="Verdana Regular" charset="0"/>
-              </a:rPr>
-              <a:t>state.edu</a:t>
-            </a:r>
-            <a:endParaRPr lang="en-US" sz="3600" b="1" i="1" dirty="0">
-              <a:latin typeface="Verdana Regular" charset="0"/>
-            </a:endParaRPr>
           </a:p>
           <a:p>
             <a:pPr marL="0" indent="0">
@@ -5989,9 +6177,6 @@
               </a:rPr>
               <a:t>5   Watch Structure Become [Virtual] Reality!</a:t>
             </a:r>
-            <a:endParaRPr lang="en-US" sz="4000" dirty="0" smtClean="0">
-              <a:latin typeface="Verdana Regular" charset="0"/>
-            </a:endParaRPr>
           </a:p>
         </p:txBody>
       </p:sp>
@@ -6240,9 +6425,6 @@
               </a:rPr>
               <a:t>4   Draw Trajectory</a:t>
             </a:r>
-            <a:endParaRPr lang="en-US" sz="4000" dirty="0" smtClean="0">
-              <a:latin typeface="Verdana Regular" charset="0"/>
-            </a:endParaRPr>
           </a:p>
         </p:txBody>
       </p:sp>
@@ -6447,9 +6629,6 @@
               </a:rPr>
               <a:t>2   Generate 3D Object</a:t>
             </a:r>
-            <a:endParaRPr lang="en-US" sz="4000" dirty="0" smtClean="0">
-              <a:latin typeface="Verdana Regular" charset="0"/>
-            </a:endParaRPr>
           </a:p>
         </p:txBody>
       </p:sp>
@@ -6660,9 +6839,6 @@
               </a:rPr>
               <a:t>   Resize 3D Object</a:t>
             </a:r>
-            <a:endParaRPr lang="en-US" sz="4000" dirty="0" smtClean="0">
-              <a:latin typeface="Verdana Regular" charset="0"/>
-            </a:endParaRPr>
           </a:p>
         </p:txBody>
       </p:sp>
@@ -6802,6 +6978,4950 @@
     <p:extLst>
       <p:ext uri="{BB962C8B-B14F-4D97-AF65-F5344CB8AC3E}">
         <p14:creationId xmlns:p14="http://schemas.microsoft.com/office/powerpoint/2010/main" val="2732054176"/>
+      </p:ext>
+    </p:extLst>
+  </p:cSld>
+  <p:clrMapOvr>
+    <a:masterClrMapping/>
+  </p:clrMapOvr>
+</p:sld>
+</file>
+
+<file path=ppt/slides/slide2.xml><?xml version="1.0" encoding="utf-8"?>
+<p:sld xmlns:a="http://schemas.openxmlformats.org/drawingml/2006/main" xmlns:r="http://schemas.openxmlformats.org/officeDocument/2006/relationships" xmlns:p="http://schemas.openxmlformats.org/presentationml/2006/main">
+  <p:cSld>
+    <p:spTree>
+      <p:nvGrpSpPr>
+        <p:cNvPr id="1" name=""/>
+        <p:cNvGrpSpPr/>
+        <p:nvPr/>
+      </p:nvGrpSpPr>
+      <p:grpSpPr>
+        <a:xfrm>
+          <a:off x="0" y="0"/>
+          <a:ext cx="0" cy="0"/>
+          <a:chOff x="0" y="0"/>
+          <a:chExt cx="0" cy="0"/>
+        </a:xfrm>
+      </p:grpSpPr>
+      <p:grpSp>
+        <p:nvGrpSpPr>
+          <p:cNvPr id="68" name="Group 67"/>
+          <p:cNvGrpSpPr/>
+          <p:nvPr/>
+        </p:nvGrpSpPr>
+        <p:grpSpPr>
+          <a:xfrm>
+            <a:off x="11953343" y="22891971"/>
+            <a:ext cx="9911673" cy="8485928"/>
+            <a:chOff x="12292013" y="22688769"/>
+            <a:chExt cx="9911673" cy="8485928"/>
+          </a:xfrm>
+        </p:grpSpPr>
+        <p:sp>
+          <p:nvSpPr>
+            <p:cNvPr id="6" name="Text Placeholder 16"/>
+            <p:cNvSpPr txBox="1">
+              <a:spLocks/>
+            </p:cNvSpPr>
+            <p:nvPr/>
+          </p:nvSpPr>
+          <p:spPr>
+            <a:xfrm>
+              <a:off x="12292013" y="22688769"/>
+              <a:ext cx="9911673" cy="692497"/>
+            </a:xfrm>
+            <a:prstGeom prst="rect">
+              <a:avLst/>
+            </a:prstGeom>
+          </p:spPr>
+          <p:txBody>
+            <a:bodyPr wrap="square" lIns="0" tIns="0" rIns="0" bIns="0">
+              <a:spAutoFit/>
+            </a:bodyPr>
+            <a:lstStyle>
+              <a:lvl1pPr marL="0" indent="0" algn="l" defTabSz="4389120" rtl="0" eaLnBrk="1" latinLnBrk="0" hangingPunct="1">
+                <a:lnSpc>
+                  <a:spcPct val="90000"/>
+                </a:lnSpc>
+                <a:spcBef>
+                  <a:spcPts val="4800"/>
+                </a:spcBef>
+                <a:buFontTx/>
+                <a:buNone/>
+                <a:defRPr sz="4800" kern="1200" cap="all" baseline="0">
+                  <a:solidFill>
+                    <a:schemeClr val="tx1"/>
+                  </a:solidFill>
+                  <a:latin typeface="KievitPro-Medium" charset="0"/>
+                  <a:ea typeface="+mn-ea"/>
+                  <a:cs typeface="+mn-cs"/>
+                </a:defRPr>
+              </a:lvl1pPr>
+              <a:lvl2pPr marL="2194560" indent="0" algn="l" defTabSz="4389120" rtl="0" eaLnBrk="1" latinLnBrk="0" hangingPunct="1">
+                <a:lnSpc>
+                  <a:spcPct val="90000"/>
+                </a:lnSpc>
+                <a:spcBef>
+                  <a:spcPts val="2400"/>
+                </a:spcBef>
+                <a:buFontTx/>
+                <a:buNone/>
+                <a:defRPr sz="4800" kern="1200" cap="all" baseline="0">
+                  <a:solidFill>
+                    <a:schemeClr val="tx1"/>
+                  </a:solidFill>
+                  <a:latin typeface="KievitPro-Medium" charset="0"/>
+                  <a:ea typeface="+mn-ea"/>
+                  <a:cs typeface="+mn-cs"/>
+                </a:defRPr>
+              </a:lvl2pPr>
+              <a:lvl3pPr marL="4389120" indent="0" algn="l" defTabSz="4389120" rtl="0" eaLnBrk="1" latinLnBrk="0" hangingPunct="1">
+                <a:lnSpc>
+                  <a:spcPct val="90000"/>
+                </a:lnSpc>
+                <a:spcBef>
+                  <a:spcPts val="2400"/>
+                </a:spcBef>
+                <a:buFontTx/>
+                <a:buNone/>
+                <a:defRPr sz="4800" kern="1200" cap="all" baseline="0">
+                  <a:solidFill>
+                    <a:schemeClr val="tx1"/>
+                  </a:solidFill>
+                  <a:latin typeface="KievitPro-Medium" charset="0"/>
+                  <a:ea typeface="+mn-ea"/>
+                  <a:cs typeface="+mn-cs"/>
+                </a:defRPr>
+              </a:lvl3pPr>
+              <a:lvl4pPr marL="6583680" indent="0" algn="l" defTabSz="4389120" rtl="0" eaLnBrk="1" latinLnBrk="0" hangingPunct="1">
+                <a:lnSpc>
+                  <a:spcPct val="90000"/>
+                </a:lnSpc>
+                <a:spcBef>
+                  <a:spcPts val="2400"/>
+                </a:spcBef>
+                <a:buFontTx/>
+                <a:buNone/>
+                <a:defRPr sz="4800" kern="1200" cap="all" baseline="0">
+                  <a:solidFill>
+                    <a:schemeClr val="tx1"/>
+                  </a:solidFill>
+                  <a:latin typeface="KievitPro-Medium" charset="0"/>
+                  <a:ea typeface="+mn-ea"/>
+                  <a:cs typeface="+mn-cs"/>
+                </a:defRPr>
+              </a:lvl4pPr>
+              <a:lvl5pPr marL="8778240" indent="0" algn="l" defTabSz="4389120" rtl="0" eaLnBrk="1" latinLnBrk="0" hangingPunct="1">
+                <a:lnSpc>
+                  <a:spcPct val="90000"/>
+                </a:lnSpc>
+                <a:spcBef>
+                  <a:spcPts val="2400"/>
+                </a:spcBef>
+                <a:buFontTx/>
+                <a:buNone/>
+                <a:defRPr sz="4800" kern="1200" cap="all" baseline="0">
+                  <a:solidFill>
+                    <a:schemeClr val="tx1"/>
+                  </a:solidFill>
+                  <a:latin typeface="KievitPro-Medium" charset="0"/>
+                  <a:ea typeface="+mn-ea"/>
+                  <a:cs typeface="+mn-cs"/>
+                </a:defRPr>
+              </a:lvl5pPr>
+              <a:lvl6pPr marL="12070080" indent="-1097280" algn="l" defTabSz="4389120" rtl="0" eaLnBrk="1" latinLnBrk="0" hangingPunct="1">
+                <a:lnSpc>
+                  <a:spcPct val="90000"/>
+                </a:lnSpc>
+                <a:spcBef>
+                  <a:spcPts val="2400"/>
+                </a:spcBef>
+                <a:buFont typeface="Arial" panose="020B0604020202020204" pitchFamily="34" charset="0"/>
+                <a:buChar char="•"/>
+                <a:defRPr sz="8640" kern="1200">
+                  <a:solidFill>
+                    <a:schemeClr val="tx1"/>
+                  </a:solidFill>
+                  <a:latin typeface="+mn-lt"/>
+                  <a:ea typeface="+mn-ea"/>
+                  <a:cs typeface="+mn-cs"/>
+                </a:defRPr>
+              </a:lvl6pPr>
+              <a:lvl7pPr marL="14264640" indent="-1097280" algn="l" defTabSz="4389120" rtl="0" eaLnBrk="1" latinLnBrk="0" hangingPunct="1">
+                <a:lnSpc>
+                  <a:spcPct val="90000"/>
+                </a:lnSpc>
+                <a:spcBef>
+                  <a:spcPts val="2400"/>
+                </a:spcBef>
+                <a:buFont typeface="Arial" panose="020B0604020202020204" pitchFamily="34" charset="0"/>
+                <a:buChar char="•"/>
+                <a:defRPr sz="8640" kern="1200">
+                  <a:solidFill>
+                    <a:schemeClr val="tx1"/>
+                  </a:solidFill>
+                  <a:latin typeface="+mn-lt"/>
+                  <a:ea typeface="+mn-ea"/>
+                  <a:cs typeface="+mn-cs"/>
+                </a:defRPr>
+              </a:lvl7pPr>
+              <a:lvl8pPr marL="16459200" indent="-1097280" algn="l" defTabSz="4389120" rtl="0" eaLnBrk="1" latinLnBrk="0" hangingPunct="1">
+                <a:lnSpc>
+                  <a:spcPct val="90000"/>
+                </a:lnSpc>
+                <a:spcBef>
+                  <a:spcPts val="2400"/>
+                </a:spcBef>
+                <a:buFont typeface="Arial" panose="020B0604020202020204" pitchFamily="34" charset="0"/>
+                <a:buChar char="•"/>
+                <a:defRPr sz="8640" kern="1200">
+                  <a:solidFill>
+                    <a:schemeClr val="tx1"/>
+                  </a:solidFill>
+                  <a:latin typeface="+mn-lt"/>
+                  <a:ea typeface="+mn-ea"/>
+                  <a:cs typeface="+mn-cs"/>
+                </a:defRPr>
+              </a:lvl8pPr>
+              <a:lvl9pPr marL="18653760" indent="-1097280" algn="l" defTabSz="4389120" rtl="0" eaLnBrk="1" latinLnBrk="0" hangingPunct="1">
+                <a:lnSpc>
+                  <a:spcPct val="90000"/>
+                </a:lnSpc>
+                <a:spcBef>
+                  <a:spcPts val="2400"/>
+                </a:spcBef>
+                <a:buFont typeface="Arial" panose="020B0604020202020204" pitchFamily="34" charset="0"/>
+                <a:buChar char="•"/>
+                <a:defRPr sz="8640" kern="1200">
+                  <a:solidFill>
+                    <a:schemeClr val="tx1"/>
+                  </a:solidFill>
+                  <a:latin typeface="+mn-lt"/>
+                  <a:ea typeface="+mn-ea"/>
+                  <a:cs typeface="+mn-cs"/>
+                </a:defRPr>
+              </a:lvl9pPr>
+            </a:lstStyle>
+            <a:p>
+              <a:r>
+                <a:rPr lang="en-US" sz="5000" dirty="0" smtClean="0">
+                  <a:solidFill>
+                    <a:srgbClr val="E05529"/>
+                  </a:solidFill>
+                  <a:latin typeface="Verdana Regular" charset="0"/>
+                </a:rPr>
+                <a:t>designing </a:t>
+              </a:r>
+              <a:r>
+                <a:rPr lang="en-US" dirty="0" smtClean="0">
+                  <a:solidFill>
+                    <a:srgbClr val="E05529"/>
+                  </a:solidFill>
+                  <a:latin typeface="Verdana Regular" charset="0"/>
+                </a:rPr>
+                <a:t>explanation</a:t>
+              </a:r>
+              <a:endParaRPr lang="en-US" dirty="0">
+                <a:solidFill>
+                  <a:srgbClr val="E05529"/>
+                </a:solidFill>
+                <a:latin typeface="Verdana Regular" charset="0"/>
+              </a:endParaRPr>
+            </a:p>
+          </p:txBody>
+        </p:sp>
+        <p:sp>
+          <p:nvSpPr>
+            <p:cNvPr id="7" name="Text Placeholder 18"/>
+            <p:cNvSpPr txBox="1">
+              <a:spLocks/>
+            </p:cNvSpPr>
+            <p:nvPr/>
+          </p:nvSpPr>
+          <p:spPr>
+            <a:xfrm>
+              <a:off x="12292014" y="23654690"/>
+              <a:ext cx="9911672" cy="7520007"/>
+            </a:xfrm>
+            <a:prstGeom prst="rect">
+              <a:avLst/>
+            </a:prstGeom>
+          </p:spPr>
+          <p:txBody>
+            <a:bodyPr wrap="square" lIns="0" tIns="0" rIns="0" bIns="0">
+              <a:spAutoFit/>
+            </a:bodyPr>
+            <a:lstStyle>
+              <a:lvl1pPr marL="0" indent="0" algn="l" defTabSz="4389120" rtl="0" eaLnBrk="1" latinLnBrk="0" hangingPunct="1">
+                <a:lnSpc>
+                  <a:spcPts val="3360"/>
+                </a:lnSpc>
+                <a:spcBef>
+                  <a:spcPts val="0"/>
+                </a:spcBef>
+                <a:spcAft>
+                  <a:spcPts val="800"/>
+                </a:spcAft>
+                <a:buFontTx/>
+                <a:buNone/>
+                <a:defRPr lang="en-US" sz="2800" kern="1200" baseline="0" smtClean="0">
+                  <a:solidFill>
+                    <a:schemeClr val="tx1"/>
+                  </a:solidFill>
+                  <a:effectLst/>
+                  <a:latin typeface="KievitPro-Regular" charset="0"/>
+                  <a:ea typeface="+mn-ea"/>
+                  <a:cs typeface="+mn-cs"/>
+                </a:defRPr>
+              </a:lvl1pPr>
+              <a:lvl2pPr marL="2194560" indent="0" algn="l" defTabSz="4389120" rtl="0" eaLnBrk="1" latinLnBrk="0" hangingPunct="1">
+                <a:lnSpc>
+                  <a:spcPct val="90000"/>
+                </a:lnSpc>
+                <a:spcBef>
+                  <a:spcPts val="2400"/>
+                </a:spcBef>
+                <a:buFontTx/>
+                <a:buNone/>
+                <a:defRPr sz="11520" kern="1200">
+                  <a:solidFill>
+                    <a:schemeClr val="tx1"/>
+                  </a:solidFill>
+                  <a:latin typeface="+mn-lt"/>
+                  <a:ea typeface="+mn-ea"/>
+                  <a:cs typeface="+mn-cs"/>
+                </a:defRPr>
+              </a:lvl2pPr>
+              <a:lvl3pPr marL="4389120" indent="0" algn="l" defTabSz="4389120" rtl="0" eaLnBrk="1" latinLnBrk="0" hangingPunct="1">
+                <a:lnSpc>
+                  <a:spcPct val="90000"/>
+                </a:lnSpc>
+                <a:spcBef>
+                  <a:spcPts val="2400"/>
+                </a:spcBef>
+                <a:buFontTx/>
+                <a:buNone/>
+                <a:defRPr sz="9600" kern="1200">
+                  <a:solidFill>
+                    <a:schemeClr val="tx1"/>
+                  </a:solidFill>
+                  <a:latin typeface="+mn-lt"/>
+                  <a:ea typeface="+mn-ea"/>
+                  <a:cs typeface="+mn-cs"/>
+                </a:defRPr>
+              </a:lvl3pPr>
+              <a:lvl4pPr marL="6583680" indent="0" algn="l" defTabSz="4389120" rtl="0" eaLnBrk="1" latinLnBrk="0" hangingPunct="1">
+                <a:lnSpc>
+                  <a:spcPct val="90000"/>
+                </a:lnSpc>
+                <a:spcBef>
+                  <a:spcPts val="2400"/>
+                </a:spcBef>
+                <a:buFontTx/>
+                <a:buNone/>
+                <a:defRPr sz="8640" kern="1200">
+                  <a:solidFill>
+                    <a:schemeClr val="tx1"/>
+                  </a:solidFill>
+                  <a:latin typeface="+mn-lt"/>
+                  <a:ea typeface="+mn-ea"/>
+                  <a:cs typeface="+mn-cs"/>
+                </a:defRPr>
+              </a:lvl4pPr>
+              <a:lvl5pPr marL="8778240" indent="0" algn="l" defTabSz="4389120" rtl="0" eaLnBrk="1" latinLnBrk="0" hangingPunct="1">
+                <a:lnSpc>
+                  <a:spcPct val="90000"/>
+                </a:lnSpc>
+                <a:spcBef>
+                  <a:spcPts val="2400"/>
+                </a:spcBef>
+                <a:buFontTx/>
+                <a:buNone/>
+                <a:defRPr sz="8640" kern="1200">
+                  <a:solidFill>
+                    <a:schemeClr val="tx1"/>
+                  </a:solidFill>
+                  <a:latin typeface="+mn-lt"/>
+                  <a:ea typeface="+mn-ea"/>
+                  <a:cs typeface="+mn-cs"/>
+                </a:defRPr>
+              </a:lvl5pPr>
+              <a:lvl6pPr marL="12070080" indent="-1097280" algn="l" defTabSz="4389120" rtl="0" eaLnBrk="1" latinLnBrk="0" hangingPunct="1">
+                <a:lnSpc>
+                  <a:spcPct val="90000"/>
+                </a:lnSpc>
+                <a:spcBef>
+                  <a:spcPts val="2400"/>
+                </a:spcBef>
+                <a:buFont typeface="Arial" panose="020B0604020202020204" pitchFamily="34" charset="0"/>
+                <a:buChar char="•"/>
+                <a:defRPr sz="8640" kern="1200">
+                  <a:solidFill>
+                    <a:schemeClr val="tx1"/>
+                  </a:solidFill>
+                  <a:latin typeface="+mn-lt"/>
+                  <a:ea typeface="+mn-ea"/>
+                  <a:cs typeface="+mn-cs"/>
+                </a:defRPr>
+              </a:lvl6pPr>
+              <a:lvl7pPr marL="14264640" indent="-1097280" algn="l" defTabSz="4389120" rtl="0" eaLnBrk="1" latinLnBrk="0" hangingPunct="1">
+                <a:lnSpc>
+                  <a:spcPct val="90000"/>
+                </a:lnSpc>
+                <a:spcBef>
+                  <a:spcPts val="2400"/>
+                </a:spcBef>
+                <a:buFont typeface="Arial" panose="020B0604020202020204" pitchFamily="34" charset="0"/>
+                <a:buChar char="•"/>
+                <a:defRPr sz="8640" kern="1200">
+                  <a:solidFill>
+                    <a:schemeClr val="tx1"/>
+                  </a:solidFill>
+                  <a:latin typeface="+mn-lt"/>
+                  <a:ea typeface="+mn-ea"/>
+                  <a:cs typeface="+mn-cs"/>
+                </a:defRPr>
+              </a:lvl7pPr>
+              <a:lvl8pPr marL="16459200" indent="-1097280" algn="l" defTabSz="4389120" rtl="0" eaLnBrk="1" latinLnBrk="0" hangingPunct="1">
+                <a:lnSpc>
+                  <a:spcPct val="90000"/>
+                </a:lnSpc>
+                <a:spcBef>
+                  <a:spcPts val="2400"/>
+                </a:spcBef>
+                <a:buFont typeface="Arial" panose="020B0604020202020204" pitchFamily="34" charset="0"/>
+                <a:buChar char="•"/>
+                <a:defRPr sz="8640" kern="1200">
+                  <a:solidFill>
+                    <a:schemeClr val="tx1"/>
+                  </a:solidFill>
+                  <a:latin typeface="+mn-lt"/>
+                  <a:ea typeface="+mn-ea"/>
+                  <a:cs typeface="+mn-cs"/>
+                </a:defRPr>
+              </a:lvl8pPr>
+              <a:lvl9pPr marL="18653760" indent="-1097280" algn="l" defTabSz="4389120" rtl="0" eaLnBrk="1" latinLnBrk="0" hangingPunct="1">
+                <a:lnSpc>
+                  <a:spcPct val="90000"/>
+                </a:lnSpc>
+                <a:spcBef>
+                  <a:spcPts val="2400"/>
+                </a:spcBef>
+                <a:buFont typeface="Arial" panose="020B0604020202020204" pitchFamily="34" charset="0"/>
+                <a:buChar char="•"/>
+                <a:defRPr sz="8640" kern="1200">
+                  <a:solidFill>
+                    <a:schemeClr val="tx1"/>
+                  </a:solidFill>
+                  <a:latin typeface="+mn-lt"/>
+                  <a:ea typeface="+mn-ea"/>
+                  <a:cs typeface="+mn-cs"/>
+                </a:defRPr>
+              </a:lvl9pPr>
+            </a:lstStyle>
+            <a:p>
+              <a:pPr algn="ctr">
+                <a:lnSpc>
+                  <a:spcPct val="100000"/>
+                </a:lnSpc>
+                <a:spcAft>
+                  <a:spcPts val="0"/>
+                </a:spcAft>
+              </a:pPr>
+              <a:r>
+                <a:rPr lang="en-US" sz="3800" dirty="0">
+                  <a:latin typeface="Verdana Regular" charset="0"/>
+                </a:rPr>
+                <a:t>Power of Unity + Experience </a:t>
+              </a:r>
+              <a:r>
+                <a:rPr lang="en-US" sz="3800" dirty="0" smtClean="0">
+                  <a:latin typeface="Verdana Regular" charset="0"/>
+                </a:rPr>
+                <a:t>of VR + C# =</a:t>
+              </a:r>
+            </a:p>
+            <a:p>
+              <a:pPr algn="ctr">
+                <a:lnSpc>
+                  <a:spcPct val="100000"/>
+                </a:lnSpc>
+                <a:spcAft>
+                  <a:spcPts val="2600"/>
+                </a:spcAft>
+              </a:pPr>
+              <a:r>
+                <a:rPr lang="en-US" sz="3800" dirty="0" smtClean="0">
+                  <a:latin typeface="Verdana Regular" charset="0"/>
+                </a:rPr>
+                <a:t>An intuitive tool to create complex structures   out of simple gestures and ideas</a:t>
+              </a:r>
+            </a:p>
+            <a:p>
+              <a:pPr>
+                <a:lnSpc>
+                  <a:spcPct val="100000"/>
+                </a:lnSpc>
+                <a:spcAft>
+                  <a:spcPts val="0"/>
+                </a:spcAft>
+              </a:pPr>
+              <a:r>
+                <a:rPr lang="en-US" sz="3600" dirty="0" smtClean="0">
+                  <a:latin typeface="Verdana Regular" charset="0"/>
+                </a:rPr>
+                <a:t>1) 3D </a:t>
+              </a:r>
+              <a:r>
+                <a:rPr lang="en-US" sz="3600" dirty="0">
+                  <a:latin typeface="Verdana Regular" charset="0"/>
+                </a:rPr>
+                <a:t>objects can be spawned by selecting from </a:t>
+              </a:r>
+              <a:endParaRPr lang="en-US" sz="3600" dirty="0" smtClean="0">
+                <a:latin typeface="Verdana Regular" charset="0"/>
+              </a:endParaRPr>
+            </a:p>
+            <a:p>
+              <a:pPr>
+                <a:lnSpc>
+                  <a:spcPct val="100000"/>
+                </a:lnSpc>
+                <a:spcAft>
+                  <a:spcPts val="2600"/>
+                </a:spcAft>
+              </a:pPr>
+              <a:r>
+                <a:rPr lang="en-US" sz="3600" dirty="0" smtClean="0">
+                  <a:latin typeface="Verdana Regular" charset="0"/>
+                </a:rPr>
+                <a:t>    the </a:t>
+              </a:r>
+              <a:r>
+                <a:rPr lang="en-US" sz="3600" dirty="0">
+                  <a:latin typeface="Verdana Regular" charset="0"/>
+                </a:rPr>
+                <a:t>in-game menu via an HTC Vive controller. </a:t>
+              </a:r>
+            </a:p>
+            <a:p>
+              <a:pPr>
+                <a:lnSpc>
+                  <a:spcPct val="100000"/>
+                </a:lnSpc>
+                <a:spcAft>
+                  <a:spcPts val="0"/>
+                </a:spcAft>
+              </a:pPr>
+              <a:r>
+                <a:rPr lang="en-US" sz="3600" dirty="0">
+                  <a:latin typeface="Verdana Regular" charset="0"/>
+                </a:rPr>
+                <a:t>2) Objects can be resized, combined, </a:t>
+              </a:r>
+              <a:r>
+                <a:rPr lang="en-US" sz="3600" dirty="0" smtClean="0">
+                  <a:latin typeface="Verdana Regular" charset="0"/>
+                </a:rPr>
+                <a:t>and   </a:t>
+              </a:r>
+            </a:p>
+            <a:p>
+              <a:pPr>
+                <a:lnSpc>
+                  <a:spcPct val="100000"/>
+                </a:lnSpc>
+                <a:spcAft>
+                  <a:spcPts val="2600"/>
+                </a:spcAft>
+              </a:pPr>
+              <a:r>
+                <a:rPr lang="en-US" sz="3600" dirty="0">
+                  <a:latin typeface="Verdana Regular" charset="0"/>
+                </a:rPr>
+                <a:t> </a:t>
+              </a:r>
+              <a:r>
+                <a:rPr lang="en-US" sz="3600" dirty="0" smtClean="0">
+                  <a:latin typeface="Verdana Regular" charset="0"/>
+                </a:rPr>
+                <a:t>   altered </a:t>
+              </a:r>
+              <a:r>
+                <a:rPr lang="en-US" sz="3600" dirty="0">
+                  <a:latin typeface="Verdana Regular" charset="0"/>
+                </a:rPr>
+                <a:t>according to the user’s whim. </a:t>
+              </a:r>
+            </a:p>
+            <a:p>
+              <a:pPr>
+                <a:lnSpc>
+                  <a:spcPct val="100000"/>
+                </a:lnSpc>
+                <a:spcAft>
+                  <a:spcPts val="0"/>
+                </a:spcAft>
+              </a:pPr>
+              <a:r>
+                <a:rPr lang="en-US" sz="3600" dirty="0">
+                  <a:latin typeface="Verdana Regular" charset="0"/>
+                </a:rPr>
+                <a:t>3) Curves can also be drawn </a:t>
+              </a:r>
+              <a:r>
+                <a:rPr lang="en-US" sz="3600" dirty="0" smtClean="0">
+                  <a:latin typeface="Verdana Regular" charset="0"/>
+                </a:rPr>
+                <a:t>mathematically, </a:t>
+              </a:r>
+            </a:p>
+            <a:p>
+              <a:pPr>
+                <a:lnSpc>
+                  <a:spcPct val="100000"/>
+                </a:lnSpc>
+                <a:spcAft>
+                  <a:spcPts val="2600"/>
+                </a:spcAft>
+              </a:pPr>
+              <a:r>
+                <a:rPr lang="en-US" sz="3600" dirty="0">
+                  <a:latin typeface="Verdana Regular" charset="0"/>
+                </a:rPr>
+                <a:t> </a:t>
+              </a:r>
+              <a:r>
+                <a:rPr lang="en-US" sz="3600" dirty="0" smtClean="0">
+                  <a:latin typeface="Verdana Regular" charset="0"/>
+                </a:rPr>
+                <a:t>   and </a:t>
+              </a:r>
+              <a:r>
+                <a:rPr lang="en-US" sz="3600" dirty="0">
+                  <a:latin typeface="Verdana Regular" charset="0"/>
+                </a:rPr>
+                <a:t>then changed into various 3D structures.</a:t>
+              </a:r>
+            </a:p>
+            <a:p>
+              <a:pPr>
+                <a:lnSpc>
+                  <a:spcPct val="100000"/>
+                </a:lnSpc>
+                <a:spcAft>
+                  <a:spcPts val="0"/>
+                </a:spcAft>
+              </a:pPr>
+              <a:r>
+                <a:rPr lang="en-US" sz="3600" dirty="0">
+                  <a:latin typeface="Verdana Regular" charset="0"/>
+                </a:rPr>
+                <a:t>4) Save and load objects and environments </a:t>
+              </a:r>
+              <a:r>
+                <a:rPr lang="en-US" sz="3600" dirty="0" smtClean="0">
+                  <a:latin typeface="Verdana Regular" charset="0"/>
+                </a:rPr>
+                <a:t>to   </a:t>
+              </a:r>
+            </a:p>
+            <a:p>
+              <a:pPr>
+                <a:lnSpc>
+                  <a:spcPct val="100000"/>
+                </a:lnSpc>
+                <a:spcAft>
+                  <a:spcPts val="2600"/>
+                </a:spcAft>
+              </a:pPr>
+              <a:r>
+                <a:rPr lang="en-US" sz="3600" dirty="0">
+                  <a:latin typeface="Verdana Regular" charset="0"/>
+                </a:rPr>
+                <a:t> </a:t>
+              </a:r>
+              <a:r>
+                <a:rPr lang="en-US" sz="3600" dirty="0" smtClean="0">
+                  <a:latin typeface="Verdana Regular" charset="0"/>
+                </a:rPr>
+                <a:t>   come </a:t>
+              </a:r>
+              <a:r>
+                <a:rPr lang="en-US" sz="3600" dirty="0">
+                  <a:latin typeface="Verdana Regular" charset="0"/>
+                </a:rPr>
+                <a:t>back to or continually cherish creations.</a:t>
+              </a:r>
+            </a:p>
+          </p:txBody>
+        </p:sp>
+      </p:grpSp>
+      <p:sp>
+        <p:nvSpPr>
+          <p:cNvPr id="10" name="Text Placeholder 16"/>
+          <p:cNvSpPr txBox="1">
+            <a:spLocks/>
+          </p:cNvSpPr>
+          <p:nvPr/>
+        </p:nvSpPr>
+        <p:spPr>
+          <a:xfrm>
+            <a:off x="766364" y="15227473"/>
+            <a:ext cx="10271657" cy="747897"/>
+          </a:xfrm>
+          <a:prstGeom prst="rect">
+            <a:avLst/>
+          </a:prstGeom>
+        </p:spPr>
+        <p:txBody>
+          <a:bodyPr wrap="square" lIns="0" tIns="0" rIns="0" bIns="0">
+            <a:spAutoFit/>
+          </a:bodyPr>
+          <a:lstStyle>
+            <a:lvl1pPr marL="0" indent="0" algn="l" defTabSz="4389120" rtl="0" eaLnBrk="1" latinLnBrk="0" hangingPunct="1">
+              <a:lnSpc>
+                <a:spcPct val="90000"/>
+              </a:lnSpc>
+              <a:spcBef>
+                <a:spcPts val="4800"/>
+              </a:spcBef>
+              <a:buFontTx/>
+              <a:buNone/>
+              <a:defRPr sz="4800" kern="1200" cap="all" baseline="0">
+                <a:solidFill>
+                  <a:schemeClr val="tx1"/>
+                </a:solidFill>
+                <a:latin typeface="KievitPro-Medium" charset="0"/>
+                <a:ea typeface="+mn-ea"/>
+                <a:cs typeface="+mn-cs"/>
+              </a:defRPr>
+            </a:lvl1pPr>
+            <a:lvl2pPr marL="2194560" indent="0" algn="l" defTabSz="4389120" rtl="0" eaLnBrk="1" latinLnBrk="0" hangingPunct="1">
+              <a:lnSpc>
+                <a:spcPct val="90000"/>
+              </a:lnSpc>
+              <a:spcBef>
+                <a:spcPts val="2400"/>
+              </a:spcBef>
+              <a:buFontTx/>
+              <a:buNone/>
+              <a:defRPr sz="4800" kern="1200" cap="all" baseline="0">
+                <a:solidFill>
+                  <a:schemeClr val="tx1"/>
+                </a:solidFill>
+                <a:latin typeface="KievitPro-Medium" charset="0"/>
+                <a:ea typeface="+mn-ea"/>
+                <a:cs typeface="+mn-cs"/>
+              </a:defRPr>
+            </a:lvl2pPr>
+            <a:lvl3pPr marL="4389120" indent="0" algn="l" defTabSz="4389120" rtl="0" eaLnBrk="1" latinLnBrk="0" hangingPunct="1">
+              <a:lnSpc>
+                <a:spcPct val="90000"/>
+              </a:lnSpc>
+              <a:spcBef>
+                <a:spcPts val="2400"/>
+              </a:spcBef>
+              <a:buFontTx/>
+              <a:buNone/>
+              <a:defRPr sz="4800" kern="1200" cap="all" baseline="0">
+                <a:solidFill>
+                  <a:schemeClr val="tx1"/>
+                </a:solidFill>
+                <a:latin typeface="KievitPro-Medium" charset="0"/>
+                <a:ea typeface="+mn-ea"/>
+                <a:cs typeface="+mn-cs"/>
+              </a:defRPr>
+            </a:lvl3pPr>
+            <a:lvl4pPr marL="6583680" indent="0" algn="l" defTabSz="4389120" rtl="0" eaLnBrk="1" latinLnBrk="0" hangingPunct="1">
+              <a:lnSpc>
+                <a:spcPct val="90000"/>
+              </a:lnSpc>
+              <a:spcBef>
+                <a:spcPts val="2400"/>
+              </a:spcBef>
+              <a:buFontTx/>
+              <a:buNone/>
+              <a:defRPr sz="4800" kern="1200" cap="all" baseline="0">
+                <a:solidFill>
+                  <a:schemeClr val="tx1"/>
+                </a:solidFill>
+                <a:latin typeface="KievitPro-Medium" charset="0"/>
+                <a:ea typeface="+mn-ea"/>
+                <a:cs typeface="+mn-cs"/>
+              </a:defRPr>
+            </a:lvl4pPr>
+            <a:lvl5pPr marL="8778240" indent="0" algn="l" defTabSz="4389120" rtl="0" eaLnBrk="1" latinLnBrk="0" hangingPunct="1">
+              <a:lnSpc>
+                <a:spcPct val="90000"/>
+              </a:lnSpc>
+              <a:spcBef>
+                <a:spcPts val="2400"/>
+              </a:spcBef>
+              <a:buFontTx/>
+              <a:buNone/>
+              <a:defRPr sz="4800" kern="1200" cap="all" baseline="0">
+                <a:solidFill>
+                  <a:schemeClr val="tx1"/>
+                </a:solidFill>
+                <a:latin typeface="KievitPro-Medium" charset="0"/>
+                <a:ea typeface="+mn-ea"/>
+                <a:cs typeface="+mn-cs"/>
+              </a:defRPr>
+            </a:lvl5pPr>
+            <a:lvl6pPr marL="12070080" indent="-1097280" algn="l" defTabSz="4389120" rtl="0" eaLnBrk="1" latinLnBrk="0" hangingPunct="1">
+              <a:lnSpc>
+                <a:spcPct val="90000"/>
+              </a:lnSpc>
+              <a:spcBef>
+                <a:spcPts val="2400"/>
+              </a:spcBef>
+              <a:buFont typeface="Arial" panose="020B0604020202020204" pitchFamily="34" charset="0"/>
+              <a:buChar char="•"/>
+              <a:defRPr sz="8640" kern="1200">
+                <a:solidFill>
+                  <a:schemeClr val="tx1"/>
+                </a:solidFill>
+                <a:latin typeface="+mn-lt"/>
+                <a:ea typeface="+mn-ea"/>
+                <a:cs typeface="+mn-cs"/>
+              </a:defRPr>
+            </a:lvl6pPr>
+            <a:lvl7pPr marL="14264640" indent="-1097280" algn="l" defTabSz="4389120" rtl="0" eaLnBrk="1" latinLnBrk="0" hangingPunct="1">
+              <a:lnSpc>
+                <a:spcPct val="90000"/>
+              </a:lnSpc>
+              <a:spcBef>
+                <a:spcPts val="2400"/>
+              </a:spcBef>
+              <a:buFont typeface="Arial" panose="020B0604020202020204" pitchFamily="34" charset="0"/>
+              <a:buChar char="•"/>
+              <a:defRPr sz="8640" kern="1200">
+                <a:solidFill>
+                  <a:schemeClr val="tx1"/>
+                </a:solidFill>
+                <a:latin typeface="+mn-lt"/>
+                <a:ea typeface="+mn-ea"/>
+                <a:cs typeface="+mn-cs"/>
+              </a:defRPr>
+            </a:lvl7pPr>
+            <a:lvl8pPr marL="16459200" indent="-1097280" algn="l" defTabSz="4389120" rtl="0" eaLnBrk="1" latinLnBrk="0" hangingPunct="1">
+              <a:lnSpc>
+                <a:spcPct val="90000"/>
+              </a:lnSpc>
+              <a:spcBef>
+                <a:spcPts val="2400"/>
+              </a:spcBef>
+              <a:buFont typeface="Arial" panose="020B0604020202020204" pitchFamily="34" charset="0"/>
+              <a:buChar char="•"/>
+              <a:defRPr sz="8640" kern="1200">
+                <a:solidFill>
+                  <a:schemeClr val="tx1"/>
+                </a:solidFill>
+                <a:latin typeface="+mn-lt"/>
+                <a:ea typeface="+mn-ea"/>
+                <a:cs typeface="+mn-cs"/>
+              </a:defRPr>
+            </a:lvl8pPr>
+            <a:lvl9pPr marL="18653760" indent="-1097280" algn="l" defTabSz="4389120" rtl="0" eaLnBrk="1" latinLnBrk="0" hangingPunct="1">
+              <a:lnSpc>
+                <a:spcPct val="90000"/>
+              </a:lnSpc>
+              <a:spcBef>
+                <a:spcPts val="2400"/>
+              </a:spcBef>
+              <a:buFont typeface="Arial" panose="020B0604020202020204" pitchFamily="34" charset="0"/>
+              <a:buChar char="•"/>
+              <a:defRPr sz="8640" kern="1200">
+                <a:solidFill>
+                  <a:schemeClr val="tx1"/>
+                </a:solidFill>
+                <a:latin typeface="+mn-lt"/>
+                <a:ea typeface="+mn-ea"/>
+                <a:cs typeface="+mn-cs"/>
+              </a:defRPr>
+            </a:lvl9pPr>
+          </a:lstStyle>
+          <a:p>
+            <a:pPr algn="ctr"/>
+            <a:r>
+              <a:rPr lang="en-US" sz="5400" dirty="0" smtClean="0">
+                <a:solidFill>
+                  <a:srgbClr val="FFFFFF"/>
+                </a:solidFill>
+                <a:latin typeface="Verdana Regular" charset="0"/>
+              </a:rPr>
+              <a:t>Our Vision</a:t>
+            </a:r>
+            <a:endParaRPr lang="en-US" sz="5400" dirty="0">
+              <a:solidFill>
+                <a:srgbClr val="FFFFFF"/>
+              </a:solidFill>
+              <a:latin typeface="Verdana Regular" charset="0"/>
+            </a:endParaRPr>
+          </a:p>
+        </p:txBody>
+      </p:sp>
+      <p:sp>
+        <p:nvSpPr>
+          <p:cNvPr id="11" name="Text Placeholder 18"/>
+          <p:cNvSpPr txBox="1">
+            <a:spLocks/>
+          </p:cNvSpPr>
+          <p:nvPr/>
+        </p:nvSpPr>
+        <p:spPr>
+          <a:xfrm>
+            <a:off x="1822868" y="6021392"/>
+            <a:ext cx="8557274" cy="8089394"/>
+          </a:xfrm>
+          <a:prstGeom prst="rect">
+            <a:avLst/>
+          </a:prstGeom>
+        </p:spPr>
+        <p:txBody>
+          <a:bodyPr wrap="square" lIns="0" tIns="0" rIns="0" bIns="0">
+            <a:spAutoFit/>
+          </a:bodyPr>
+          <a:lstStyle>
+            <a:lvl1pPr marL="457200" marR="0" indent="-457200" algn="l" defTabSz="4389120" rtl="0" eaLnBrk="1" fontAlgn="auto" latinLnBrk="0" hangingPunct="1">
+              <a:lnSpc>
+                <a:spcPts val="3360"/>
+              </a:lnSpc>
+              <a:spcBef>
+                <a:spcPts val="0"/>
+              </a:spcBef>
+              <a:spcAft>
+                <a:spcPts val="800"/>
+              </a:spcAft>
+              <a:buClrTx/>
+              <a:buSzTx/>
+              <a:buFont typeface="Arial" charset="0"/>
+              <a:buChar char="•"/>
+              <a:tabLst/>
+              <a:defRPr lang="en-US" sz="2800" kern="1200" baseline="0" smtClean="0">
+                <a:solidFill>
+                  <a:schemeClr val="tx1"/>
+                </a:solidFill>
+                <a:effectLst/>
+                <a:latin typeface="KievitPro-Regular" charset="0"/>
+                <a:ea typeface="+mn-ea"/>
+                <a:cs typeface="+mn-cs"/>
+              </a:defRPr>
+            </a:lvl1pPr>
+            <a:lvl2pPr marL="2194560" indent="0" algn="l" defTabSz="4389120" rtl="0" eaLnBrk="1" latinLnBrk="0" hangingPunct="1">
+              <a:lnSpc>
+                <a:spcPct val="90000"/>
+              </a:lnSpc>
+              <a:spcBef>
+                <a:spcPts val="2400"/>
+              </a:spcBef>
+              <a:buFontTx/>
+              <a:buNone/>
+              <a:defRPr sz="2800" kern="1200">
+                <a:solidFill>
+                  <a:schemeClr val="tx1"/>
+                </a:solidFill>
+                <a:latin typeface="+mn-lt"/>
+                <a:ea typeface="+mn-ea"/>
+                <a:cs typeface="+mn-cs"/>
+              </a:defRPr>
+            </a:lvl2pPr>
+            <a:lvl3pPr marL="4389120" indent="0" algn="l" defTabSz="4389120" rtl="0" eaLnBrk="1" latinLnBrk="0" hangingPunct="1">
+              <a:lnSpc>
+                <a:spcPct val="90000"/>
+              </a:lnSpc>
+              <a:spcBef>
+                <a:spcPts val="2400"/>
+              </a:spcBef>
+              <a:buFontTx/>
+              <a:buNone/>
+              <a:defRPr sz="9600" kern="1200">
+                <a:solidFill>
+                  <a:schemeClr val="tx1"/>
+                </a:solidFill>
+                <a:latin typeface="+mn-lt"/>
+                <a:ea typeface="+mn-ea"/>
+                <a:cs typeface="+mn-cs"/>
+              </a:defRPr>
+            </a:lvl3pPr>
+            <a:lvl4pPr marL="6583680" indent="0" algn="l" defTabSz="4389120" rtl="0" eaLnBrk="1" latinLnBrk="0" hangingPunct="1">
+              <a:lnSpc>
+                <a:spcPct val="90000"/>
+              </a:lnSpc>
+              <a:spcBef>
+                <a:spcPts val="2400"/>
+              </a:spcBef>
+              <a:buFontTx/>
+              <a:buNone/>
+              <a:defRPr sz="8640" kern="1200">
+                <a:solidFill>
+                  <a:schemeClr val="tx1"/>
+                </a:solidFill>
+                <a:latin typeface="+mn-lt"/>
+                <a:ea typeface="+mn-ea"/>
+                <a:cs typeface="+mn-cs"/>
+              </a:defRPr>
+            </a:lvl4pPr>
+            <a:lvl5pPr marL="8778240" indent="0" algn="l" defTabSz="4389120" rtl="0" eaLnBrk="1" latinLnBrk="0" hangingPunct="1">
+              <a:lnSpc>
+                <a:spcPct val="90000"/>
+              </a:lnSpc>
+              <a:spcBef>
+                <a:spcPts val="2400"/>
+              </a:spcBef>
+              <a:buFontTx/>
+              <a:buNone/>
+              <a:defRPr sz="8640" kern="1200">
+                <a:solidFill>
+                  <a:schemeClr val="tx1"/>
+                </a:solidFill>
+                <a:latin typeface="+mn-lt"/>
+                <a:ea typeface="+mn-ea"/>
+                <a:cs typeface="+mn-cs"/>
+              </a:defRPr>
+            </a:lvl5pPr>
+            <a:lvl6pPr marL="12070080" indent="-1097280" algn="l" defTabSz="4389120" rtl="0" eaLnBrk="1" latinLnBrk="0" hangingPunct="1">
+              <a:lnSpc>
+                <a:spcPct val="90000"/>
+              </a:lnSpc>
+              <a:spcBef>
+                <a:spcPts val="2400"/>
+              </a:spcBef>
+              <a:buFont typeface="Arial" panose="020B0604020202020204" pitchFamily="34" charset="0"/>
+              <a:buChar char="•"/>
+              <a:defRPr sz="8640" kern="1200">
+                <a:solidFill>
+                  <a:schemeClr val="tx1"/>
+                </a:solidFill>
+                <a:latin typeface="+mn-lt"/>
+                <a:ea typeface="+mn-ea"/>
+                <a:cs typeface="+mn-cs"/>
+              </a:defRPr>
+            </a:lvl6pPr>
+            <a:lvl7pPr marL="14264640" indent="-1097280" algn="l" defTabSz="4389120" rtl="0" eaLnBrk="1" latinLnBrk="0" hangingPunct="1">
+              <a:lnSpc>
+                <a:spcPct val="90000"/>
+              </a:lnSpc>
+              <a:spcBef>
+                <a:spcPts val="2400"/>
+              </a:spcBef>
+              <a:buFont typeface="Arial" panose="020B0604020202020204" pitchFamily="34" charset="0"/>
+              <a:buChar char="•"/>
+              <a:defRPr sz="8640" kern="1200">
+                <a:solidFill>
+                  <a:schemeClr val="tx1"/>
+                </a:solidFill>
+                <a:latin typeface="+mn-lt"/>
+                <a:ea typeface="+mn-ea"/>
+                <a:cs typeface="+mn-cs"/>
+              </a:defRPr>
+            </a:lvl7pPr>
+            <a:lvl8pPr marL="16459200" indent="-1097280" algn="l" defTabSz="4389120" rtl="0" eaLnBrk="1" latinLnBrk="0" hangingPunct="1">
+              <a:lnSpc>
+                <a:spcPct val="90000"/>
+              </a:lnSpc>
+              <a:spcBef>
+                <a:spcPts val="2400"/>
+              </a:spcBef>
+              <a:buFont typeface="Arial" panose="020B0604020202020204" pitchFamily="34" charset="0"/>
+              <a:buChar char="•"/>
+              <a:defRPr sz="8640" kern="1200">
+                <a:solidFill>
+                  <a:schemeClr val="tx1"/>
+                </a:solidFill>
+                <a:latin typeface="+mn-lt"/>
+                <a:ea typeface="+mn-ea"/>
+                <a:cs typeface="+mn-cs"/>
+              </a:defRPr>
+            </a:lvl8pPr>
+            <a:lvl9pPr marL="18653760" indent="-1097280" algn="l" defTabSz="4389120" rtl="0" eaLnBrk="1" latinLnBrk="0" hangingPunct="1">
+              <a:lnSpc>
+                <a:spcPct val="90000"/>
+              </a:lnSpc>
+              <a:spcBef>
+                <a:spcPts val="2400"/>
+              </a:spcBef>
+              <a:buFont typeface="Arial" panose="020B0604020202020204" pitchFamily="34" charset="0"/>
+              <a:buChar char="•"/>
+              <a:defRPr sz="8640" kern="1200">
+                <a:solidFill>
+                  <a:schemeClr val="tx1"/>
+                </a:solidFill>
+                <a:latin typeface="+mn-lt"/>
+                <a:ea typeface="+mn-ea"/>
+                <a:cs typeface="+mn-cs"/>
+              </a:defRPr>
+            </a:lvl9pPr>
+          </a:lstStyle>
+          <a:p>
+            <a:pPr marL="0" indent="0">
+              <a:lnSpc>
+                <a:spcPct val="100000"/>
+              </a:lnSpc>
+              <a:spcAft>
+                <a:spcPts val="2600"/>
+              </a:spcAft>
+              <a:buNone/>
+            </a:pPr>
+            <a:r>
+              <a:rPr lang="en-US" sz="4100" dirty="0">
+                <a:solidFill>
+                  <a:schemeClr val="bg1"/>
+                </a:solidFill>
+                <a:latin typeface="Verdana" charset="0"/>
+                <a:ea typeface="Verdana" charset="0"/>
+                <a:cs typeface="Verdana" charset="0"/>
+              </a:rPr>
+              <a:t>Today’s computer systems utilize many forms of user interfaces that allow users to seamlessly interact with their electronic devices.</a:t>
+            </a:r>
+          </a:p>
+          <a:p>
+            <a:pPr marL="0" indent="0">
+              <a:lnSpc>
+                <a:spcPct val="100000"/>
+              </a:lnSpc>
+              <a:spcAft>
+                <a:spcPts val="2600"/>
+              </a:spcAft>
+              <a:buNone/>
+            </a:pPr>
+            <a:r>
+              <a:rPr lang="en-US" sz="4100" dirty="0">
+                <a:solidFill>
+                  <a:schemeClr val="bg1"/>
+                </a:solidFill>
+                <a:latin typeface="Verdana" charset="0"/>
+                <a:ea typeface="Verdana" charset="0"/>
+                <a:cs typeface="Verdana" charset="0"/>
+              </a:rPr>
+              <a:t>Alternative methods of user input and interfaces are becoming more popular, creating a basis for a new generation of user interfaces </a:t>
+            </a:r>
+            <a:r>
+              <a:rPr lang="en-US" sz="4100" dirty="0" smtClean="0">
+                <a:solidFill>
+                  <a:schemeClr val="bg1"/>
+                </a:solidFill>
+                <a:latin typeface="Verdana" charset="0"/>
+                <a:ea typeface="Verdana" charset="0"/>
+                <a:cs typeface="Verdana" charset="0"/>
+              </a:rPr>
+              <a:t> for </a:t>
+            </a:r>
+            <a:r>
+              <a:rPr lang="en-US" sz="4100" dirty="0">
+                <a:solidFill>
+                  <a:schemeClr val="bg1"/>
+                </a:solidFill>
+                <a:latin typeface="Verdana" charset="0"/>
+                <a:ea typeface="Verdana" charset="0"/>
+                <a:cs typeface="Verdana" charset="0"/>
+              </a:rPr>
+              <a:t>architectural and industrial designing.</a:t>
+            </a:r>
+          </a:p>
+        </p:txBody>
+      </p:sp>
+      <p:sp>
+        <p:nvSpPr>
+          <p:cNvPr id="12" name="Title 1"/>
+          <p:cNvSpPr txBox="1">
+            <a:spLocks/>
+          </p:cNvSpPr>
+          <p:nvPr/>
+        </p:nvSpPr>
+        <p:spPr>
+          <a:xfrm>
+            <a:off x="12292012" y="3463917"/>
+            <a:ext cx="19544200" cy="1542674"/>
+          </a:xfrm>
+          <a:prstGeom prst="rect">
+            <a:avLst/>
+          </a:prstGeom>
+        </p:spPr>
+        <p:txBody>
+          <a:bodyPr wrap="square" lIns="0" tIns="0" rIns="0" bIns="0" anchor="t" anchorCtr="0">
+            <a:noAutofit/>
+          </a:bodyPr>
+          <a:lstStyle>
+            <a:lvl1pPr algn="l" defTabSz="4389120" rtl="0" eaLnBrk="1" latinLnBrk="0" hangingPunct="1">
+              <a:lnSpc>
+                <a:spcPct val="90000"/>
+              </a:lnSpc>
+              <a:spcBef>
+                <a:spcPct val="0"/>
+              </a:spcBef>
+              <a:buNone/>
+              <a:defRPr sz="12500" kern="1200" cap="all" baseline="0">
+                <a:solidFill>
+                  <a:schemeClr val="tx2"/>
+                </a:solidFill>
+                <a:latin typeface="Stratum2 Bold" charset="0"/>
+                <a:ea typeface="+mj-ea"/>
+                <a:cs typeface="+mj-cs"/>
+              </a:defRPr>
+            </a:lvl1pPr>
+          </a:lstStyle>
+          <a:p>
+            <a:r>
+              <a:rPr lang="en-US" spc="100" dirty="0" smtClean="0">
+                <a:solidFill>
+                  <a:srgbClr val="E05529"/>
+                </a:solidFill>
+                <a:latin typeface="Impact" charset="0"/>
+                <a:ea typeface="Impact" charset="0"/>
+                <a:cs typeface="Impact" charset="0"/>
+              </a:rPr>
+              <a:t>Designing In Virtual reality</a:t>
+            </a:r>
+            <a:endParaRPr lang="en-US" spc="100" dirty="0">
+              <a:solidFill>
+                <a:srgbClr val="E05529"/>
+              </a:solidFill>
+              <a:latin typeface="Impact" charset="0"/>
+              <a:ea typeface="Impact" charset="0"/>
+              <a:cs typeface="Impact" charset="0"/>
+            </a:endParaRPr>
+          </a:p>
+        </p:txBody>
+      </p:sp>
+      <p:sp>
+        <p:nvSpPr>
+          <p:cNvPr id="13" name="Subtitle 2"/>
+          <p:cNvSpPr txBox="1">
+            <a:spLocks/>
+          </p:cNvSpPr>
+          <p:nvPr/>
+        </p:nvSpPr>
+        <p:spPr>
+          <a:xfrm>
+            <a:off x="12292012" y="5300032"/>
+            <a:ext cx="19544199" cy="1270100"/>
+          </a:xfrm>
+          <a:prstGeom prst="rect">
+            <a:avLst/>
+          </a:prstGeom>
+        </p:spPr>
+        <p:txBody>
+          <a:bodyPr lIns="0" tIns="0" rIns="0" bIns="0"/>
+          <a:lstStyle>
+            <a:lvl1pPr marL="0" indent="0" algn="l" defTabSz="4389120" rtl="0" eaLnBrk="1" latinLnBrk="0" hangingPunct="1">
+              <a:lnSpc>
+                <a:spcPts val="8640"/>
+              </a:lnSpc>
+              <a:spcBef>
+                <a:spcPts val="4800"/>
+              </a:spcBef>
+              <a:buFont typeface="Arial" panose="020B0604020202020204" pitchFamily="34" charset="0"/>
+              <a:buNone/>
+              <a:defRPr sz="6600" b="0" i="0" kern="1200" spc="200" baseline="0">
+                <a:solidFill>
+                  <a:schemeClr val="tx1"/>
+                </a:solidFill>
+                <a:latin typeface="Rufina-Stencil-Regular"/>
+                <a:ea typeface="+mn-ea"/>
+                <a:cs typeface="Rufina-Stencil-Regular"/>
+              </a:defRPr>
+            </a:lvl1pPr>
+            <a:lvl2pPr marL="2194560" indent="0" algn="ctr" defTabSz="4389120" rtl="0" eaLnBrk="1" latinLnBrk="0" hangingPunct="1">
+              <a:lnSpc>
+                <a:spcPct val="90000"/>
+              </a:lnSpc>
+              <a:spcBef>
+                <a:spcPts val="2400"/>
+              </a:spcBef>
+              <a:buFont typeface="Arial" panose="020B0604020202020204" pitchFamily="34" charset="0"/>
+              <a:buNone/>
+              <a:defRPr sz="9600" kern="1200">
+                <a:solidFill>
+                  <a:schemeClr val="tx1"/>
+                </a:solidFill>
+                <a:latin typeface="+mn-lt"/>
+                <a:ea typeface="+mn-ea"/>
+                <a:cs typeface="+mn-cs"/>
+              </a:defRPr>
+            </a:lvl2pPr>
+            <a:lvl3pPr marL="4389120" indent="0" algn="ctr" defTabSz="4389120" rtl="0" eaLnBrk="1" latinLnBrk="0" hangingPunct="1">
+              <a:lnSpc>
+                <a:spcPct val="90000"/>
+              </a:lnSpc>
+              <a:spcBef>
+                <a:spcPts val="2400"/>
+              </a:spcBef>
+              <a:buFont typeface="Arial" panose="020B0604020202020204" pitchFamily="34" charset="0"/>
+              <a:buNone/>
+              <a:defRPr sz="8640" kern="1200">
+                <a:solidFill>
+                  <a:schemeClr val="tx1"/>
+                </a:solidFill>
+                <a:latin typeface="+mn-lt"/>
+                <a:ea typeface="+mn-ea"/>
+                <a:cs typeface="+mn-cs"/>
+              </a:defRPr>
+            </a:lvl3pPr>
+            <a:lvl4pPr marL="6583680" indent="0" algn="ctr" defTabSz="4389120" rtl="0" eaLnBrk="1" latinLnBrk="0" hangingPunct="1">
+              <a:lnSpc>
+                <a:spcPct val="90000"/>
+              </a:lnSpc>
+              <a:spcBef>
+                <a:spcPts val="2400"/>
+              </a:spcBef>
+              <a:buFont typeface="Arial" panose="020B0604020202020204" pitchFamily="34" charset="0"/>
+              <a:buNone/>
+              <a:defRPr sz="7680" kern="1200">
+                <a:solidFill>
+                  <a:schemeClr val="tx1"/>
+                </a:solidFill>
+                <a:latin typeface="+mn-lt"/>
+                <a:ea typeface="+mn-ea"/>
+                <a:cs typeface="+mn-cs"/>
+              </a:defRPr>
+            </a:lvl4pPr>
+            <a:lvl5pPr marL="8778240" indent="0" algn="ctr" defTabSz="4389120" rtl="0" eaLnBrk="1" latinLnBrk="0" hangingPunct="1">
+              <a:lnSpc>
+                <a:spcPct val="90000"/>
+              </a:lnSpc>
+              <a:spcBef>
+                <a:spcPts val="2400"/>
+              </a:spcBef>
+              <a:buFont typeface="Arial" panose="020B0604020202020204" pitchFamily="34" charset="0"/>
+              <a:buNone/>
+              <a:defRPr sz="7680" kern="1200">
+                <a:solidFill>
+                  <a:schemeClr val="tx1"/>
+                </a:solidFill>
+                <a:latin typeface="+mn-lt"/>
+                <a:ea typeface="+mn-ea"/>
+                <a:cs typeface="+mn-cs"/>
+              </a:defRPr>
+            </a:lvl5pPr>
+            <a:lvl6pPr marL="10972800" indent="0" algn="ctr" defTabSz="4389120" rtl="0" eaLnBrk="1" latinLnBrk="0" hangingPunct="1">
+              <a:lnSpc>
+                <a:spcPct val="90000"/>
+              </a:lnSpc>
+              <a:spcBef>
+                <a:spcPts val="2400"/>
+              </a:spcBef>
+              <a:buFont typeface="Arial" panose="020B0604020202020204" pitchFamily="34" charset="0"/>
+              <a:buNone/>
+              <a:defRPr sz="7680" kern="1200">
+                <a:solidFill>
+                  <a:schemeClr val="tx1"/>
+                </a:solidFill>
+                <a:latin typeface="+mn-lt"/>
+                <a:ea typeface="+mn-ea"/>
+                <a:cs typeface="+mn-cs"/>
+              </a:defRPr>
+            </a:lvl6pPr>
+            <a:lvl7pPr marL="13167360" indent="0" algn="ctr" defTabSz="4389120" rtl="0" eaLnBrk="1" latinLnBrk="0" hangingPunct="1">
+              <a:lnSpc>
+                <a:spcPct val="90000"/>
+              </a:lnSpc>
+              <a:spcBef>
+                <a:spcPts val="2400"/>
+              </a:spcBef>
+              <a:buFont typeface="Arial" panose="020B0604020202020204" pitchFamily="34" charset="0"/>
+              <a:buNone/>
+              <a:defRPr sz="7680" kern="1200">
+                <a:solidFill>
+                  <a:schemeClr val="tx1"/>
+                </a:solidFill>
+                <a:latin typeface="+mn-lt"/>
+                <a:ea typeface="+mn-ea"/>
+                <a:cs typeface="+mn-cs"/>
+              </a:defRPr>
+            </a:lvl7pPr>
+            <a:lvl8pPr marL="15361920" indent="0" algn="ctr" defTabSz="4389120" rtl="0" eaLnBrk="1" latinLnBrk="0" hangingPunct="1">
+              <a:lnSpc>
+                <a:spcPct val="90000"/>
+              </a:lnSpc>
+              <a:spcBef>
+                <a:spcPts val="2400"/>
+              </a:spcBef>
+              <a:buFont typeface="Arial" panose="020B0604020202020204" pitchFamily="34" charset="0"/>
+              <a:buNone/>
+              <a:defRPr sz="7680" kern="1200">
+                <a:solidFill>
+                  <a:schemeClr val="tx1"/>
+                </a:solidFill>
+                <a:latin typeface="+mn-lt"/>
+                <a:ea typeface="+mn-ea"/>
+                <a:cs typeface="+mn-cs"/>
+              </a:defRPr>
+            </a:lvl8pPr>
+            <a:lvl9pPr marL="17556480" indent="0" algn="ctr" defTabSz="4389120" rtl="0" eaLnBrk="1" latinLnBrk="0" hangingPunct="1">
+              <a:lnSpc>
+                <a:spcPct val="90000"/>
+              </a:lnSpc>
+              <a:spcBef>
+                <a:spcPts val="2400"/>
+              </a:spcBef>
+              <a:buFont typeface="Arial" panose="020B0604020202020204" pitchFamily="34" charset="0"/>
+              <a:buNone/>
+              <a:defRPr sz="7680" kern="1200">
+                <a:solidFill>
+                  <a:schemeClr val="tx1"/>
+                </a:solidFill>
+                <a:latin typeface="+mn-lt"/>
+                <a:ea typeface="+mn-ea"/>
+                <a:cs typeface="+mn-cs"/>
+              </a:defRPr>
+            </a:lvl9pPr>
+          </a:lstStyle>
+          <a:p>
+            <a:r>
+              <a:rPr lang="en-US" dirty="0" smtClean="0">
+                <a:latin typeface="Georgia" charset="0"/>
+                <a:ea typeface="Georgia" charset="0"/>
+                <a:cs typeface="Georgia" charset="0"/>
+              </a:rPr>
+              <a:t>Generative 3D Design in Architecture</a:t>
+            </a:r>
+            <a:endParaRPr lang="en-US" dirty="0">
+              <a:latin typeface="Georgia" charset="0"/>
+              <a:ea typeface="Georgia" charset="0"/>
+              <a:cs typeface="Georgia" charset="0"/>
+            </a:endParaRPr>
+          </a:p>
+        </p:txBody>
+      </p:sp>
+      <p:sp>
+        <p:nvSpPr>
+          <p:cNvPr id="15" name="Text Placeholder 18"/>
+          <p:cNvSpPr txBox="1">
+            <a:spLocks/>
+          </p:cNvSpPr>
+          <p:nvPr/>
+        </p:nvSpPr>
+        <p:spPr>
+          <a:xfrm>
+            <a:off x="33590498" y="9998872"/>
+            <a:ext cx="8757122" cy="1641475"/>
+          </a:xfrm>
+          <a:prstGeom prst="rect">
+            <a:avLst/>
+          </a:prstGeom>
+        </p:spPr>
+        <p:txBody>
+          <a:bodyPr wrap="square" lIns="0" tIns="0" rIns="0" bIns="0">
+            <a:spAutoFit/>
+          </a:bodyPr>
+          <a:lstStyle>
+            <a:lvl1pPr marL="457200" marR="0" indent="-457200" algn="l" defTabSz="4389120" rtl="0" eaLnBrk="1" fontAlgn="auto" latinLnBrk="0" hangingPunct="1">
+              <a:lnSpc>
+                <a:spcPts val="3360"/>
+              </a:lnSpc>
+              <a:spcBef>
+                <a:spcPts val="0"/>
+              </a:spcBef>
+              <a:spcAft>
+                <a:spcPts val="800"/>
+              </a:spcAft>
+              <a:buClrTx/>
+              <a:buSzTx/>
+              <a:buFont typeface="Arial" charset="0"/>
+              <a:buChar char="•"/>
+              <a:tabLst/>
+              <a:defRPr lang="en-US" sz="2800" kern="1200" baseline="0" smtClean="0">
+                <a:solidFill>
+                  <a:schemeClr val="tx1"/>
+                </a:solidFill>
+                <a:effectLst/>
+                <a:latin typeface="KievitPro-Regular" charset="0"/>
+                <a:ea typeface="+mn-ea"/>
+                <a:cs typeface="+mn-cs"/>
+              </a:defRPr>
+            </a:lvl1pPr>
+            <a:lvl2pPr marL="2194560" indent="0" algn="l" defTabSz="4389120" rtl="0" eaLnBrk="1" latinLnBrk="0" hangingPunct="1">
+              <a:lnSpc>
+                <a:spcPct val="90000"/>
+              </a:lnSpc>
+              <a:spcBef>
+                <a:spcPts val="2400"/>
+              </a:spcBef>
+              <a:buFontTx/>
+              <a:buNone/>
+              <a:defRPr sz="2800" kern="1200">
+                <a:solidFill>
+                  <a:schemeClr val="tx1"/>
+                </a:solidFill>
+                <a:latin typeface="+mn-lt"/>
+                <a:ea typeface="+mn-ea"/>
+                <a:cs typeface="+mn-cs"/>
+              </a:defRPr>
+            </a:lvl2pPr>
+            <a:lvl3pPr marL="4389120" indent="0" algn="l" defTabSz="4389120" rtl="0" eaLnBrk="1" latinLnBrk="0" hangingPunct="1">
+              <a:lnSpc>
+                <a:spcPct val="90000"/>
+              </a:lnSpc>
+              <a:spcBef>
+                <a:spcPts val="2400"/>
+              </a:spcBef>
+              <a:buFontTx/>
+              <a:buNone/>
+              <a:defRPr sz="9600" kern="1200">
+                <a:solidFill>
+                  <a:schemeClr val="tx1"/>
+                </a:solidFill>
+                <a:latin typeface="+mn-lt"/>
+                <a:ea typeface="+mn-ea"/>
+                <a:cs typeface="+mn-cs"/>
+              </a:defRPr>
+            </a:lvl3pPr>
+            <a:lvl4pPr marL="6583680" indent="0" algn="l" defTabSz="4389120" rtl="0" eaLnBrk="1" latinLnBrk="0" hangingPunct="1">
+              <a:lnSpc>
+                <a:spcPct val="90000"/>
+              </a:lnSpc>
+              <a:spcBef>
+                <a:spcPts val="2400"/>
+              </a:spcBef>
+              <a:buFontTx/>
+              <a:buNone/>
+              <a:defRPr sz="8640" kern="1200">
+                <a:solidFill>
+                  <a:schemeClr val="tx1"/>
+                </a:solidFill>
+                <a:latin typeface="+mn-lt"/>
+                <a:ea typeface="+mn-ea"/>
+                <a:cs typeface="+mn-cs"/>
+              </a:defRPr>
+            </a:lvl4pPr>
+            <a:lvl5pPr marL="8778240" indent="0" algn="l" defTabSz="4389120" rtl="0" eaLnBrk="1" latinLnBrk="0" hangingPunct="1">
+              <a:lnSpc>
+                <a:spcPct val="90000"/>
+              </a:lnSpc>
+              <a:spcBef>
+                <a:spcPts val="2400"/>
+              </a:spcBef>
+              <a:buFontTx/>
+              <a:buNone/>
+              <a:defRPr sz="8640" kern="1200">
+                <a:solidFill>
+                  <a:schemeClr val="tx1"/>
+                </a:solidFill>
+                <a:latin typeface="+mn-lt"/>
+                <a:ea typeface="+mn-ea"/>
+                <a:cs typeface="+mn-cs"/>
+              </a:defRPr>
+            </a:lvl5pPr>
+            <a:lvl6pPr marL="12070080" indent="-1097280" algn="l" defTabSz="4389120" rtl="0" eaLnBrk="1" latinLnBrk="0" hangingPunct="1">
+              <a:lnSpc>
+                <a:spcPct val="90000"/>
+              </a:lnSpc>
+              <a:spcBef>
+                <a:spcPts val="2400"/>
+              </a:spcBef>
+              <a:buFont typeface="Arial" panose="020B0604020202020204" pitchFamily="34" charset="0"/>
+              <a:buChar char="•"/>
+              <a:defRPr sz="8640" kern="1200">
+                <a:solidFill>
+                  <a:schemeClr val="tx1"/>
+                </a:solidFill>
+                <a:latin typeface="+mn-lt"/>
+                <a:ea typeface="+mn-ea"/>
+                <a:cs typeface="+mn-cs"/>
+              </a:defRPr>
+            </a:lvl6pPr>
+            <a:lvl7pPr marL="14264640" indent="-1097280" algn="l" defTabSz="4389120" rtl="0" eaLnBrk="1" latinLnBrk="0" hangingPunct="1">
+              <a:lnSpc>
+                <a:spcPct val="90000"/>
+              </a:lnSpc>
+              <a:spcBef>
+                <a:spcPts val="2400"/>
+              </a:spcBef>
+              <a:buFont typeface="Arial" panose="020B0604020202020204" pitchFamily="34" charset="0"/>
+              <a:buChar char="•"/>
+              <a:defRPr sz="8640" kern="1200">
+                <a:solidFill>
+                  <a:schemeClr val="tx1"/>
+                </a:solidFill>
+                <a:latin typeface="+mn-lt"/>
+                <a:ea typeface="+mn-ea"/>
+                <a:cs typeface="+mn-cs"/>
+              </a:defRPr>
+            </a:lvl7pPr>
+            <a:lvl8pPr marL="16459200" indent="-1097280" algn="l" defTabSz="4389120" rtl="0" eaLnBrk="1" latinLnBrk="0" hangingPunct="1">
+              <a:lnSpc>
+                <a:spcPct val="90000"/>
+              </a:lnSpc>
+              <a:spcBef>
+                <a:spcPts val="2400"/>
+              </a:spcBef>
+              <a:buFont typeface="Arial" panose="020B0604020202020204" pitchFamily="34" charset="0"/>
+              <a:buChar char="•"/>
+              <a:defRPr sz="8640" kern="1200">
+                <a:solidFill>
+                  <a:schemeClr val="tx1"/>
+                </a:solidFill>
+                <a:latin typeface="+mn-lt"/>
+                <a:ea typeface="+mn-ea"/>
+                <a:cs typeface="+mn-cs"/>
+              </a:defRPr>
+            </a:lvl8pPr>
+            <a:lvl9pPr marL="18653760" indent="-1097280" algn="l" defTabSz="4389120" rtl="0" eaLnBrk="1" latinLnBrk="0" hangingPunct="1">
+              <a:lnSpc>
+                <a:spcPct val="90000"/>
+              </a:lnSpc>
+              <a:spcBef>
+                <a:spcPts val="2400"/>
+              </a:spcBef>
+              <a:buFont typeface="Arial" panose="020B0604020202020204" pitchFamily="34" charset="0"/>
+              <a:buChar char="•"/>
+              <a:defRPr sz="8640" kern="1200">
+                <a:solidFill>
+                  <a:schemeClr val="tx1"/>
+                </a:solidFill>
+                <a:latin typeface="+mn-lt"/>
+                <a:ea typeface="+mn-ea"/>
+                <a:cs typeface="+mn-cs"/>
+              </a:defRPr>
+            </a:lvl9pPr>
+          </a:lstStyle>
+          <a:p>
+            <a:pPr marL="0" indent="0" algn="ctr">
+              <a:spcAft>
+                <a:spcPts val="2600"/>
+              </a:spcAft>
+              <a:buNone/>
+            </a:pPr>
+            <a:r>
+              <a:rPr lang="en-US" sz="3600" dirty="0" smtClean="0">
+                <a:latin typeface="Verdana Regular" charset="0"/>
+              </a:rPr>
+              <a:t>(Pictured from Left to Right)</a:t>
+            </a:r>
+          </a:p>
+          <a:p>
+            <a:pPr marL="0" indent="0" algn="ctr">
+              <a:spcAft>
+                <a:spcPts val="2600"/>
+              </a:spcAft>
+              <a:buNone/>
+            </a:pPr>
+            <a:r>
+              <a:rPr lang="en-US" sz="3600" b="1" dirty="0" err="1" smtClean="0">
+                <a:latin typeface="Verdana Regular" charset="0"/>
+              </a:rPr>
+              <a:t>Nabeel</a:t>
+            </a:r>
+            <a:r>
+              <a:rPr lang="en-US" sz="3600" b="1" dirty="0" smtClean="0">
+                <a:latin typeface="Verdana Regular" charset="0"/>
+              </a:rPr>
+              <a:t> </a:t>
+            </a:r>
+            <a:r>
+              <a:rPr lang="en-US" sz="3600" b="1" dirty="0" err="1" smtClean="0">
+                <a:latin typeface="Verdana Regular" charset="0"/>
+              </a:rPr>
+              <a:t>Shariff</a:t>
+            </a:r>
+            <a:r>
+              <a:rPr lang="en-US" sz="3600" b="1" dirty="0" smtClean="0">
+                <a:latin typeface="Verdana Regular" charset="0"/>
+              </a:rPr>
+              <a:t>, Hannah </a:t>
+            </a:r>
+            <a:r>
+              <a:rPr lang="en-US" sz="3600" b="1" dirty="0" err="1" smtClean="0">
+                <a:latin typeface="Verdana Regular" charset="0"/>
+              </a:rPr>
+              <a:t>Solorzano</a:t>
+            </a:r>
+            <a:r>
+              <a:rPr lang="en-US" sz="3600" b="1" dirty="0" smtClean="0">
+                <a:latin typeface="Verdana Regular" charset="0"/>
+              </a:rPr>
+              <a:t>,  Rhea Mae Edwards</a:t>
+            </a:r>
+            <a:endParaRPr lang="en-US" sz="3600" b="1" dirty="0">
+              <a:latin typeface="Verdana Regular" charset="0"/>
+            </a:endParaRPr>
+          </a:p>
+        </p:txBody>
+      </p:sp>
+      <p:sp>
+        <p:nvSpPr>
+          <p:cNvPr id="16" name="Title 1"/>
+          <p:cNvSpPr txBox="1">
+            <a:spLocks/>
+          </p:cNvSpPr>
+          <p:nvPr/>
+        </p:nvSpPr>
+        <p:spPr>
+          <a:xfrm>
+            <a:off x="38032266" y="754123"/>
+            <a:ext cx="3811058" cy="1790601"/>
+          </a:xfrm>
+          <a:prstGeom prst="rect">
+            <a:avLst/>
+          </a:prstGeom>
+        </p:spPr>
+        <p:txBody>
+          <a:bodyPr wrap="square" lIns="0" tIns="0" rIns="0" bIns="0" anchor="ctr" anchorCtr="0">
+            <a:noAutofit/>
+          </a:bodyPr>
+          <a:lstStyle>
+            <a:lvl1pPr algn="l" defTabSz="4389120" rtl="0" eaLnBrk="1" latinLnBrk="0" hangingPunct="1">
+              <a:lnSpc>
+                <a:spcPct val="90000"/>
+              </a:lnSpc>
+              <a:spcBef>
+                <a:spcPct val="0"/>
+              </a:spcBef>
+              <a:buNone/>
+              <a:defRPr sz="12500" kern="1200" cap="all" baseline="0">
+                <a:solidFill>
+                  <a:schemeClr val="bg1"/>
+                </a:solidFill>
+                <a:latin typeface="Stratum2 Bold" charset="0"/>
+                <a:ea typeface="+mj-ea"/>
+                <a:cs typeface="+mj-cs"/>
+              </a:defRPr>
+            </a:lvl1pPr>
+          </a:lstStyle>
+          <a:p>
+            <a:pPr algn="r" fontAlgn="ctr">
+              <a:spcBef>
+                <a:spcPts val="0"/>
+              </a:spcBef>
+            </a:pPr>
+            <a:r>
+              <a:rPr lang="en-US" sz="5400" spc="520" baseline="0" dirty="0" smtClean="0">
+                <a:latin typeface="Impact" charset="0"/>
+                <a:ea typeface="Impact" charset="0"/>
+                <a:cs typeface="Impact" charset="0"/>
+              </a:rPr>
+              <a:t>CS61</a:t>
+            </a:r>
+            <a:endParaRPr lang="en-US" sz="5400" spc="520" baseline="0" dirty="0">
+              <a:latin typeface="Impact" charset="0"/>
+              <a:ea typeface="Impact" charset="0"/>
+              <a:cs typeface="Impact" charset="0"/>
+            </a:endParaRPr>
+          </a:p>
+        </p:txBody>
+      </p:sp>
+      <p:grpSp>
+        <p:nvGrpSpPr>
+          <p:cNvPr id="4" name="Group 3"/>
+          <p:cNvGrpSpPr/>
+          <p:nvPr/>
+        </p:nvGrpSpPr>
+        <p:grpSpPr>
+          <a:xfrm>
+            <a:off x="12221088" y="8159627"/>
+            <a:ext cx="19615066" cy="12809188"/>
+            <a:chOff x="3137350" y="2095175"/>
+            <a:chExt cx="4757400" cy="3179314"/>
+          </a:xfrm>
+        </p:grpSpPr>
+        <p:pic>
+          <p:nvPicPr>
+            <p:cNvPr id="32" name="Shape 92"/>
+            <p:cNvPicPr preferRelativeResize="0"/>
+            <p:nvPr/>
+          </p:nvPicPr>
+          <p:blipFill rotWithShape="1">
+            <a:blip r:embed="rId3">
+              <a:alphaModFix/>
+            </a:blip>
+            <a:srcRect l="2486" t="3166"/>
+            <a:stretch/>
+          </p:blipFill>
+          <p:spPr>
+            <a:xfrm>
+              <a:off x="3137350" y="3762927"/>
+              <a:ext cx="1523218" cy="1511562"/>
+            </a:xfrm>
+            <a:prstGeom prst="rect">
+              <a:avLst/>
+            </a:prstGeom>
+            <a:noFill/>
+            <a:ln>
+              <a:noFill/>
+            </a:ln>
+            <a:effectLst>
+              <a:outerShdw blurRad="57150" dist="19050" dir="5400000" algn="bl" rotWithShape="0">
+                <a:srgbClr val="000000">
+                  <a:alpha val="50000"/>
+                </a:srgbClr>
+              </a:outerShdw>
+            </a:effectLst>
+          </p:spPr>
+        </p:pic>
+        <p:pic>
+          <p:nvPicPr>
+            <p:cNvPr id="33" name="Shape 93"/>
+            <p:cNvPicPr preferRelativeResize="0"/>
+            <p:nvPr/>
+          </p:nvPicPr>
+          <p:blipFill rotWithShape="1">
+            <a:blip r:embed="rId4">
+              <a:alphaModFix/>
+            </a:blip>
+            <a:srcRect l="4241" t="4264" r="4149" b="4610"/>
+            <a:stretch/>
+          </p:blipFill>
+          <p:spPr>
+            <a:xfrm>
+              <a:off x="6371532" y="3756843"/>
+              <a:ext cx="1523218" cy="1487566"/>
+            </a:xfrm>
+            <a:prstGeom prst="rect">
+              <a:avLst/>
+            </a:prstGeom>
+            <a:noFill/>
+            <a:ln>
+              <a:noFill/>
+            </a:ln>
+            <a:effectLst>
+              <a:outerShdw blurRad="57150" dist="19050" dir="5400000" algn="bl" rotWithShape="0">
+                <a:srgbClr val="000000">
+                  <a:alpha val="50000"/>
+                </a:srgbClr>
+              </a:outerShdw>
+            </a:effectLst>
+          </p:spPr>
+        </p:pic>
+        <p:pic>
+          <p:nvPicPr>
+            <p:cNvPr id="34" name="Shape 94"/>
+            <p:cNvPicPr preferRelativeResize="0"/>
+            <p:nvPr/>
+          </p:nvPicPr>
+          <p:blipFill rotWithShape="1">
+            <a:blip r:embed="rId5">
+              <a:alphaModFix/>
+            </a:blip>
+            <a:srcRect l="3147" b="2133"/>
+            <a:stretch/>
+          </p:blipFill>
+          <p:spPr>
+            <a:xfrm>
+              <a:off x="3137400" y="2095175"/>
+              <a:ext cx="1523100" cy="1539300"/>
+            </a:xfrm>
+            <a:prstGeom prst="rect">
+              <a:avLst/>
+            </a:prstGeom>
+            <a:noFill/>
+            <a:ln>
+              <a:noFill/>
+            </a:ln>
+            <a:effectLst>
+              <a:outerShdw blurRad="57150" dist="19050" dir="5400000" algn="bl" rotWithShape="0">
+                <a:srgbClr val="000000">
+                  <a:alpha val="50000"/>
+                </a:srgbClr>
+              </a:outerShdw>
+            </a:effectLst>
+          </p:spPr>
+        </p:pic>
+        <p:pic>
+          <p:nvPicPr>
+            <p:cNvPr id="35" name="Shape 95"/>
+            <p:cNvPicPr preferRelativeResize="0"/>
+            <p:nvPr/>
+          </p:nvPicPr>
+          <p:blipFill rotWithShape="1">
+            <a:blip r:embed="rId6">
+              <a:alphaModFix/>
+            </a:blip>
+            <a:srcRect l="5117" t="1784" r="3341" b="7165"/>
+            <a:stretch/>
+          </p:blipFill>
+          <p:spPr>
+            <a:xfrm>
+              <a:off x="6371544" y="2103111"/>
+              <a:ext cx="1523192" cy="1487257"/>
+            </a:xfrm>
+            <a:prstGeom prst="rect">
+              <a:avLst/>
+            </a:prstGeom>
+            <a:noFill/>
+            <a:ln>
+              <a:noFill/>
+            </a:ln>
+            <a:effectLst>
+              <a:outerShdw blurRad="57150" dist="19050" dir="5400000" algn="bl" rotWithShape="0">
+                <a:srgbClr val="000000">
+                  <a:alpha val="50000"/>
+                </a:srgbClr>
+              </a:outerShdw>
+            </a:effectLst>
+          </p:spPr>
+        </p:pic>
+        <p:pic>
+          <p:nvPicPr>
+            <p:cNvPr id="36" name="Shape 96"/>
+            <p:cNvPicPr preferRelativeResize="0"/>
+            <p:nvPr/>
+          </p:nvPicPr>
+          <p:blipFill>
+            <a:blip r:embed="rId7">
+              <a:alphaModFix/>
+            </a:blip>
+            <a:stretch>
+              <a:fillRect/>
+            </a:stretch>
+          </p:blipFill>
+          <p:spPr>
+            <a:xfrm rot="2700000">
+              <a:off x="4760338" y="2921076"/>
+              <a:ext cx="1523224" cy="1523224"/>
+            </a:xfrm>
+            <a:prstGeom prst="rect">
+              <a:avLst/>
+            </a:prstGeom>
+            <a:noFill/>
+            <a:ln>
+              <a:noFill/>
+            </a:ln>
+            <a:effectLst>
+              <a:outerShdw blurRad="57150" dist="19050" dir="5400000" algn="bl" rotWithShape="0">
+                <a:srgbClr val="000000">
+                  <a:alpha val="50000"/>
+                </a:srgbClr>
+              </a:outerShdw>
+            </a:effectLst>
+          </p:spPr>
+        </p:pic>
+      </p:grpSp>
+      <p:sp>
+        <p:nvSpPr>
+          <p:cNvPr id="57" name="Text Placeholder 18"/>
+          <p:cNvSpPr txBox="1">
+            <a:spLocks/>
+          </p:cNvSpPr>
+          <p:nvPr/>
+        </p:nvSpPr>
+        <p:spPr>
+          <a:xfrm>
+            <a:off x="12292012" y="7333196"/>
+            <a:ext cx="8586788" cy="436017"/>
+          </a:xfrm>
+          <a:prstGeom prst="rect">
+            <a:avLst/>
+          </a:prstGeom>
+        </p:spPr>
+        <p:txBody>
+          <a:bodyPr wrap="square" lIns="0" tIns="0" rIns="0" bIns="0">
+            <a:spAutoFit/>
+          </a:bodyPr>
+          <a:lstStyle>
+            <a:lvl1pPr marL="0" indent="0" algn="l" defTabSz="4389120" rtl="0" eaLnBrk="1" latinLnBrk="0" hangingPunct="1">
+              <a:lnSpc>
+                <a:spcPts val="3360"/>
+              </a:lnSpc>
+              <a:spcBef>
+                <a:spcPts val="0"/>
+              </a:spcBef>
+              <a:spcAft>
+                <a:spcPts val="800"/>
+              </a:spcAft>
+              <a:buFontTx/>
+              <a:buNone/>
+              <a:defRPr lang="en-US" sz="2800" kern="1200" baseline="0" smtClean="0">
+                <a:solidFill>
+                  <a:schemeClr val="tx1"/>
+                </a:solidFill>
+                <a:effectLst/>
+                <a:latin typeface="KievitPro-Regular" charset="0"/>
+                <a:ea typeface="+mn-ea"/>
+                <a:cs typeface="+mn-cs"/>
+              </a:defRPr>
+            </a:lvl1pPr>
+            <a:lvl2pPr marL="2194560" indent="0" algn="l" defTabSz="4389120" rtl="0" eaLnBrk="1" latinLnBrk="0" hangingPunct="1">
+              <a:lnSpc>
+                <a:spcPct val="90000"/>
+              </a:lnSpc>
+              <a:spcBef>
+                <a:spcPts val="2400"/>
+              </a:spcBef>
+              <a:buFontTx/>
+              <a:buNone/>
+              <a:defRPr sz="11520" kern="1200">
+                <a:solidFill>
+                  <a:schemeClr val="tx1"/>
+                </a:solidFill>
+                <a:latin typeface="+mn-lt"/>
+                <a:ea typeface="+mn-ea"/>
+                <a:cs typeface="+mn-cs"/>
+              </a:defRPr>
+            </a:lvl2pPr>
+            <a:lvl3pPr marL="4389120" indent="0" algn="l" defTabSz="4389120" rtl="0" eaLnBrk="1" latinLnBrk="0" hangingPunct="1">
+              <a:lnSpc>
+                <a:spcPct val="90000"/>
+              </a:lnSpc>
+              <a:spcBef>
+                <a:spcPts val="2400"/>
+              </a:spcBef>
+              <a:buFontTx/>
+              <a:buNone/>
+              <a:defRPr sz="9600" kern="1200">
+                <a:solidFill>
+                  <a:schemeClr val="tx1"/>
+                </a:solidFill>
+                <a:latin typeface="+mn-lt"/>
+                <a:ea typeface="+mn-ea"/>
+                <a:cs typeface="+mn-cs"/>
+              </a:defRPr>
+            </a:lvl3pPr>
+            <a:lvl4pPr marL="6583680" indent="0" algn="l" defTabSz="4389120" rtl="0" eaLnBrk="1" latinLnBrk="0" hangingPunct="1">
+              <a:lnSpc>
+                <a:spcPct val="90000"/>
+              </a:lnSpc>
+              <a:spcBef>
+                <a:spcPts val="2400"/>
+              </a:spcBef>
+              <a:buFontTx/>
+              <a:buNone/>
+              <a:defRPr sz="8640" kern="1200">
+                <a:solidFill>
+                  <a:schemeClr val="tx1"/>
+                </a:solidFill>
+                <a:latin typeface="+mn-lt"/>
+                <a:ea typeface="+mn-ea"/>
+                <a:cs typeface="+mn-cs"/>
+              </a:defRPr>
+            </a:lvl4pPr>
+            <a:lvl5pPr marL="8778240" indent="0" algn="l" defTabSz="4389120" rtl="0" eaLnBrk="1" latinLnBrk="0" hangingPunct="1">
+              <a:lnSpc>
+                <a:spcPct val="90000"/>
+              </a:lnSpc>
+              <a:spcBef>
+                <a:spcPts val="2400"/>
+              </a:spcBef>
+              <a:buFontTx/>
+              <a:buNone/>
+              <a:defRPr sz="8640" kern="1200">
+                <a:solidFill>
+                  <a:schemeClr val="tx1"/>
+                </a:solidFill>
+                <a:latin typeface="+mn-lt"/>
+                <a:ea typeface="+mn-ea"/>
+                <a:cs typeface="+mn-cs"/>
+              </a:defRPr>
+            </a:lvl5pPr>
+            <a:lvl6pPr marL="12070080" indent="-1097280" algn="l" defTabSz="4389120" rtl="0" eaLnBrk="1" latinLnBrk="0" hangingPunct="1">
+              <a:lnSpc>
+                <a:spcPct val="90000"/>
+              </a:lnSpc>
+              <a:spcBef>
+                <a:spcPts val="2400"/>
+              </a:spcBef>
+              <a:buFont typeface="Arial" panose="020B0604020202020204" pitchFamily="34" charset="0"/>
+              <a:buChar char="•"/>
+              <a:defRPr sz="8640" kern="1200">
+                <a:solidFill>
+                  <a:schemeClr val="tx1"/>
+                </a:solidFill>
+                <a:latin typeface="+mn-lt"/>
+                <a:ea typeface="+mn-ea"/>
+                <a:cs typeface="+mn-cs"/>
+              </a:defRPr>
+            </a:lvl6pPr>
+            <a:lvl7pPr marL="14264640" indent="-1097280" algn="l" defTabSz="4389120" rtl="0" eaLnBrk="1" latinLnBrk="0" hangingPunct="1">
+              <a:lnSpc>
+                <a:spcPct val="90000"/>
+              </a:lnSpc>
+              <a:spcBef>
+                <a:spcPts val="2400"/>
+              </a:spcBef>
+              <a:buFont typeface="Arial" panose="020B0604020202020204" pitchFamily="34" charset="0"/>
+              <a:buChar char="•"/>
+              <a:defRPr sz="8640" kern="1200">
+                <a:solidFill>
+                  <a:schemeClr val="tx1"/>
+                </a:solidFill>
+                <a:latin typeface="+mn-lt"/>
+                <a:ea typeface="+mn-ea"/>
+                <a:cs typeface="+mn-cs"/>
+              </a:defRPr>
+            </a:lvl7pPr>
+            <a:lvl8pPr marL="16459200" indent="-1097280" algn="l" defTabSz="4389120" rtl="0" eaLnBrk="1" latinLnBrk="0" hangingPunct="1">
+              <a:lnSpc>
+                <a:spcPct val="90000"/>
+              </a:lnSpc>
+              <a:spcBef>
+                <a:spcPts val="2400"/>
+              </a:spcBef>
+              <a:buFont typeface="Arial" panose="020B0604020202020204" pitchFamily="34" charset="0"/>
+              <a:buChar char="•"/>
+              <a:defRPr sz="8640" kern="1200">
+                <a:solidFill>
+                  <a:schemeClr val="tx1"/>
+                </a:solidFill>
+                <a:latin typeface="+mn-lt"/>
+                <a:ea typeface="+mn-ea"/>
+                <a:cs typeface="+mn-cs"/>
+              </a:defRPr>
+            </a:lvl8pPr>
+            <a:lvl9pPr marL="18653760" indent="-1097280" algn="l" defTabSz="4389120" rtl="0" eaLnBrk="1" latinLnBrk="0" hangingPunct="1">
+              <a:lnSpc>
+                <a:spcPct val="90000"/>
+              </a:lnSpc>
+              <a:spcBef>
+                <a:spcPts val="2400"/>
+              </a:spcBef>
+              <a:buFont typeface="Arial" panose="020B0604020202020204" pitchFamily="34" charset="0"/>
+              <a:buChar char="•"/>
+              <a:defRPr sz="8640" kern="1200">
+                <a:solidFill>
+                  <a:schemeClr val="tx1"/>
+                </a:solidFill>
+                <a:latin typeface="+mn-lt"/>
+                <a:ea typeface="+mn-ea"/>
+                <a:cs typeface="+mn-cs"/>
+              </a:defRPr>
+            </a:lvl9pPr>
+          </a:lstStyle>
+          <a:p>
+            <a:pPr>
+              <a:spcAft>
+                <a:spcPts val="2600"/>
+              </a:spcAft>
+            </a:pPr>
+            <a:r>
+              <a:rPr lang="en-US" sz="4000" dirty="0" smtClean="0">
+                <a:latin typeface="Verdana Regular" charset="0"/>
+              </a:rPr>
+              <a:t>1   HTC Vive Headset and Controllers</a:t>
+            </a:r>
+          </a:p>
+        </p:txBody>
+      </p:sp>
+      <p:sp>
+        <p:nvSpPr>
+          <p:cNvPr id="58" name="Shape 99"/>
+          <p:cNvSpPr/>
+          <p:nvPr/>
+        </p:nvSpPr>
+        <p:spPr>
+          <a:xfrm>
+            <a:off x="12122322" y="7148946"/>
+            <a:ext cx="644180" cy="635070"/>
+          </a:xfrm>
+          <a:prstGeom prst="ellipse">
+            <a:avLst/>
+          </a:prstGeom>
+          <a:noFill/>
+          <a:ln w="9525" cap="flat" cmpd="sng">
+            <a:solidFill>
+              <a:srgbClr val="000000"/>
+            </a:solidFill>
+            <a:prstDash val="solid"/>
+            <a:round/>
+            <a:headEnd type="none" w="sm" len="sm"/>
+            <a:tailEnd type="none" w="sm" len="sm"/>
+          </a:ln>
+        </p:spPr>
+        <p:txBody>
+          <a:bodyPr spcFirstLastPara="1" wrap="square" lIns="91425" tIns="91425" rIns="91425" bIns="91425" anchor="ctr" anchorCtr="0">
+            <a:noAutofit/>
+          </a:bodyPr>
+          <a:lstStyle/>
+          <a:p>
+            <a:pPr marL="0" lvl="0" indent="0">
+              <a:spcBef>
+                <a:spcPts val="0"/>
+              </a:spcBef>
+              <a:spcAft>
+                <a:spcPts val="0"/>
+              </a:spcAft>
+              <a:buNone/>
+            </a:pPr>
+            <a:endParaRPr/>
+          </a:p>
+        </p:txBody>
+      </p:sp>
+      <p:pic>
+        <p:nvPicPr>
+          <p:cNvPr id="60" name="Shape 105"/>
+          <p:cNvPicPr preferRelativeResize="0">
+            <a:picLocks noChangeAspect="1"/>
+          </p:cNvPicPr>
+          <p:nvPr/>
+        </p:nvPicPr>
+        <p:blipFill rotWithShape="1">
+          <a:blip r:embed="rId8">
+            <a:alphaModFix/>
+          </a:blip>
+          <a:srcRect t="7304"/>
+          <a:stretch/>
+        </p:blipFill>
+        <p:spPr>
+          <a:xfrm>
+            <a:off x="33590498" y="3273417"/>
+            <a:ext cx="8883536" cy="6171999"/>
+          </a:xfrm>
+          <a:prstGeom prst="rect">
+            <a:avLst/>
+          </a:prstGeom>
+          <a:noFill/>
+          <a:ln w="9525" cap="flat" cmpd="sng">
+            <a:solidFill>
+              <a:srgbClr val="999999"/>
+            </a:solidFill>
+            <a:prstDash val="solid"/>
+            <a:round/>
+            <a:headEnd type="none" w="sm" len="sm"/>
+            <a:tailEnd type="none" w="sm" len="sm"/>
+          </a:ln>
+        </p:spPr>
+      </p:pic>
+      <p:pic>
+        <p:nvPicPr>
+          <p:cNvPr id="61" name="Shape 104"/>
+          <p:cNvPicPr preferRelativeResize="0">
+            <a:picLocks noChangeAspect="1"/>
+          </p:cNvPicPr>
+          <p:nvPr/>
+        </p:nvPicPr>
+        <p:blipFill rotWithShape="1">
+          <a:blip r:embed="rId9">
+            <a:alphaModFix/>
+          </a:blip>
+          <a:srcRect l="1854" r="1574"/>
+          <a:stretch/>
+        </p:blipFill>
+        <p:spPr>
+          <a:xfrm>
+            <a:off x="33590498" y="25053192"/>
+            <a:ext cx="8883536" cy="6529830"/>
+          </a:xfrm>
+          <a:prstGeom prst="rect">
+            <a:avLst/>
+          </a:prstGeom>
+          <a:noFill/>
+          <a:ln w="9525" cap="flat" cmpd="sng">
+            <a:solidFill>
+              <a:srgbClr val="666666"/>
+            </a:solidFill>
+            <a:prstDash val="solid"/>
+            <a:round/>
+            <a:headEnd type="none" w="sm" len="sm"/>
+            <a:tailEnd type="none" w="sm" len="sm"/>
+          </a:ln>
+        </p:spPr>
+      </p:pic>
+      <p:sp>
+        <p:nvSpPr>
+          <p:cNvPr id="62" name="Text Placeholder 16"/>
+          <p:cNvSpPr txBox="1">
+            <a:spLocks/>
+          </p:cNvSpPr>
+          <p:nvPr/>
+        </p:nvSpPr>
+        <p:spPr>
+          <a:xfrm>
+            <a:off x="766468" y="4025136"/>
+            <a:ext cx="10271657" cy="1661993"/>
+          </a:xfrm>
+          <a:prstGeom prst="rect">
+            <a:avLst/>
+          </a:prstGeom>
+        </p:spPr>
+        <p:txBody>
+          <a:bodyPr wrap="square" lIns="0" tIns="0" rIns="0" bIns="0">
+            <a:spAutoFit/>
+          </a:bodyPr>
+          <a:lstStyle>
+            <a:lvl1pPr marL="0" indent="0" algn="l" defTabSz="4389120" rtl="0" eaLnBrk="1" latinLnBrk="0" hangingPunct="1">
+              <a:lnSpc>
+                <a:spcPct val="90000"/>
+              </a:lnSpc>
+              <a:spcBef>
+                <a:spcPts val="4800"/>
+              </a:spcBef>
+              <a:buFontTx/>
+              <a:buNone/>
+              <a:defRPr sz="4800" kern="1200" cap="all" baseline="0">
+                <a:solidFill>
+                  <a:schemeClr val="tx1"/>
+                </a:solidFill>
+                <a:latin typeface="KievitPro-Medium" charset="0"/>
+                <a:ea typeface="+mn-ea"/>
+                <a:cs typeface="+mn-cs"/>
+              </a:defRPr>
+            </a:lvl1pPr>
+            <a:lvl2pPr marL="2194560" indent="0" algn="l" defTabSz="4389120" rtl="0" eaLnBrk="1" latinLnBrk="0" hangingPunct="1">
+              <a:lnSpc>
+                <a:spcPct val="90000"/>
+              </a:lnSpc>
+              <a:spcBef>
+                <a:spcPts val="2400"/>
+              </a:spcBef>
+              <a:buFontTx/>
+              <a:buNone/>
+              <a:defRPr sz="4800" kern="1200" cap="all" baseline="0">
+                <a:solidFill>
+                  <a:schemeClr val="tx1"/>
+                </a:solidFill>
+                <a:latin typeface="KievitPro-Medium" charset="0"/>
+                <a:ea typeface="+mn-ea"/>
+                <a:cs typeface="+mn-cs"/>
+              </a:defRPr>
+            </a:lvl2pPr>
+            <a:lvl3pPr marL="4389120" indent="0" algn="l" defTabSz="4389120" rtl="0" eaLnBrk="1" latinLnBrk="0" hangingPunct="1">
+              <a:lnSpc>
+                <a:spcPct val="90000"/>
+              </a:lnSpc>
+              <a:spcBef>
+                <a:spcPts val="2400"/>
+              </a:spcBef>
+              <a:buFontTx/>
+              <a:buNone/>
+              <a:defRPr sz="4800" kern="1200" cap="all" baseline="0">
+                <a:solidFill>
+                  <a:schemeClr val="tx1"/>
+                </a:solidFill>
+                <a:latin typeface="KievitPro-Medium" charset="0"/>
+                <a:ea typeface="+mn-ea"/>
+                <a:cs typeface="+mn-cs"/>
+              </a:defRPr>
+            </a:lvl3pPr>
+            <a:lvl4pPr marL="6583680" indent="0" algn="l" defTabSz="4389120" rtl="0" eaLnBrk="1" latinLnBrk="0" hangingPunct="1">
+              <a:lnSpc>
+                <a:spcPct val="90000"/>
+              </a:lnSpc>
+              <a:spcBef>
+                <a:spcPts val="2400"/>
+              </a:spcBef>
+              <a:buFontTx/>
+              <a:buNone/>
+              <a:defRPr sz="4800" kern="1200" cap="all" baseline="0">
+                <a:solidFill>
+                  <a:schemeClr val="tx1"/>
+                </a:solidFill>
+                <a:latin typeface="KievitPro-Medium" charset="0"/>
+                <a:ea typeface="+mn-ea"/>
+                <a:cs typeface="+mn-cs"/>
+              </a:defRPr>
+            </a:lvl4pPr>
+            <a:lvl5pPr marL="8778240" indent="0" algn="l" defTabSz="4389120" rtl="0" eaLnBrk="1" latinLnBrk="0" hangingPunct="1">
+              <a:lnSpc>
+                <a:spcPct val="90000"/>
+              </a:lnSpc>
+              <a:spcBef>
+                <a:spcPts val="2400"/>
+              </a:spcBef>
+              <a:buFontTx/>
+              <a:buNone/>
+              <a:defRPr sz="4800" kern="1200" cap="all" baseline="0">
+                <a:solidFill>
+                  <a:schemeClr val="tx1"/>
+                </a:solidFill>
+                <a:latin typeface="KievitPro-Medium" charset="0"/>
+                <a:ea typeface="+mn-ea"/>
+                <a:cs typeface="+mn-cs"/>
+              </a:defRPr>
+            </a:lvl5pPr>
+            <a:lvl6pPr marL="12070080" indent="-1097280" algn="l" defTabSz="4389120" rtl="0" eaLnBrk="1" latinLnBrk="0" hangingPunct="1">
+              <a:lnSpc>
+                <a:spcPct val="90000"/>
+              </a:lnSpc>
+              <a:spcBef>
+                <a:spcPts val="2400"/>
+              </a:spcBef>
+              <a:buFont typeface="Arial" panose="020B0604020202020204" pitchFamily="34" charset="0"/>
+              <a:buChar char="•"/>
+              <a:defRPr sz="8640" kern="1200">
+                <a:solidFill>
+                  <a:schemeClr val="tx1"/>
+                </a:solidFill>
+                <a:latin typeface="+mn-lt"/>
+                <a:ea typeface="+mn-ea"/>
+                <a:cs typeface="+mn-cs"/>
+              </a:defRPr>
+            </a:lvl6pPr>
+            <a:lvl7pPr marL="14264640" indent="-1097280" algn="l" defTabSz="4389120" rtl="0" eaLnBrk="1" latinLnBrk="0" hangingPunct="1">
+              <a:lnSpc>
+                <a:spcPct val="90000"/>
+              </a:lnSpc>
+              <a:spcBef>
+                <a:spcPts val="2400"/>
+              </a:spcBef>
+              <a:buFont typeface="Arial" panose="020B0604020202020204" pitchFamily="34" charset="0"/>
+              <a:buChar char="•"/>
+              <a:defRPr sz="8640" kern="1200">
+                <a:solidFill>
+                  <a:schemeClr val="tx1"/>
+                </a:solidFill>
+                <a:latin typeface="+mn-lt"/>
+                <a:ea typeface="+mn-ea"/>
+                <a:cs typeface="+mn-cs"/>
+              </a:defRPr>
+            </a:lvl7pPr>
+            <a:lvl8pPr marL="16459200" indent="-1097280" algn="l" defTabSz="4389120" rtl="0" eaLnBrk="1" latinLnBrk="0" hangingPunct="1">
+              <a:lnSpc>
+                <a:spcPct val="90000"/>
+              </a:lnSpc>
+              <a:spcBef>
+                <a:spcPts val="2400"/>
+              </a:spcBef>
+              <a:buFont typeface="Arial" panose="020B0604020202020204" pitchFamily="34" charset="0"/>
+              <a:buChar char="•"/>
+              <a:defRPr sz="8640" kern="1200">
+                <a:solidFill>
+                  <a:schemeClr val="tx1"/>
+                </a:solidFill>
+                <a:latin typeface="+mn-lt"/>
+                <a:ea typeface="+mn-ea"/>
+                <a:cs typeface="+mn-cs"/>
+              </a:defRPr>
+            </a:lvl8pPr>
+            <a:lvl9pPr marL="18653760" indent="-1097280" algn="l" defTabSz="4389120" rtl="0" eaLnBrk="1" latinLnBrk="0" hangingPunct="1">
+              <a:lnSpc>
+                <a:spcPct val="90000"/>
+              </a:lnSpc>
+              <a:spcBef>
+                <a:spcPts val="2400"/>
+              </a:spcBef>
+              <a:buFont typeface="Arial" panose="020B0604020202020204" pitchFamily="34" charset="0"/>
+              <a:buChar char="•"/>
+              <a:defRPr sz="8640" kern="1200">
+                <a:solidFill>
+                  <a:schemeClr val="tx1"/>
+                </a:solidFill>
+                <a:latin typeface="+mn-lt"/>
+                <a:ea typeface="+mn-ea"/>
+                <a:cs typeface="+mn-cs"/>
+              </a:defRPr>
+            </a:lvl9pPr>
+          </a:lstStyle>
+          <a:p>
+            <a:pPr algn="ctr">
+              <a:lnSpc>
+                <a:spcPct val="100000"/>
+              </a:lnSpc>
+            </a:pPr>
+            <a:r>
+              <a:rPr lang="en-US" sz="5400" dirty="0" smtClean="0">
+                <a:solidFill>
+                  <a:srgbClr val="FFFFFF"/>
+                </a:solidFill>
+                <a:latin typeface="Verdana Regular" charset="0"/>
+              </a:rPr>
+              <a:t>Story behind                           the project</a:t>
+            </a:r>
+            <a:endParaRPr lang="en-US" sz="5400" dirty="0">
+              <a:solidFill>
+                <a:srgbClr val="FFFFFF"/>
+              </a:solidFill>
+              <a:latin typeface="Verdana Regular" charset="0"/>
+            </a:endParaRPr>
+          </a:p>
+        </p:txBody>
+      </p:sp>
+      <p:sp>
+        <p:nvSpPr>
+          <p:cNvPr id="63" name="Text Placeholder 18"/>
+          <p:cNvSpPr txBox="1">
+            <a:spLocks/>
+          </p:cNvSpPr>
+          <p:nvPr/>
+        </p:nvSpPr>
+        <p:spPr>
+          <a:xfrm>
+            <a:off x="33497536" y="12346203"/>
+            <a:ext cx="8976498" cy="11972508"/>
+          </a:xfrm>
+          <a:prstGeom prst="rect">
+            <a:avLst/>
+          </a:prstGeom>
+        </p:spPr>
+        <p:txBody>
+          <a:bodyPr wrap="square" lIns="0" tIns="0" rIns="0" bIns="0">
+            <a:spAutoFit/>
+          </a:bodyPr>
+          <a:lstStyle>
+            <a:lvl1pPr marL="457200" marR="0" indent="-457200" algn="l" defTabSz="4389120" rtl="0" eaLnBrk="1" fontAlgn="auto" latinLnBrk="0" hangingPunct="1">
+              <a:lnSpc>
+                <a:spcPts val="3360"/>
+              </a:lnSpc>
+              <a:spcBef>
+                <a:spcPts val="0"/>
+              </a:spcBef>
+              <a:spcAft>
+                <a:spcPts val="800"/>
+              </a:spcAft>
+              <a:buClrTx/>
+              <a:buSzTx/>
+              <a:buFont typeface="Arial" charset="0"/>
+              <a:buChar char="•"/>
+              <a:tabLst/>
+              <a:defRPr lang="en-US" sz="2800" kern="1200" baseline="0" smtClean="0">
+                <a:solidFill>
+                  <a:schemeClr val="tx1"/>
+                </a:solidFill>
+                <a:effectLst/>
+                <a:latin typeface="KievitPro-Regular" charset="0"/>
+                <a:ea typeface="+mn-ea"/>
+                <a:cs typeface="+mn-cs"/>
+              </a:defRPr>
+            </a:lvl1pPr>
+            <a:lvl2pPr marL="2194560" indent="0" algn="l" defTabSz="4389120" rtl="0" eaLnBrk="1" latinLnBrk="0" hangingPunct="1">
+              <a:lnSpc>
+                <a:spcPct val="90000"/>
+              </a:lnSpc>
+              <a:spcBef>
+                <a:spcPts val="2400"/>
+              </a:spcBef>
+              <a:buFontTx/>
+              <a:buNone/>
+              <a:defRPr sz="2800" kern="1200">
+                <a:solidFill>
+                  <a:schemeClr val="tx1"/>
+                </a:solidFill>
+                <a:latin typeface="+mn-lt"/>
+                <a:ea typeface="+mn-ea"/>
+                <a:cs typeface="+mn-cs"/>
+              </a:defRPr>
+            </a:lvl2pPr>
+            <a:lvl3pPr marL="4389120" indent="0" algn="l" defTabSz="4389120" rtl="0" eaLnBrk="1" latinLnBrk="0" hangingPunct="1">
+              <a:lnSpc>
+                <a:spcPct val="90000"/>
+              </a:lnSpc>
+              <a:spcBef>
+                <a:spcPts val="2400"/>
+              </a:spcBef>
+              <a:buFontTx/>
+              <a:buNone/>
+              <a:defRPr sz="9600" kern="1200">
+                <a:solidFill>
+                  <a:schemeClr val="tx1"/>
+                </a:solidFill>
+                <a:latin typeface="+mn-lt"/>
+                <a:ea typeface="+mn-ea"/>
+                <a:cs typeface="+mn-cs"/>
+              </a:defRPr>
+            </a:lvl3pPr>
+            <a:lvl4pPr marL="6583680" indent="0" algn="l" defTabSz="4389120" rtl="0" eaLnBrk="1" latinLnBrk="0" hangingPunct="1">
+              <a:lnSpc>
+                <a:spcPct val="90000"/>
+              </a:lnSpc>
+              <a:spcBef>
+                <a:spcPts val="2400"/>
+              </a:spcBef>
+              <a:buFontTx/>
+              <a:buNone/>
+              <a:defRPr sz="8640" kern="1200">
+                <a:solidFill>
+                  <a:schemeClr val="tx1"/>
+                </a:solidFill>
+                <a:latin typeface="+mn-lt"/>
+                <a:ea typeface="+mn-ea"/>
+                <a:cs typeface="+mn-cs"/>
+              </a:defRPr>
+            </a:lvl4pPr>
+            <a:lvl5pPr marL="8778240" indent="0" algn="l" defTabSz="4389120" rtl="0" eaLnBrk="1" latinLnBrk="0" hangingPunct="1">
+              <a:lnSpc>
+                <a:spcPct val="90000"/>
+              </a:lnSpc>
+              <a:spcBef>
+                <a:spcPts val="2400"/>
+              </a:spcBef>
+              <a:buFontTx/>
+              <a:buNone/>
+              <a:defRPr sz="8640" kern="1200">
+                <a:solidFill>
+                  <a:schemeClr val="tx1"/>
+                </a:solidFill>
+                <a:latin typeface="+mn-lt"/>
+                <a:ea typeface="+mn-ea"/>
+                <a:cs typeface="+mn-cs"/>
+              </a:defRPr>
+            </a:lvl5pPr>
+            <a:lvl6pPr marL="12070080" indent="-1097280" algn="l" defTabSz="4389120" rtl="0" eaLnBrk="1" latinLnBrk="0" hangingPunct="1">
+              <a:lnSpc>
+                <a:spcPct val="90000"/>
+              </a:lnSpc>
+              <a:spcBef>
+                <a:spcPts val="2400"/>
+              </a:spcBef>
+              <a:buFont typeface="Arial" panose="020B0604020202020204" pitchFamily="34" charset="0"/>
+              <a:buChar char="•"/>
+              <a:defRPr sz="8640" kern="1200">
+                <a:solidFill>
+                  <a:schemeClr val="tx1"/>
+                </a:solidFill>
+                <a:latin typeface="+mn-lt"/>
+                <a:ea typeface="+mn-ea"/>
+                <a:cs typeface="+mn-cs"/>
+              </a:defRPr>
+            </a:lvl6pPr>
+            <a:lvl7pPr marL="14264640" indent="-1097280" algn="l" defTabSz="4389120" rtl="0" eaLnBrk="1" latinLnBrk="0" hangingPunct="1">
+              <a:lnSpc>
+                <a:spcPct val="90000"/>
+              </a:lnSpc>
+              <a:spcBef>
+                <a:spcPts val="2400"/>
+              </a:spcBef>
+              <a:buFont typeface="Arial" panose="020B0604020202020204" pitchFamily="34" charset="0"/>
+              <a:buChar char="•"/>
+              <a:defRPr sz="8640" kern="1200">
+                <a:solidFill>
+                  <a:schemeClr val="tx1"/>
+                </a:solidFill>
+                <a:latin typeface="+mn-lt"/>
+                <a:ea typeface="+mn-ea"/>
+                <a:cs typeface="+mn-cs"/>
+              </a:defRPr>
+            </a:lvl7pPr>
+            <a:lvl8pPr marL="16459200" indent="-1097280" algn="l" defTabSz="4389120" rtl="0" eaLnBrk="1" latinLnBrk="0" hangingPunct="1">
+              <a:lnSpc>
+                <a:spcPct val="90000"/>
+              </a:lnSpc>
+              <a:spcBef>
+                <a:spcPts val="2400"/>
+              </a:spcBef>
+              <a:buFont typeface="Arial" panose="020B0604020202020204" pitchFamily="34" charset="0"/>
+              <a:buChar char="•"/>
+              <a:defRPr sz="8640" kern="1200">
+                <a:solidFill>
+                  <a:schemeClr val="tx1"/>
+                </a:solidFill>
+                <a:latin typeface="+mn-lt"/>
+                <a:ea typeface="+mn-ea"/>
+                <a:cs typeface="+mn-cs"/>
+              </a:defRPr>
+            </a:lvl8pPr>
+            <a:lvl9pPr marL="18653760" indent="-1097280" algn="l" defTabSz="4389120" rtl="0" eaLnBrk="1" latinLnBrk="0" hangingPunct="1">
+              <a:lnSpc>
+                <a:spcPct val="90000"/>
+              </a:lnSpc>
+              <a:spcBef>
+                <a:spcPts val="2400"/>
+              </a:spcBef>
+              <a:buFont typeface="Arial" panose="020B0604020202020204" pitchFamily="34" charset="0"/>
+              <a:buChar char="•"/>
+              <a:defRPr sz="8640" kern="1200">
+                <a:solidFill>
+                  <a:schemeClr val="tx1"/>
+                </a:solidFill>
+                <a:latin typeface="+mn-lt"/>
+                <a:ea typeface="+mn-ea"/>
+                <a:cs typeface="+mn-cs"/>
+              </a:defRPr>
+            </a:lvl9pPr>
+          </a:lstStyle>
+          <a:p>
+            <a:pPr marL="0" indent="0">
+              <a:lnSpc>
+                <a:spcPct val="100000"/>
+              </a:lnSpc>
+              <a:spcAft>
+                <a:spcPts val="2600"/>
+              </a:spcAft>
+              <a:buNone/>
+            </a:pPr>
+            <a:r>
+              <a:rPr lang="en-US" sz="3600" b="1" u="sng" dirty="0" smtClean="0">
+                <a:latin typeface="Verdana Regular" charset="0"/>
+              </a:rPr>
+              <a:t>Raffaele de </a:t>
+            </a:r>
+            <a:r>
+              <a:rPr lang="en-US" sz="3600" b="1" u="sng" dirty="0" err="1" smtClean="0">
+                <a:latin typeface="Verdana Regular" charset="0"/>
+              </a:rPr>
+              <a:t>Amicis</a:t>
+            </a:r>
+            <a:endParaRPr lang="en-US" sz="3600" b="1" u="sng" dirty="0" smtClean="0">
+              <a:latin typeface="Verdana Regular" charset="0"/>
+            </a:endParaRPr>
+          </a:p>
+          <a:p>
+            <a:pPr marL="0" indent="0">
+              <a:lnSpc>
+                <a:spcPct val="100000"/>
+              </a:lnSpc>
+              <a:spcAft>
+                <a:spcPts val="0"/>
+              </a:spcAft>
+              <a:buNone/>
+            </a:pPr>
+            <a:r>
+              <a:rPr lang="en-US" sz="3600" dirty="0" smtClean="0">
+                <a:latin typeface="Verdana Regular" charset="0"/>
+              </a:rPr>
+              <a:t>Associate Professor at Oregon State University, School of Electrical Engineering and Computer </a:t>
+            </a:r>
+            <a:r>
+              <a:rPr lang="en-US" sz="3600" dirty="0" smtClean="0">
+                <a:latin typeface="Verdana Regular" charset="0"/>
+              </a:rPr>
+              <a:t>Science </a:t>
+            </a:r>
+            <a:r>
+              <a:rPr lang="en-US" sz="3600" b="1" i="1" dirty="0" smtClean="0">
+                <a:latin typeface="Verdana Regular" charset="0"/>
+              </a:rPr>
+              <a:t>raffaele.deamicis@oregonstate.edu</a:t>
+            </a:r>
+          </a:p>
+          <a:p>
+            <a:pPr marL="0" indent="0">
+              <a:lnSpc>
+                <a:spcPct val="100000"/>
+              </a:lnSpc>
+              <a:spcAft>
+                <a:spcPts val="0"/>
+              </a:spcAft>
+              <a:buNone/>
+            </a:pPr>
+            <a:endParaRPr lang="en-US" sz="3600" b="1" i="1" dirty="0">
+              <a:latin typeface="Verdana Regular" charset="0"/>
+            </a:endParaRPr>
+          </a:p>
+          <a:p>
+            <a:pPr marL="0" indent="0">
+              <a:lnSpc>
+                <a:spcPct val="100000"/>
+              </a:lnSpc>
+              <a:spcAft>
+                <a:spcPts val="2600"/>
+              </a:spcAft>
+              <a:buNone/>
+            </a:pPr>
+            <a:r>
+              <a:rPr lang="en-US" sz="3600" b="1" u="sng" dirty="0" err="1" smtClean="0">
+                <a:latin typeface="Verdana Regular" charset="0"/>
+              </a:rPr>
+              <a:t>Nabeel</a:t>
+            </a:r>
+            <a:r>
+              <a:rPr lang="en-US" sz="3600" b="1" u="sng" dirty="0" smtClean="0">
+                <a:latin typeface="Verdana Regular" charset="0"/>
+              </a:rPr>
+              <a:t> </a:t>
+            </a:r>
+            <a:r>
+              <a:rPr lang="en-US" sz="3600" b="1" u="sng" dirty="0" err="1" smtClean="0">
+                <a:latin typeface="Verdana Regular" charset="0"/>
+              </a:rPr>
+              <a:t>Shariff</a:t>
+            </a:r>
+            <a:endParaRPr lang="en-US" sz="3600" b="1" u="sng" dirty="0" smtClean="0">
+              <a:latin typeface="Verdana Regular" charset="0"/>
+            </a:endParaRPr>
+          </a:p>
+          <a:p>
+            <a:pPr marL="0" indent="0">
+              <a:lnSpc>
+                <a:spcPct val="100000"/>
+              </a:lnSpc>
+              <a:spcAft>
+                <a:spcPts val="0"/>
+              </a:spcAft>
+              <a:buNone/>
+            </a:pPr>
+            <a:r>
+              <a:rPr lang="en-US" sz="3600" dirty="0" smtClean="0">
+                <a:latin typeface="Verdana Regular" charset="0"/>
+              </a:rPr>
+              <a:t>Computer Science Student focus in Business Entrepreneurship</a:t>
+            </a:r>
+          </a:p>
+          <a:p>
+            <a:pPr marL="0" indent="0">
+              <a:lnSpc>
+                <a:spcPct val="100000"/>
+              </a:lnSpc>
+              <a:spcAft>
+                <a:spcPts val="2600"/>
+              </a:spcAft>
+              <a:buNone/>
+            </a:pPr>
+            <a:r>
+              <a:rPr lang="en-US" sz="3600" b="1" i="1" dirty="0" smtClean="0">
+                <a:latin typeface="Verdana Regular" charset="0"/>
+              </a:rPr>
+              <a:t>shariffn@oregonstate.edu</a:t>
+            </a:r>
+          </a:p>
+          <a:p>
+            <a:pPr marL="0" indent="0">
+              <a:lnSpc>
+                <a:spcPct val="100000"/>
+              </a:lnSpc>
+              <a:spcAft>
+                <a:spcPts val="2600"/>
+              </a:spcAft>
+              <a:buNone/>
+            </a:pPr>
+            <a:r>
+              <a:rPr lang="en-US" sz="3600" b="1" u="sng" dirty="0" smtClean="0">
+                <a:latin typeface="Verdana Regular" charset="0"/>
+              </a:rPr>
+              <a:t>Hannah </a:t>
+            </a:r>
+            <a:r>
+              <a:rPr lang="en-US" sz="3600" b="1" u="sng" dirty="0" err="1" smtClean="0">
+                <a:latin typeface="Verdana Regular" charset="0"/>
+              </a:rPr>
+              <a:t>Solorzano</a:t>
+            </a:r>
+            <a:endParaRPr lang="en-US" sz="3600" b="1" u="sng" dirty="0" smtClean="0">
+              <a:latin typeface="Verdana Regular" charset="0"/>
+            </a:endParaRPr>
+          </a:p>
+          <a:p>
+            <a:pPr marL="0" indent="0">
+              <a:lnSpc>
+                <a:spcPct val="100000"/>
+              </a:lnSpc>
+              <a:spcAft>
+                <a:spcPts val="0"/>
+              </a:spcAft>
+              <a:buNone/>
+            </a:pPr>
+            <a:r>
+              <a:rPr lang="en-US" sz="3600" dirty="0" smtClean="0">
+                <a:latin typeface="Verdana Regular" charset="0"/>
+              </a:rPr>
+              <a:t>Computer Science Student focus in Computer Graphics and Game Simulation</a:t>
+            </a:r>
+          </a:p>
+          <a:p>
+            <a:pPr marL="0" indent="0">
+              <a:lnSpc>
+                <a:spcPct val="100000"/>
+              </a:lnSpc>
+              <a:spcAft>
+                <a:spcPts val="2600"/>
+              </a:spcAft>
+              <a:buNone/>
+            </a:pPr>
+            <a:r>
+              <a:rPr lang="en-US" sz="3600" b="1" i="1" dirty="0" smtClean="0">
+                <a:latin typeface="Verdana Regular" charset="0"/>
+              </a:rPr>
+              <a:t>solorzah@oregonstate.edu</a:t>
+            </a:r>
+          </a:p>
+          <a:p>
+            <a:pPr marL="0" indent="0">
+              <a:lnSpc>
+                <a:spcPct val="100000"/>
+              </a:lnSpc>
+              <a:spcAft>
+                <a:spcPts val="2600"/>
+              </a:spcAft>
+              <a:buNone/>
+            </a:pPr>
+            <a:r>
+              <a:rPr lang="en-US" sz="3600" b="1" u="sng" dirty="0" smtClean="0">
+                <a:latin typeface="Verdana Regular" charset="0"/>
+              </a:rPr>
+              <a:t>Rhea Mae Edwards</a:t>
+            </a:r>
+          </a:p>
+          <a:p>
+            <a:pPr marL="0" indent="0">
+              <a:lnSpc>
+                <a:spcPct val="100000"/>
+              </a:lnSpc>
+              <a:spcAft>
+                <a:spcPts val="0"/>
+              </a:spcAft>
+              <a:buNone/>
+            </a:pPr>
+            <a:r>
+              <a:rPr lang="en-US" sz="3600" dirty="0" smtClean="0">
+                <a:latin typeface="Verdana Regular" charset="0"/>
+              </a:rPr>
+              <a:t>Computer Science Student focus in Computer Systems</a:t>
+            </a:r>
+          </a:p>
+          <a:p>
+            <a:pPr marL="0" indent="0">
+              <a:lnSpc>
+                <a:spcPct val="100000"/>
+              </a:lnSpc>
+              <a:spcAft>
+                <a:spcPts val="2600"/>
+              </a:spcAft>
+              <a:buNone/>
+            </a:pPr>
+            <a:r>
+              <a:rPr lang="en-US" sz="3600" b="1" i="1" dirty="0" smtClean="0">
+                <a:latin typeface="Verdana Regular" charset="0"/>
+              </a:rPr>
+              <a:t>edwardrh@oregonstate.edu</a:t>
+            </a:r>
+          </a:p>
+        </p:txBody>
+      </p:sp>
+      <p:sp>
+        <p:nvSpPr>
+          <p:cNvPr id="65" name="Text Placeholder 18"/>
+          <p:cNvSpPr txBox="1">
+            <a:spLocks/>
+          </p:cNvSpPr>
+          <p:nvPr/>
+        </p:nvSpPr>
+        <p:spPr>
+          <a:xfrm>
+            <a:off x="1822868" y="16388746"/>
+            <a:ext cx="8557274" cy="9202519"/>
+          </a:xfrm>
+          <a:prstGeom prst="rect">
+            <a:avLst/>
+          </a:prstGeom>
+        </p:spPr>
+        <p:txBody>
+          <a:bodyPr wrap="square" lIns="0" tIns="0" rIns="0" bIns="0">
+            <a:spAutoFit/>
+          </a:bodyPr>
+          <a:lstStyle>
+            <a:lvl1pPr marL="457200" marR="0" indent="-457200" algn="l" defTabSz="4389120" rtl="0" eaLnBrk="1" fontAlgn="auto" latinLnBrk="0" hangingPunct="1">
+              <a:lnSpc>
+                <a:spcPts val="3360"/>
+              </a:lnSpc>
+              <a:spcBef>
+                <a:spcPts val="0"/>
+              </a:spcBef>
+              <a:spcAft>
+                <a:spcPts val="800"/>
+              </a:spcAft>
+              <a:buClrTx/>
+              <a:buSzTx/>
+              <a:buFont typeface="Arial" charset="0"/>
+              <a:buChar char="•"/>
+              <a:tabLst/>
+              <a:defRPr lang="en-US" sz="2800" kern="1200" baseline="0" smtClean="0">
+                <a:solidFill>
+                  <a:schemeClr val="tx1"/>
+                </a:solidFill>
+                <a:effectLst/>
+                <a:latin typeface="KievitPro-Regular" charset="0"/>
+                <a:ea typeface="+mn-ea"/>
+                <a:cs typeface="+mn-cs"/>
+              </a:defRPr>
+            </a:lvl1pPr>
+            <a:lvl2pPr marL="2194560" indent="0" algn="l" defTabSz="4389120" rtl="0" eaLnBrk="1" latinLnBrk="0" hangingPunct="1">
+              <a:lnSpc>
+                <a:spcPct val="90000"/>
+              </a:lnSpc>
+              <a:spcBef>
+                <a:spcPts val="2400"/>
+              </a:spcBef>
+              <a:buFontTx/>
+              <a:buNone/>
+              <a:defRPr sz="2800" kern="1200">
+                <a:solidFill>
+                  <a:schemeClr val="tx1"/>
+                </a:solidFill>
+                <a:latin typeface="+mn-lt"/>
+                <a:ea typeface="+mn-ea"/>
+                <a:cs typeface="+mn-cs"/>
+              </a:defRPr>
+            </a:lvl2pPr>
+            <a:lvl3pPr marL="4389120" indent="0" algn="l" defTabSz="4389120" rtl="0" eaLnBrk="1" latinLnBrk="0" hangingPunct="1">
+              <a:lnSpc>
+                <a:spcPct val="90000"/>
+              </a:lnSpc>
+              <a:spcBef>
+                <a:spcPts val="2400"/>
+              </a:spcBef>
+              <a:buFontTx/>
+              <a:buNone/>
+              <a:defRPr sz="9600" kern="1200">
+                <a:solidFill>
+                  <a:schemeClr val="tx1"/>
+                </a:solidFill>
+                <a:latin typeface="+mn-lt"/>
+                <a:ea typeface="+mn-ea"/>
+                <a:cs typeface="+mn-cs"/>
+              </a:defRPr>
+            </a:lvl3pPr>
+            <a:lvl4pPr marL="6583680" indent="0" algn="l" defTabSz="4389120" rtl="0" eaLnBrk="1" latinLnBrk="0" hangingPunct="1">
+              <a:lnSpc>
+                <a:spcPct val="90000"/>
+              </a:lnSpc>
+              <a:spcBef>
+                <a:spcPts val="2400"/>
+              </a:spcBef>
+              <a:buFontTx/>
+              <a:buNone/>
+              <a:defRPr sz="8640" kern="1200">
+                <a:solidFill>
+                  <a:schemeClr val="tx1"/>
+                </a:solidFill>
+                <a:latin typeface="+mn-lt"/>
+                <a:ea typeface="+mn-ea"/>
+                <a:cs typeface="+mn-cs"/>
+              </a:defRPr>
+            </a:lvl4pPr>
+            <a:lvl5pPr marL="8778240" indent="0" algn="l" defTabSz="4389120" rtl="0" eaLnBrk="1" latinLnBrk="0" hangingPunct="1">
+              <a:lnSpc>
+                <a:spcPct val="90000"/>
+              </a:lnSpc>
+              <a:spcBef>
+                <a:spcPts val="2400"/>
+              </a:spcBef>
+              <a:buFontTx/>
+              <a:buNone/>
+              <a:defRPr sz="8640" kern="1200">
+                <a:solidFill>
+                  <a:schemeClr val="tx1"/>
+                </a:solidFill>
+                <a:latin typeface="+mn-lt"/>
+                <a:ea typeface="+mn-ea"/>
+                <a:cs typeface="+mn-cs"/>
+              </a:defRPr>
+            </a:lvl5pPr>
+            <a:lvl6pPr marL="12070080" indent="-1097280" algn="l" defTabSz="4389120" rtl="0" eaLnBrk="1" latinLnBrk="0" hangingPunct="1">
+              <a:lnSpc>
+                <a:spcPct val="90000"/>
+              </a:lnSpc>
+              <a:spcBef>
+                <a:spcPts val="2400"/>
+              </a:spcBef>
+              <a:buFont typeface="Arial" panose="020B0604020202020204" pitchFamily="34" charset="0"/>
+              <a:buChar char="•"/>
+              <a:defRPr sz="8640" kern="1200">
+                <a:solidFill>
+                  <a:schemeClr val="tx1"/>
+                </a:solidFill>
+                <a:latin typeface="+mn-lt"/>
+                <a:ea typeface="+mn-ea"/>
+                <a:cs typeface="+mn-cs"/>
+              </a:defRPr>
+            </a:lvl6pPr>
+            <a:lvl7pPr marL="14264640" indent="-1097280" algn="l" defTabSz="4389120" rtl="0" eaLnBrk="1" latinLnBrk="0" hangingPunct="1">
+              <a:lnSpc>
+                <a:spcPct val="90000"/>
+              </a:lnSpc>
+              <a:spcBef>
+                <a:spcPts val="2400"/>
+              </a:spcBef>
+              <a:buFont typeface="Arial" panose="020B0604020202020204" pitchFamily="34" charset="0"/>
+              <a:buChar char="•"/>
+              <a:defRPr sz="8640" kern="1200">
+                <a:solidFill>
+                  <a:schemeClr val="tx1"/>
+                </a:solidFill>
+                <a:latin typeface="+mn-lt"/>
+                <a:ea typeface="+mn-ea"/>
+                <a:cs typeface="+mn-cs"/>
+              </a:defRPr>
+            </a:lvl7pPr>
+            <a:lvl8pPr marL="16459200" indent="-1097280" algn="l" defTabSz="4389120" rtl="0" eaLnBrk="1" latinLnBrk="0" hangingPunct="1">
+              <a:lnSpc>
+                <a:spcPct val="90000"/>
+              </a:lnSpc>
+              <a:spcBef>
+                <a:spcPts val="2400"/>
+              </a:spcBef>
+              <a:buFont typeface="Arial" panose="020B0604020202020204" pitchFamily="34" charset="0"/>
+              <a:buChar char="•"/>
+              <a:defRPr sz="8640" kern="1200">
+                <a:solidFill>
+                  <a:schemeClr val="tx1"/>
+                </a:solidFill>
+                <a:latin typeface="+mn-lt"/>
+                <a:ea typeface="+mn-ea"/>
+                <a:cs typeface="+mn-cs"/>
+              </a:defRPr>
+            </a:lvl8pPr>
+            <a:lvl9pPr marL="18653760" indent="-1097280" algn="l" defTabSz="4389120" rtl="0" eaLnBrk="1" latinLnBrk="0" hangingPunct="1">
+              <a:lnSpc>
+                <a:spcPct val="90000"/>
+              </a:lnSpc>
+              <a:spcBef>
+                <a:spcPts val="2400"/>
+              </a:spcBef>
+              <a:buFont typeface="Arial" panose="020B0604020202020204" pitchFamily="34" charset="0"/>
+              <a:buChar char="•"/>
+              <a:defRPr sz="8640" kern="1200">
+                <a:solidFill>
+                  <a:schemeClr val="tx1"/>
+                </a:solidFill>
+                <a:latin typeface="+mn-lt"/>
+                <a:ea typeface="+mn-ea"/>
+                <a:cs typeface="+mn-cs"/>
+              </a:defRPr>
+            </a:lvl9pPr>
+          </a:lstStyle>
+          <a:p>
+            <a:pPr marL="0" indent="0">
+              <a:lnSpc>
+                <a:spcPct val="100000"/>
+              </a:lnSpc>
+              <a:spcAft>
+                <a:spcPts val="2600"/>
+              </a:spcAft>
+              <a:buNone/>
+            </a:pPr>
+            <a:r>
+              <a:rPr lang="en-US" sz="4100" b="1" dirty="0">
+                <a:solidFill>
+                  <a:schemeClr val="bg1"/>
+                </a:solidFill>
+                <a:latin typeface="Verdana" charset="0"/>
+                <a:ea typeface="Verdana" charset="0"/>
+                <a:cs typeface="Verdana" charset="0"/>
+              </a:rPr>
+              <a:t>Goal: </a:t>
+            </a:r>
+            <a:r>
+              <a:rPr lang="en-US" sz="4100" dirty="0">
+                <a:solidFill>
+                  <a:schemeClr val="bg1"/>
+                </a:solidFill>
+                <a:latin typeface="Verdana" charset="0"/>
+                <a:ea typeface="Verdana" charset="0"/>
+                <a:cs typeface="Verdana" charset="0"/>
+              </a:rPr>
+              <a:t>To improve the efficiency of the interaction between the user and the program via multiple </a:t>
+            </a:r>
+            <a:r>
+              <a:rPr lang="en-US" sz="4100" dirty="0" smtClean="0">
+                <a:solidFill>
+                  <a:schemeClr val="bg1"/>
+                </a:solidFill>
+                <a:latin typeface="Verdana" charset="0"/>
+                <a:ea typeface="Verdana" charset="0"/>
+                <a:cs typeface="Verdana" charset="0"/>
+              </a:rPr>
+              <a:t>innovative </a:t>
+            </a:r>
+            <a:r>
+              <a:rPr lang="en-US" sz="4100" dirty="0">
+                <a:solidFill>
+                  <a:schemeClr val="bg1"/>
+                </a:solidFill>
+                <a:latin typeface="Verdana" charset="0"/>
+                <a:ea typeface="Verdana" charset="0"/>
+                <a:cs typeface="Verdana" charset="0"/>
+              </a:rPr>
+              <a:t>modalities. </a:t>
+            </a:r>
+          </a:p>
+          <a:p>
+            <a:pPr marL="0" indent="0">
+              <a:lnSpc>
+                <a:spcPct val="100000"/>
+              </a:lnSpc>
+              <a:spcAft>
+                <a:spcPts val="2600"/>
+              </a:spcAft>
+              <a:buNone/>
+            </a:pPr>
+            <a:r>
+              <a:rPr lang="en-US" sz="4100" dirty="0">
+                <a:solidFill>
+                  <a:schemeClr val="bg1"/>
+                </a:solidFill>
+                <a:latin typeface="Verdana" charset="0"/>
+                <a:ea typeface="Verdana" charset="0"/>
+                <a:cs typeface="Verdana" charset="0"/>
+              </a:rPr>
+              <a:t>The team has used the </a:t>
+            </a:r>
+            <a:r>
+              <a:rPr lang="en-US" sz="4100" dirty="0" smtClean="0">
+                <a:solidFill>
+                  <a:schemeClr val="bg1"/>
+                </a:solidFill>
+                <a:latin typeface="Verdana" charset="0"/>
+                <a:ea typeface="Verdana" charset="0"/>
+                <a:cs typeface="Verdana" charset="0"/>
+              </a:rPr>
+              <a:t>Unity </a:t>
+            </a:r>
+            <a:r>
+              <a:rPr lang="en-US" sz="4100" dirty="0">
+                <a:solidFill>
+                  <a:schemeClr val="bg1"/>
+                </a:solidFill>
+                <a:latin typeface="Verdana" charset="0"/>
+                <a:ea typeface="Verdana" charset="0"/>
+                <a:cs typeface="Verdana" charset="0"/>
+              </a:rPr>
+              <a:t>game engine and Steam VR’s virtual reality plugin to develop the program that puts the power of creation in your hands. Literally. </a:t>
+            </a:r>
+          </a:p>
+          <a:p>
+            <a:pPr marL="0" indent="0">
+              <a:lnSpc>
+                <a:spcPct val="100000"/>
+              </a:lnSpc>
+              <a:spcAft>
+                <a:spcPts val="2600"/>
+              </a:spcAft>
+              <a:buNone/>
+            </a:pPr>
+            <a:r>
+              <a:rPr lang="en-US" sz="4100" dirty="0">
+                <a:solidFill>
+                  <a:schemeClr val="bg1"/>
+                </a:solidFill>
+                <a:latin typeface="Verdana" charset="0"/>
+                <a:ea typeface="Verdana" charset="0"/>
+                <a:cs typeface="Verdana" charset="0"/>
+              </a:rPr>
+              <a:t>Simply pick up the HTC Vive controllers and headset to bring your imagination to life!</a:t>
+            </a:r>
+          </a:p>
+        </p:txBody>
+      </p:sp>
+      <p:grpSp>
+        <p:nvGrpSpPr>
+          <p:cNvPr id="67" name="Group 66"/>
+          <p:cNvGrpSpPr/>
+          <p:nvPr/>
+        </p:nvGrpSpPr>
+        <p:grpSpPr>
+          <a:xfrm>
+            <a:off x="22700972" y="22891971"/>
+            <a:ext cx="9811030" cy="7931930"/>
+            <a:chOff x="22463903" y="22688769"/>
+            <a:chExt cx="9811030" cy="7931930"/>
+          </a:xfrm>
+        </p:grpSpPr>
+        <p:sp>
+          <p:nvSpPr>
+            <p:cNvPr id="8" name="Text Placeholder 16"/>
+            <p:cNvSpPr txBox="1">
+              <a:spLocks/>
+            </p:cNvSpPr>
+            <p:nvPr/>
+          </p:nvSpPr>
+          <p:spPr>
+            <a:xfrm>
+              <a:off x="22463903" y="22688769"/>
+              <a:ext cx="9811030" cy="664797"/>
+            </a:xfrm>
+            <a:prstGeom prst="rect">
+              <a:avLst/>
+            </a:prstGeom>
+          </p:spPr>
+          <p:txBody>
+            <a:bodyPr wrap="square" lIns="0" tIns="0" rIns="0" bIns="0">
+              <a:spAutoFit/>
+            </a:bodyPr>
+            <a:lstStyle>
+              <a:lvl1pPr marL="0" indent="0" algn="l" defTabSz="4389120" rtl="0" eaLnBrk="1" latinLnBrk="0" hangingPunct="1">
+                <a:lnSpc>
+                  <a:spcPct val="90000"/>
+                </a:lnSpc>
+                <a:spcBef>
+                  <a:spcPts val="4800"/>
+                </a:spcBef>
+                <a:buFontTx/>
+                <a:buNone/>
+                <a:defRPr sz="4800" kern="1200" cap="all" baseline="0">
+                  <a:solidFill>
+                    <a:schemeClr val="tx1"/>
+                  </a:solidFill>
+                  <a:latin typeface="KievitPro-Medium" charset="0"/>
+                  <a:ea typeface="+mn-ea"/>
+                  <a:cs typeface="+mn-cs"/>
+                </a:defRPr>
+              </a:lvl1pPr>
+              <a:lvl2pPr marL="2194560" indent="0" algn="l" defTabSz="4389120" rtl="0" eaLnBrk="1" latinLnBrk="0" hangingPunct="1">
+                <a:lnSpc>
+                  <a:spcPct val="90000"/>
+                </a:lnSpc>
+                <a:spcBef>
+                  <a:spcPts val="2400"/>
+                </a:spcBef>
+                <a:buFontTx/>
+                <a:buNone/>
+                <a:defRPr sz="4800" kern="1200" cap="all" baseline="0">
+                  <a:solidFill>
+                    <a:schemeClr val="tx1"/>
+                  </a:solidFill>
+                  <a:latin typeface="KievitPro-Medium" charset="0"/>
+                  <a:ea typeface="+mn-ea"/>
+                  <a:cs typeface="+mn-cs"/>
+                </a:defRPr>
+              </a:lvl2pPr>
+              <a:lvl3pPr marL="4389120" indent="0" algn="l" defTabSz="4389120" rtl="0" eaLnBrk="1" latinLnBrk="0" hangingPunct="1">
+                <a:lnSpc>
+                  <a:spcPct val="90000"/>
+                </a:lnSpc>
+                <a:spcBef>
+                  <a:spcPts val="2400"/>
+                </a:spcBef>
+                <a:buFontTx/>
+                <a:buNone/>
+                <a:defRPr sz="4800" kern="1200" cap="all" baseline="0">
+                  <a:solidFill>
+                    <a:schemeClr val="tx1"/>
+                  </a:solidFill>
+                  <a:latin typeface="KievitPro-Medium" charset="0"/>
+                  <a:ea typeface="+mn-ea"/>
+                  <a:cs typeface="+mn-cs"/>
+                </a:defRPr>
+              </a:lvl3pPr>
+              <a:lvl4pPr marL="6583680" indent="0" algn="l" defTabSz="4389120" rtl="0" eaLnBrk="1" latinLnBrk="0" hangingPunct="1">
+                <a:lnSpc>
+                  <a:spcPct val="90000"/>
+                </a:lnSpc>
+                <a:spcBef>
+                  <a:spcPts val="2400"/>
+                </a:spcBef>
+                <a:buFontTx/>
+                <a:buNone/>
+                <a:defRPr sz="4800" kern="1200" cap="all" baseline="0">
+                  <a:solidFill>
+                    <a:schemeClr val="tx1"/>
+                  </a:solidFill>
+                  <a:latin typeface="KievitPro-Medium" charset="0"/>
+                  <a:ea typeface="+mn-ea"/>
+                  <a:cs typeface="+mn-cs"/>
+                </a:defRPr>
+              </a:lvl4pPr>
+              <a:lvl5pPr marL="8778240" indent="0" algn="l" defTabSz="4389120" rtl="0" eaLnBrk="1" latinLnBrk="0" hangingPunct="1">
+                <a:lnSpc>
+                  <a:spcPct val="90000"/>
+                </a:lnSpc>
+                <a:spcBef>
+                  <a:spcPts val="2400"/>
+                </a:spcBef>
+                <a:buFontTx/>
+                <a:buNone/>
+                <a:defRPr sz="4800" kern="1200" cap="all" baseline="0">
+                  <a:solidFill>
+                    <a:schemeClr val="tx1"/>
+                  </a:solidFill>
+                  <a:latin typeface="KievitPro-Medium" charset="0"/>
+                  <a:ea typeface="+mn-ea"/>
+                  <a:cs typeface="+mn-cs"/>
+                </a:defRPr>
+              </a:lvl5pPr>
+              <a:lvl6pPr marL="12070080" indent="-1097280" algn="l" defTabSz="4389120" rtl="0" eaLnBrk="1" latinLnBrk="0" hangingPunct="1">
+                <a:lnSpc>
+                  <a:spcPct val="90000"/>
+                </a:lnSpc>
+                <a:spcBef>
+                  <a:spcPts val="2400"/>
+                </a:spcBef>
+                <a:buFont typeface="Arial" panose="020B0604020202020204" pitchFamily="34" charset="0"/>
+                <a:buChar char="•"/>
+                <a:defRPr sz="8640" kern="1200">
+                  <a:solidFill>
+                    <a:schemeClr val="tx1"/>
+                  </a:solidFill>
+                  <a:latin typeface="+mn-lt"/>
+                  <a:ea typeface="+mn-ea"/>
+                  <a:cs typeface="+mn-cs"/>
+                </a:defRPr>
+              </a:lvl6pPr>
+              <a:lvl7pPr marL="14264640" indent="-1097280" algn="l" defTabSz="4389120" rtl="0" eaLnBrk="1" latinLnBrk="0" hangingPunct="1">
+                <a:lnSpc>
+                  <a:spcPct val="90000"/>
+                </a:lnSpc>
+                <a:spcBef>
+                  <a:spcPts val="2400"/>
+                </a:spcBef>
+                <a:buFont typeface="Arial" panose="020B0604020202020204" pitchFamily="34" charset="0"/>
+                <a:buChar char="•"/>
+                <a:defRPr sz="8640" kern="1200">
+                  <a:solidFill>
+                    <a:schemeClr val="tx1"/>
+                  </a:solidFill>
+                  <a:latin typeface="+mn-lt"/>
+                  <a:ea typeface="+mn-ea"/>
+                  <a:cs typeface="+mn-cs"/>
+                </a:defRPr>
+              </a:lvl7pPr>
+              <a:lvl8pPr marL="16459200" indent="-1097280" algn="l" defTabSz="4389120" rtl="0" eaLnBrk="1" latinLnBrk="0" hangingPunct="1">
+                <a:lnSpc>
+                  <a:spcPct val="90000"/>
+                </a:lnSpc>
+                <a:spcBef>
+                  <a:spcPts val="2400"/>
+                </a:spcBef>
+                <a:buFont typeface="Arial" panose="020B0604020202020204" pitchFamily="34" charset="0"/>
+                <a:buChar char="•"/>
+                <a:defRPr sz="8640" kern="1200">
+                  <a:solidFill>
+                    <a:schemeClr val="tx1"/>
+                  </a:solidFill>
+                  <a:latin typeface="+mn-lt"/>
+                  <a:ea typeface="+mn-ea"/>
+                  <a:cs typeface="+mn-cs"/>
+                </a:defRPr>
+              </a:lvl8pPr>
+              <a:lvl9pPr marL="18653760" indent="-1097280" algn="l" defTabSz="4389120" rtl="0" eaLnBrk="1" latinLnBrk="0" hangingPunct="1">
+                <a:lnSpc>
+                  <a:spcPct val="90000"/>
+                </a:lnSpc>
+                <a:spcBef>
+                  <a:spcPts val="2400"/>
+                </a:spcBef>
+                <a:buFont typeface="Arial" panose="020B0604020202020204" pitchFamily="34" charset="0"/>
+                <a:buChar char="•"/>
+                <a:defRPr sz="8640" kern="1200">
+                  <a:solidFill>
+                    <a:schemeClr val="tx1"/>
+                  </a:solidFill>
+                  <a:latin typeface="+mn-lt"/>
+                  <a:ea typeface="+mn-ea"/>
+                  <a:cs typeface="+mn-cs"/>
+                </a:defRPr>
+              </a:lvl9pPr>
+            </a:lstStyle>
+            <a:p>
+              <a:r>
+                <a:rPr lang="en-US" dirty="0" smtClean="0">
+                  <a:solidFill>
+                    <a:srgbClr val="E05529"/>
+                  </a:solidFill>
+                  <a:latin typeface="Verdana Regular" charset="0"/>
+                </a:rPr>
+                <a:t>What happened in the end?</a:t>
+              </a:r>
+              <a:endParaRPr lang="en-US" dirty="0">
+                <a:solidFill>
+                  <a:srgbClr val="E05529"/>
+                </a:solidFill>
+                <a:latin typeface="Verdana Regular" charset="0"/>
+              </a:endParaRPr>
+            </a:p>
+          </p:txBody>
+        </p:sp>
+        <p:sp>
+          <p:nvSpPr>
+            <p:cNvPr id="9" name="Text Placeholder 18"/>
+            <p:cNvSpPr txBox="1">
+              <a:spLocks/>
+            </p:cNvSpPr>
+            <p:nvPr/>
+          </p:nvSpPr>
+          <p:spPr>
+            <a:xfrm>
+              <a:off x="22463903" y="23655217"/>
+              <a:ext cx="9372194" cy="584775"/>
+            </a:xfrm>
+            <a:prstGeom prst="rect">
+              <a:avLst/>
+            </a:prstGeom>
+          </p:spPr>
+          <p:txBody>
+            <a:bodyPr wrap="square" lIns="0" tIns="0" rIns="0" bIns="0">
+              <a:spAutoFit/>
+            </a:bodyPr>
+            <a:lstStyle>
+              <a:lvl1pPr marL="457200" indent="-457200" algn="l" defTabSz="4389120" rtl="0" eaLnBrk="1" latinLnBrk="0" hangingPunct="1">
+                <a:lnSpc>
+                  <a:spcPts val="3360"/>
+                </a:lnSpc>
+                <a:spcBef>
+                  <a:spcPts val="0"/>
+                </a:spcBef>
+                <a:spcAft>
+                  <a:spcPts val="800"/>
+                </a:spcAft>
+                <a:buFont typeface="Arial" charset="0"/>
+                <a:buChar char="•"/>
+                <a:defRPr lang="en-US" sz="2800" kern="1200" baseline="0" smtClean="0">
+                  <a:solidFill>
+                    <a:schemeClr val="tx1"/>
+                  </a:solidFill>
+                  <a:effectLst/>
+                  <a:latin typeface="KievitPro-Regular" charset="0"/>
+                  <a:ea typeface="+mn-ea"/>
+                  <a:cs typeface="+mn-cs"/>
+                </a:defRPr>
+              </a:lvl1pPr>
+              <a:lvl2pPr marL="2194560" indent="0" algn="l" defTabSz="4389120" rtl="0" eaLnBrk="1" latinLnBrk="0" hangingPunct="1">
+                <a:lnSpc>
+                  <a:spcPct val="90000"/>
+                </a:lnSpc>
+                <a:spcBef>
+                  <a:spcPts val="2400"/>
+                </a:spcBef>
+                <a:buFontTx/>
+                <a:buNone/>
+                <a:defRPr sz="2800" kern="1200">
+                  <a:solidFill>
+                    <a:schemeClr val="tx1"/>
+                  </a:solidFill>
+                  <a:latin typeface="+mn-lt"/>
+                  <a:ea typeface="+mn-ea"/>
+                  <a:cs typeface="+mn-cs"/>
+                </a:defRPr>
+              </a:lvl2pPr>
+              <a:lvl3pPr marL="4389120" indent="0" algn="l" defTabSz="4389120" rtl="0" eaLnBrk="1" latinLnBrk="0" hangingPunct="1">
+                <a:lnSpc>
+                  <a:spcPct val="90000"/>
+                </a:lnSpc>
+                <a:spcBef>
+                  <a:spcPts val="2400"/>
+                </a:spcBef>
+                <a:buFontTx/>
+                <a:buNone/>
+                <a:defRPr sz="9600" kern="1200">
+                  <a:solidFill>
+                    <a:schemeClr val="tx1"/>
+                  </a:solidFill>
+                  <a:latin typeface="+mn-lt"/>
+                  <a:ea typeface="+mn-ea"/>
+                  <a:cs typeface="+mn-cs"/>
+                </a:defRPr>
+              </a:lvl3pPr>
+              <a:lvl4pPr marL="6583680" indent="0" algn="l" defTabSz="4389120" rtl="0" eaLnBrk="1" latinLnBrk="0" hangingPunct="1">
+                <a:lnSpc>
+                  <a:spcPct val="90000"/>
+                </a:lnSpc>
+                <a:spcBef>
+                  <a:spcPts val="2400"/>
+                </a:spcBef>
+                <a:buFontTx/>
+                <a:buNone/>
+                <a:defRPr sz="8640" kern="1200">
+                  <a:solidFill>
+                    <a:schemeClr val="tx1"/>
+                  </a:solidFill>
+                  <a:latin typeface="+mn-lt"/>
+                  <a:ea typeface="+mn-ea"/>
+                  <a:cs typeface="+mn-cs"/>
+                </a:defRPr>
+              </a:lvl4pPr>
+              <a:lvl5pPr marL="8778240" indent="0" algn="l" defTabSz="4389120" rtl="0" eaLnBrk="1" latinLnBrk="0" hangingPunct="1">
+                <a:lnSpc>
+                  <a:spcPct val="90000"/>
+                </a:lnSpc>
+                <a:spcBef>
+                  <a:spcPts val="2400"/>
+                </a:spcBef>
+                <a:buFontTx/>
+                <a:buNone/>
+                <a:defRPr sz="8640" kern="1200">
+                  <a:solidFill>
+                    <a:schemeClr val="tx1"/>
+                  </a:solidFill>
+                  <a:latin typeface="+mn-lt"/>
+                  <a:ea typeface="+mn-ea"/>
+                  <a:cs typeface="+mn-cs"/>
+                </a:defRPr>
+              </a:lvl5pPr>
+              <a:lvl6pPr marL="12070080" indent="-1097280" algn="l" defTabSz="4389120" rtl="0" eaLnBrk="1" latinLnBrk="0" hangingPunct="1">
+                <a:lnSpc>
+                  <a:spcPct val="90000"/>
+                </a:lnSpc>
+                <a:spcBef>
+                  <a:spcPts val="2400"/>
+                </a:spcBef>
+                <a:buFont typeface="Arial" panose="020B0604020202020204" pitchFamily="34" charset="0"/>
+                <a:buChar char="•"/>
+                <a:defRPr sz="8640" kern="1200">
+                  <a:solidFill>
+                    <a:schemeClr val="tx1"/>
+                  </a:solidFill>
+                  <a:latin typeface="+mn-lt"/>
+                  <a:ea typeface="+mn-ea"/>
+                  <a:cs typeface="+mn-cs"/>
+                </a:defRPr>
+              </a:lvl6pPr>
+              <a:lvl7pPr marL="14264640" indent="-1097280" algn="l" defTabSz="4389120" rtl="0" eaLnBrk="1" latinLnBrk="0" hangingPunct="1">
+                <a:lnSpc>
+                  <a:spcPct val="90000"/>
+                </a:lnSpc>
+                <a:spcBef>
+                  <a:spcPts val="2400"/>
+                </a:spcBef>
+                <a:buFont typeface="Arial" panose="020B0604020202020204" pitchFamily="34" charset="0"/>
+                <a:buChar char="•"/>
+                <a:defRPr sz="8640" kern="1200">
+                  <a:solidFill>
+                    <a:schemeClr val="tx1"/>
+                  </a:solidFill>
+                  <a:latin typeface="+mn-lt"/>
+                  <a:ea typeface="+mn-ea"/>
+                  <a:cs typeface="+mn-cs"/>
+                </a:defRPr>
+              </a:lvl7pPr>
+              <a:lvl8pPr marL="16459200" indent="-1097280" algn="l" defTabSz="4389120" rtl="0" eaLnBrk="1" latinLnBrk="0" hangingPunct="1">
+                <a:lnSpc>
+                  <a:spcPct val="90000"/>
+                </a:lnSpc>
+                <a:spcBef>
+                  <a:spcPts val="2400"/>
+                </a:spcBef>
+                <a:buFont typeface="Arial" panose="020B0604020202020204" pitchFamily="34" charset="0"/>
+                <a:buChar char="•"/>
+                <a:defRPr sz="8640" kern="1200">
+                  <a:solidFill>
+                    <a:schemeClr val="tx1"/>
+                  </a:solidFill>
+                  <a:latin typeface="+mn-lt"/>
+                  <a:ea typeface="+mn-ea"/>
+                  <a:cs typeface="+mn-cs"/>
+                </a:defRPr>
+              </a:lvl8pPr>
+              <a:lvl9pPr marL="18653760" indent="-1097280" algn="l" defTabSz="4389120" rtl="0" eaLnBrk="1" latinLnBrk="0" hangingPunct="1">
+                <a:lnSpc>
+                  <a:spcPct val="90000"/>
+                </a:lnSpc>
+                <a:spcBef>
+                  <a:spcPts val="2400"/>
+                </a:spcBef>
+                <a:buFont typeface="Arial" panose="020B0604020202020204" pitchFamily="34" charset="0"/>
+                <a:buChar char="•"/>
+                <a:defRPr sz="8640" kern="1200">
+                  <a:solidFill>
+                    <a:schemeClr val="tx1"/>
+                  </a:solidFill>
+                  <a:latin typeface="+mn-lt"/>
+                  <a:ea typeface="+mn-ea"/>
+                  <a:cs typeface="+mn-cs"/>
+                </a:defRPr>
+              </a:lvl9pPr>
+            </a:lstStyle>
+            <a:p>
+              <a:pPr marL="0" indent="0">
+                <a:lnSpc>
+                  <a:spcPct val="100000"/>
+                </a:lnSpc>
+                <a:spcAft>
+                  <a:spcPts val="2600"/>
+                </a:spcAft>
+                <a:buNone/>
+              </a:pPr>
+              <a:r>
+                <a:rPr lang="en-US" sz="3800" dirty="0">
+                  <a:latin typeface="Verdana Regular" charset="0"/>
+                </a:rPr>
+                <a:t>Usable HTC Vive Compatible VR Program</a:t>
+              </a:r>
+              <a:r>
+                <a:rPr lang="en-US" sz="3800" dirty="0" smtClean="0">
+                  <a:latin typeface="Verdana Regular" charset="0"/>
+                </a:rPr>
+                <a:t>!</a:t>
+              </a:r>
+              <a:endParaRPr lang="en-US" sz="3600" dirty="0">
+                <a:latin typeface="Verdana Regular" charset="0"/>
+              </a:endParaRPr>
+            </a:p>
+          </p:txBody>
+        </p:sp>
+        <p:sp>
+          <p:nvSpPr>
+            <p:cNvPr id="66" name="Text Placeholder 18"/>
+            <p:cNvSpPr txBox="1">
+              <a:spLocks/>
+            </p:cNvSpPr>
+            <p:nvPr/>
+          </p:nvSpPr>
+          <p:spPr>
+            <a:xfrm>
+              <a:off x="22463903" y="24634445"/>
+              <a:ext cx="9099830" cy="5986254"/>
+            </a:xfrm>
+            <a:prstGeom prst="rect">
+              <a:avLst/>
+            </a:prstGeom>
+          </p:spPr>
+          <p:txBody>
+            <a:bodyPr wrap="square" lIns="0" tIns="0" rIns="0" bIns="0">
+              <a:spAutoFit/>
+            </a:bodyPr>
+            <a:lstStyle>
+              <a:lvl1pPr marL="457200" indent="-457200" algn="l" defTabSz="4389120" rtl="0" eaLnBrk="1" latinLnBrk="0" hangingPunct="1">
+                <a:lnSpc>
+                  <a:spcPts val="3360"/>
+                </a:lnSpc>
+                <a:spcBef>
+                  <a:spcPts val="0"/>
+                </a:spcBef>
+                <a:spcAft>
+                  <a:spcPts val="800"/>
+                </a:spcAft>
+                <a:buFont typeface="Arial" charset="0"/>
+                <a:buChar char="•"/>
+                <a:defRPr lang="en-US" sz="2800" kern="1200" baseline="0" smtClean="0">
+                  <a:solidFill>
+                    <a:schemeClr val="tx1"/>
+                  </a:solidFill>
+                  <a:effectLst/>
+                  <a:latin typeface="KievitPro-Regular" charset="0"/>
+                  <a:ea typeface="+mn-ea"/>
+                  <a:cs typeface="+mn-cs"/>
+                </a:defRPr>
+              </a:lvl1pPr>
+              <a:lvl2pPr marL="2194560" indent="0" algn="l" defTabSz="4389120" rtl="0" eaLnBrk="1" latinLnBrk="0" hangingPunct="1">
+                <a:lnSpc>
+                  <a:spcPct val="90000"/>
+                </a:lnSpc>
+                <a:spcBef>
+                  <a:spcPts val="2400"/>
+                </a:spcBef>
+                <a:buFontTx/>
+                <a:buNone/>
+                <a:defRPr sz="2800" kern="1200">
+                  <a:solidFill>
+                    <a:schemeClr val="tx1"/>
+                  </a:solidFill>
+                  <a:latin typeface="+mn-lt"/>
+                  <a:ea typeface="+mn-ea"/>
+                  <a:cs typeface="+mn-cs"/>
+                </a:defRPr>
+              </a:lvl2pPr>
+              <a:lvl3pPr marL="4389120" indent="0" algn="l" defTabSz="4389120" rtl="0" eaLnBrk="1" latinLnBrk="0" hangingPunct="1">
+                <a:lnSpc>
+                  <a:spcPct val="90000"/>
+                </a:lnSpc>
+                <a:spcBef>
+                  <a:spcPts val="2400"/>
+                </a:spcBef>
+                <a:buFontTx/>
+                <a:buNone/>
+                <a:defRPr sz="9600" kern="1200">
+                  <a:solidFill>
+                    <a:schemeClr val="tx1"/>
+                  </a:solidFill>
+                  <a:latin typeface="+mn-lt"/>
+                  <a:ea typeface="+mn-ea"/>
+                  <a:cs typeface="+mn-cs"/>
+                </a:defRPr>
+              </a:lvl3pPr>
+              <a:lvl4pPr marL="6583680" indent="0" algn="l" defTabSz="4389120" rtl="0" eaLnBrk="1" latinLnBrk="0" hangingPunct="1">
+                <a:lnSpc>
+                  <a:spcPct val="90000"/>
+                </a:lnSpc>
+                <a:spcBef>
+                  <a:spcPts val="2400"/>
+                </a:spcBef>
+                <a:buFontTx/>
+                <a:buNone/>
+                <a:defRPr sz="8640" kern="1200">
+                  <a:solidFill>
+                    <a:schemeClr val="tx1"/>
+                  </a:solidFill>
+                  <a:latin typeface="+mn-lt"/>
+                  <a:ea typeface="+mn-ea"/>
+                  <a:cs typeface="+mn-cs"/>
+                </a:defRPr>
+              </a:lvl4pPr>
+              <a:lvl5pPr marL="8778240" indent="0" algn="l" defTabSz="4389120" rtl="0" eaLnBrk="1" latinLnBrk="0" hangingPunct="1">
+                <a:lnSpc>
+                  <a:spcPct val="90000"/>
+                </a:lnSpc>
+                <a:spcBef>
+                  <a:spcPts val="2400"/>
+                </a:spcBef>
+                <a:buFontTx/>
+                <a:buNone/>
+                <a:defRPr sz="8640" kern="1200">
+                  <a:solidFill>
+                    <a:schemeClr val="tx1"/>
+                  </a:solidFill>
+                  <a:latin typeface="+mn-lt"/>
+                  <a:ea typeface="+mn-ea"/>
+                  <a:cs typeface="+mn-cs"/>
+                </a:defRPr>
+              </a:lvl5pPr>
+              <a:lvl6pPr marL="12070080" indent="-1097280" algn="l" defTabSz="4389120" rtl="0" eaLnBrk="1" latinLnBrk="0" hangingPunct="1">
+                <a:lnSpc>
+                  <a:spcPct val="90000"/>
+                </a:lnSpc>
+                <a:spcBef>
+                  <a:spcPts val="2400"/>
+                </a:spcBef>
+                <a:buFont typeface="Arial" panose="020B0604020202020204" pitchFamily="34" charset="0"/>
+                <a:buChar char="•"/>
+                <a:defRPr sz="8640" kern="1200">
+                  <a:solidFill>
+                    <a:schemeClr val="tx1"/>
+                  </a:solidFill>
+                  <a:latin typeface="+mn-lt"/>
+                  <a:ea typeface="+mn-ea"/>
+                  <a:cs typeface="+mn-cs"/>
+                </a:defRPr>
+              </a:lvl6pPr>
+              <a:lvl7pPr marL="14264640" indent="-1097280" algn="l" defTabSz="4389120" rtl="0" eaLnBrk="1" latinLnBrk="0" hangingPunct="1">
+                <a:lnSpc>
+                  <a:spcPct val="90000"/>
+                </a:lnSpc>
+                <a:spcBef>
+                  <a:spcPts val="2400"/>
+                </a:spcBef>
+                <a:buFont typeface="Arial" panose="020B0604020202020204" pitchFamily="34" charset="0"/>
+                <a:buChar char="•"/>
+                <a:defRPr sz="8640" kern="1200">
+                  <a:solidFill>
+                    <a:schemeClr val="tx1"/>
+                  </a:solidFill>
+                  <a:latin typeface="+mn-lt"/>
+                  <a:ea typeface="+mn-ea"/>
+                  <a:cs typeface="+mn-cs"/>
+                </a:defRPr>
+              </a:lvl7pPr>
+              <a:lvl8pPr marL="16459200" indent="-1097280" algn="l" defTabSz="4389120" rtl="0" eaLnBrk="1" latinLnBrk="0" hangingPunct="1">
+                <a:lnSpc>
+                  <a:spcPct val="90000"/>
+                </a:lnSpc>
+                <a:spcBef>
+                  <a:spcPts val="2400"/>
+                </a:spcBef>
+                <a:buFont typeface="Arial" panose="020B0604020202020204" pitchFamily="34" charset="0"/>
+                <a:buChar char="•"/>
+                <a:defRPr sz="8640" kern="1200">
+                  <a:solidFill>
+                    <a:schemeClr val="tx1"/>
+                  </a:solidFill>
+                  <a:latin typeface="+mn-lt"/>
+                  <a:ea typeface="+mn-ea"/>
+                  <a:cs typeface="+mn-cs"/>
+                </a:defRPr>
+              </a:lvl8pPr>
+              <a:lvl9pPr marL="18653760" indent="-1097280" algn="l" defTabSz="4389120" rtl="0" eaLnBrk="1" latinLnBrk="0" hangingPunct="1">
+                <a:lnSpc>
+                  <a:spcPct val="90000"/>
+                </a:lnSpc>
+                <a:spcBef>
+                  <a:spcPts val="2400"/>
+                </a:spcBef>
+                <a:buFont typeface="Arial" panose="020B0604020202020204" pitchFamily="34" charset="0"/>
+                <a:buChar char="•"/>
+                <a:defRPr sz="8640" kern="1200">
+                  <a:solidFill>
+                    <a:schemeClr val="tx1"/>
+                  </a:solidFill>
+                  <a:latin typeface="+mn-lt"/>
+                  <a:ea typeface="+mn-ea"/>
+                  <a:cs typeface="+mn-cs"/>
+                </a:defRPr>
+              </a:lvl9pPr>
+            </a:lstStyle>
+            <a:p>
+              <a:pPr marL="0" indent="0">
+                <a:lnSpc>
+                  <a:spcPct val="100000"/>
+                </a:lnSpc>
+                <a:spcAft>
+                  <a:spcPts val="2600"/>
+                </a:spcAft>
+                <a:buNone/>
+              </a:pPr>
+              <a:r>
+                <a:rPr lang="en-US" sz="3600" dirty="0" smtClean="0">
+                  <a:latin typeface="Verdana Regular" charset="0"/>
+                </a:rPr>
+                <a:t>Successes</a:t>
+              </a:r>
+              <a:r>
+                <a:rPr lang="en-US" sz="3600" dirty="0">
+                  <a:latin typeface="Verdana Regular" charset="0"/>
+                </a:rPr>
+                <a:t>:</a:t>
+              </a:r>
+            </a:p>
+            <a:p>
+              <a:pPr marL="0" indent="0">
+                <a:lnSpc>
+                  <a:spcPct val="100000"/>
+                </a:lnSpc>
+                <a:spcAft>
+                  <a:spcPts val="2600"/>
+                </a:spcAft>
+                <a:buNone/>
+              </a:pPr>
+              <a:r>
+                <a:rPr lang="en-US" sz="3600" dirty="0">
+                  <a:latin typeface="Verdana Regular" charset="0"/>
+                </a:rPr>
+                <a:t>Program meets basic requirements of generating various 3D objects and creation of trajectories with mathematically </a:t>
+              </a:r>
+              <a:r>
+                <a:rPr lang="en-US" sz="3600" dirty="0" smtClean="0">
+                  <a:latin typeface="Verdana Regular" charset="0"/>
+                </a:rPr>
+                <a:t>curves, along </a:t>
+              </a:r>
+              <a:r>
+                <a:rPr lang="en-US" sz="3600" dirty="0">
+                  <a:latin typeface="Verdana Regular" charset="0"/>
+                </a:rPr>
+                <a:t>with save and load functionalities.</a:t>
+              </a:r>
+            </a:p>
+            <a:p>
+              <a:pPr marL="0" indent="0">
+                <a:lnSpc>
+                  <a:spcPct val="100000"/>
+                </a:lnSpc>
+                <a:spcAft>
+                  <a:spcPts val="2600"/>
+                </a:spcAft>
+                <a:buNone/>
+              </a:pPr>
+              <a:r>
+                <a:rPr lang="en-US" sz="3600" dirty="0">
+                  <a:latin typeface="Verdana Regular" charset="0"/>
+                </a:rPr>
+                <a:t>Limitations:</a:t>
+              </a:r>
+            </a:p>
+            <a:p>
+              <a:pPr marL="0" indent="0">
+                <a:lnSpc>
+                  <a:spcPct val="100000"/>
+                </a:lnSpc>
+                <a:spcAft>
+                  <a:spcPts val="2600"/>
+                </a:spcAft>
+                <a:buNone/>
+              </a:pPr>
+              <a:r>
+                <a:rPr lang="en-US" sz="3600" dirty="0">
+                  <a:latin typeface="Verdana Regular" charset="0"/>
+                </a:rPr>
+                <a:t>User is unable to free-draw a </a:t>
+              </a:r>
+              <a:r>
+                <a:rPr lang="en-US" sz="3600" dirty="0" smtClean="0">
+                  <a:latin typeface="Verdana Regular" charset="0"/>
+                </a:rPr>
+                <a:t>curve,      within a scene, but this addition is </a:t>
+              </a:r>
+              <a:r>
+                <a:rPr lang="en-US" sz="3600" dirty="0" smtClean="0">
+                  <a:latin typeface="Verdana Regular" charset="0"/>
+                </a:rPr>
+                <a:t>in </a:t>
+              </a:r>
+              <a:r>
+                <a:rPr lang="en-US" sz="3600" dirty="0" smtClean="0">
+                  <a:latin typeface="Verdana Regular" charset="0"/>
+                </a:rPr>
+                <a:t>          the </a:t>
+              </a:r>
+              <a:r>
+                <a:rPr lang="en-US" sz="3600" dirty="0">
+                  <a:latin typeface="Verdana Regular" charset="0"/>
+                </a:rPr>
+                <a:t>works for the future</a:t>
+              </a:r>
+              <a:r>
+                <a:rPr lang="en-US" sz="3600" dirty="0" smtClean="0">
+                  <a:latin typeface="Verdana Regular" charset="0"/>
+                </a:rPr>
+                <a:t>.</a:t>
+              </a:r>
+              <a:endParaRPr lang="en-US" sz="3600" dirty="0">
+                <a:latin typeface="Verdana Regular" charset="0"/>
+              </a:endParaRPr>
+            </a:p>
+          </p:txBody>
+        </p:sp>
+      </p:grpSp>
+      <p:sp>
+        <p:nvSpPr>
+          <p:cNvPr id="69" name="Text Placeholder 18"/>
+          <p:cNvSpPr txBox="1">
+            <a:spLocks/>
+          </p:cNvSpPr>
+          <p:nvPr/>
+        </p:nvSpPr>
+        <p:spPr>
+          <a:xfrm>
+            <a:off x="19239771" y="19529740"/>
+            <a:ext cx="5648680" cy="1231106"/>
+          </a:xfrm>
+          <a:prstGeom prst="rect">
+            <a:avLst/>
+          </a:prstGeom>
+        </p:spPr>
+        <p:txBody>
+          <a:bodyPr wrap="square" lIns="0" tIns="0" rIns="0" bIns="0">
+            <a:spAutoFit/>
+          </a:bodyPr>
+          <a:lstStyle>
+            <a:lvl1pPr marL="0" indent="0" algn="l" defTabSz="4389120" rtl="0" eaLnBrk="1" latinLnBrk="0" hangingPunct="1">
+              <a:lnSpc>
+                <a:spcPts val="3360"/>
+              </a:lnSpc>
+              <a:spcBef>
+                <a:spcPts val="0"/>
+              </a:spcBef>
+              <a:spcAft>
+                <a:spcPts val="800"/>
+              </a:spcAft>
+              <a:buFontTx/>
+              <a:buNone/>
+              <a:defRPr lang="en-US" sz="2800" kern="1200" baseline="0" smtClean="0">
+                <a:solidFill>
+                  <a:schemeClr val="tx1"/>
+                </a:solidFill>
+                <a:effectLst/>
+                <a:latin typeface="KievitPro-Regular" charset="0"/>
+                <a:ea typeface="+mn-ea"/>
+                <a:cs typeface="+mn-cs"/>
+              </a:defRPr>
+            </a:lvl1pPr>
+            <a:lvl2pPr marL="2194560" indent="0" algn="l" defTabSz="4389120" rtl="0" eaLnBrk="1" latinLnBrk="0" hangingPunct="1">
+              <a:lnSpc>
+                <a:spcPct val="90000"/>
+              </a:lnSpc>
+              <a:spcBef>
+                <a:spcPts val="2400"/>
+              </a:spcBef>
+              <a:buFontTx/>
+              <a:buNone/>
+              <a:defRPr sz="11520" kern="1200">
+                <a:solidFill>
+                  <a:schemeClr val="tx1"/>
+                </a:solidFill>
+                <a:latin typeface="+mn-lt"/>
+                <a:ea typeface="+mn-ea"/>
+                <a:cs typeface="+mn-cs"/>
+              </a:defRPr>
+            </a:lvl2pPr>
+            <a:lvl3pPr marL="4389120" indent="0" algn="l" defTabSz="4389120" rtl="0" eaLnBrk="1" latinLnBrk="0" hangingPunct="1">
+              <a:lnSpc>
+                <a:spcPct val="90000"/>
+              </a:lnSpc>
+              <a:spcBef>
+                <a:spcPts val="2400"/>
+              </a:spcBef>
+              <a:buFontTx/>
+              <a:buNone/>
+              <a:defRPr sz="9600" kern="1200">
+                <a:solidFill>
+                  <a:schemeClr val="tx1"/>
+                </a:solidFill>
+                <a:latin typeface="+mn-lt"/>
+                <a:ea typeface="+mn-ea"/>
+                <a:cs typeface="+mn-cs"/>
+              </a:defRPr>
+            </a:lvl3pPr>
+            <a:lvl4pPr marL="6583680" indent="0" algn="l" defTabSz="4389120" rtl="0" eaLnBrk="1" latinLnBrk="0" hangingPunct="1">
+              <a:lnSpc>
+                <a:spcPct val="90000"/>
+              </a:lnSpc>
+              <a:spcBef>
+                <a:spcPts val="2400"/>
+              </a:spcBef>
+              <a:buFontTx/>
+              <a:buNone/>
+              <a:defRPr sz="8640" kern="1200">
+                <a:solidFill>
+                  <a:schemeClr val="tx1"/>
+                </a:solidFill>
+                <a:latin typeface="+mn-lt"/>
+                <a:ea typeface="+mn-ea"/>
+                <a:cs typeface="+mn-cs"/>
+              </a:defRPr>
+            </a:lvl4pPr>
+            <a:lvl5pPr marL="8778240" indent="0" algn="l" defTabSz="4389120" rtl="0" eaLnBrk="1" latinLnBrk="0" hangingPunct="1">
+              <a:lnSpc>
+                <a:spcPct val="90000"/>
+              </a:lnSpc>
+              <a:spcBef>
+                <a:spcPts val="2400"/>
+              </a:spcBef>
+              <a:buFontTx/>
+              <a:buNone/>
+              <a:defRPr sz="8640" kern="1200">
+                <a:solidFill>
+                  <a:schemeClr val="tx1"/>
+                </a:solidFill>
+                <a:latin typeface="+mn-lt"/>
+                <a:ea typeface="+mn-ea"/>
+                <a:cs typeface="+mn-cs"/>
+              </a:defRPr>
+            </a:lvl5pPr>
+            <a:lvl6pPr marL="12070080" indent="-1097280" algn="l" defTabSz="4389120" rtl="0" eaLnBrk="1" latinLnBrk="0" hangingPunct="1">
+              <a:lnSpc>
+                <a:spcPct val="90000"/>
+              </a:lnSpc>
+              <a:spcBef>
+                <a:spcPts val="2400"/>
+              </a:spcBef>
+              <a:buFont typeface="Arial" panose="020B0604020202020204" pitchFamily="34" charset="0"/>
+              <a:buChar char="•"/>
+              <a:defRPr sz="8640" kern="1200">
+                <a:solidFill>
+                  <a:schemeClr val="tx1"/>
+                </a:solidFill>
+                <a:latin typeface="+mn-lt"/>
+                <a:ea typeface="+mn-ea"/>
+                <a:cs typeface="+mn-cs"/>
+              </a:defRPr>
+            </a:lvl6pPr>
+            <a:lvl7pPr marL="14264640" indent="-1097280" algn="l" defTabSz="4389120" rtl="0" eaLnBrk="1" latinLnBrk="0" hangingPunct="1">
+              <a:lnSpc>
+                <a:spcPct val="90000"/>
+              </a:lnSpc>
+              <a:spcBef>
+                <a:spcPts val="2400"/>
+              </a:spcBef>
+              <a:buFont typeface="Arial" panose="020B0604020202020204" pitchFamily="34" charset="0"/>
+              <a:buChar char="•"/>
+              <a:defRPr sz="8640" kern="1200">
+                <a:solidFill>
+                  <a:schemeClr val="tx1"/>
+                </a:solidFill>
+                <a:latin typeface="+mn-lt"/>
+                <a:ea typeface="+mn-ea"/>
+                <a:cs typeface="+mn-cs"/>
+              </a:defRPr>
+            </a:lvl7pPr>
+            <a:lvl8pPr marL="16459200" indent="-1097280" algn="l" defTabSz="4389120" rtl="0" eaLnBrk="1" latinLnBrk="0" hangingPunct="1">
+              <a:lnSpc>
+                <a:spcPct val="90000"/>
+              </a:lnSpc>
+              <a:spcBef>
+                <a:spcPts val="2400"/>
+              </a:spcBef>
+              <a:buFont typeface="Arial" panose="020B0604020202020204" pitchFamily="34" charset="0"/>
+              <a:buChar char="•"/>
+              <a:defRPr sz="8640" kern="1200">
+                <a:solidFill>
+                  <a:schemeClr val="tx1"/>
+                </a:solidFill>
+                <a:latin typeface="+mn-lt"/>
+                <a:ea typeface="+mn-ea"/>
+                <a:cs typeface="+mn-cs"/>
+              </a:defRPr>
+            </a:lvl8pPr>
+            <a:lvl9pPr marL="18653760" indent="-1097280" algn="l" defTabSz="4389120" rtl="0" eaLnBrk="1" latinLnBrk="0" hangingPunct="1">
+              <a:lnSpc>
+                <a:spcPct val="90000"/>
+              </a:lnSpc>
+              <a:spcBef>
+                <a:spcPts val="2400"/>
+              </a:spcBef>
+              <a:buFont typeface="Arial" panose="020B0604020202020204" pitchFamily="34" charset="0"/>
+              <a:buChar char="•"/>
+              <a:defRPr sz="8640" kern="1200">
+                <a:solidFill>
+                  <a:schemeClr val="tx1"/>
+                </a:solidFill>
+                <a:latin typeface="+mn-lt"/>
+                <a:ea typeface="+mn-ea"/>
+                <a:cs typeface="+mn-cs"/>
+              </a:defRPr>
+            </a:lvl9pPr>
+          </a:lstStyle>
+          <a:p>
+            <a:pPr algn="ctr">
+              <a:lnSpc>
+                <a:spcPct val="100000"/>
+              </a:lnSpc>
+              <a:spcAft>
+                <a:spcPts val="2600"/>
+              </a:spcAft>
+            </a:pPr>
+            <a:r>
+              <a:rPr lang="en-US" sz="4000" dirty="0" smtClean="0">
+                <a:latin typeface="Verdana Regular" charset="0"/>
+              </a:rPr>
+              <a:t>5   Watch Structure Become [Virtual] Reality!</a:t>
+            </a:r>
+          </a:p>
+        </p:txBody>
+      </p:sp>
+      <p:sp>
+        <p:nvSpPr>
+          <p:cNvPr id="70" name="Shape 99"/>
+          <p:cNvSpPr/>
+          <p:nvPr/>
+        </p:nvSpPr>
+        <p:spPr>
+          <a:xfrm>
+            <a:off x="12256955" y="21391750"/>
+            <a:ext cx="644180" cy="635070"/>
+          </a:xfrm>
+          <a:prstGeom prst="ellipse">
+            <a:avLst/>
+          </a:prstGeom>
+          <a:noFill/>
+          <a:ln w="9525" cap="flat" cmpd="sng">
+            <a:solidFill>
+              <a:srgbClr val="000000"/>
+            </a:solidFill>
+            <a:prstDash val="solid"/>
+            <a:round/>
+            <a:headEnd type="none" w="sm" len="sm"/>
+            <a:tailEnd type="none" w="sm" len="sm"/>
+          </a:ln>
+        </p:spPr>
+        <p:txBody>
+          <a:bodyPr spcFirstLastPara="1" wrap="square" lIns="91425" tIns="91425" rIns="91425" bIns="91425" anchor="ctr" anchorCtr="0">
+            <a:noAutofit/>
+          </a:bodyPr>
+          <a:lstStyle/>
+          <a:p>
+            <a:pPr marL="0" lvl="0" indent="0">
+              <a:spcBef>
+                <a:spcPts val="0"/>
+              </a:spcBef>
+              <a:spcAft>
+                <a:spcPts val="0"/>
+              </a:spcAft>
+              <a:buNone/>
+            </a:pPr>
+            <a:endParaRPr/>
+          </a:p>
+        </p:txBody>
+      </p:sp>
+      <p:sp>
+        <p:nvSpPr>
+          <p:cNvPr id="71" name="Text Placeholder 18"/>
+          <p:cNvSpPr txBox="1">
+            <a:spLocks/>
+          </p:cNvSpPr>
+          <p:nvPr/>
+        </p:nvSpPr>
+        <p:spPr>
+          <a:xfrm>
+            <a:off x="25555828" y="21370145"/>
+            <a:ext cx="5081588" cy="443776"/>
+          </a:xfrm>
+          <a:prstGeom prst="rect">
+            <a:avLst/>
+          </a:prstGeom>
+        </p:spPr>
+        <p:txBody>
+          <a:bodyPr wrap="square" lIns="0" tIns="0" rIns="0" bIns="0">
+            <a:spAutoFit/>
+          </a:bodyPr>
+          <a:lstStyle>
+            <a:lvl1pPr marL="0" indent="0" algn="l" defTabSz="4389120" rtl="0" eaLnBrk="1" latinLnBrk="0" hangingPunct="1">
+              <a:lnSpc>
+                <a:spcPts val="3360"/>
+              </a:lnSpc>
+              <a:spcBef>
+                <a:spcPts val="0"/>
+              </a:spcBef>
+              <a:spcAft>
+                <a:spcPts val="800"/>
+              </a:spcAft>
+              <a:buFontTx/>
+              <a:buNone/>
+              <a:defRPr lang="en-US" sz="2800" kern="1200" baseline="0" smtClean="0">
+                <a:solidFill>
+                  <a:schemeClr val="tx1"/>
+                </a:solidFill>
+                <a:effectLst/>
+                <a:latin typeface="KievitPro-Regular" charset="0"/>
+                <a:ea typeface="+mn-ea"/>
+                <a:cs typeface="+mn-cs"/>
+              </a:defRPr>
+            </a:lvl1pPr>
+            <a:lvl2pPr marL="2194560" indent="0" algn="l" defTabSz="4389120" rtl="0" eaLnBrk="1" latinLnBrk="0" hangingPunct="1">
+              <a:lnSpc>
+                <a:spcPct val="90000"/>
+              </a:lnSpc>
+              <a:spcBef>
+                <a:spcPts val="2400"/>
+              </a:spcBef>
+              <a:buFontTx/>
+              <a:buNone/>
+              <a:defRPr sz="11520" kern="1200">
+                <a:solidFill>
+                  <a:schemeClr val="tx1"/>
+                </a:solidFill>
+                <a:latin typeface="+mn-lt"/>
+                <a:ea typeface="+mn-ea"/>
+                <a:cs typeface="+mn-cs"/>
+              </a:defRPr>
+            </a:lvl2pPr>
+            <a:lvl3pPr marL="4389120" indent="0" algn="l" defTabSz="4389120" rtl="0" eaLnBrk="1" latinLnBrk="0" hangingPunct="1">
+              <a:lnSpc>
+                <a:spcPct val="90000"/>
+              </a:lnSpc>
+              <a:spcBef>
+                <a:spcPts val="2400"/>
+              </a:spcBef>
+              <a:buFontTx/>
+              <a:buNone/>
+              <a:defRPr sz="9600" kern="1200">
+                <a:solidFill>
+                  <a:schemeClr val="tx1"/>
+                </a:solidFill>
+                <a:latin typeface="+mn-lt"/>
+                <a:ea typeface="+mn-ea"/>
+                <a:cs typeface="+mn-cs"/>
+              </a:defRPr>
+            </a:lvl3pPr>
+            <a:lvl4pPr marL="6583680" indent="0" algn="l" defTabSz="4389120" rtl="0" eaLnBrk="1" latinLnBrk="0" hangingPunct="1">
+              <a:lnSpc>
+                <a:spcPct val="90000"/>
+              </a:lnSpc>
+              <a:spcBef>
+                <a:spcPts val="2400"/>
+              </a:spcBef>
+              <a:buFontTx/>
+              <a:buNone/>
+              <a:defRPr sz="8640" kern="1200">
+                <a:solidFill>
+                  <a:schemeClr val="tx1"/>
+                </a:solidFill>
+                <a:latin typeface="+mn-lt"/>
+                <a:ea typeface="+mn-ea"/>
+                <a:cs typeface="+mn-cs"/>
+              </a:defRPr>
+            </a:lvl4pPr>
+            <a:lvl5pPr marL="8778240" indent="0" algn="l" defTabSz="4389120" rtl="0" eaLnBrk="1" latinLnBrk="0" hangingPunct="1">
+              <a:lnSpc>
+                <a:spcPct val="90000"/>
+              </a:lnSpc>
+              <a:spcBef>
+                <a:spcPts val="2400"/>
+              </a:spcBef>
+              <a:buFontTx/>
+              <a:buNone/>
+              <a:defRPr sz="8640" kern="1200">
+                <a:solidFill>
+                  <a:schemeClr val="tx1"/>
+                </a:solidFill>
+                <a:latin typeface="+mn-lt"/>
+                <a:ea typeface="+mn-ea"/>
+                <a:cs typeface="+mn-cs"/>
+              </a:defRPr>
+            </a:lvl5pPr>
+            <a:lvl6pPr marL="12070080" indent="-1097280" algn="l" defTabSz="4389120" rtl="0" eaLnBrk="1" latinLnBrk="0" hangingPunct="1">
+              <a:lnSpc>
+                <a:spcPct val="90000"/>
+              </a:lnSpc>
+              <a:spcBef>
+                <a:spcPts val="2400"/>
+              </a:spcBef>
+              <a:buFont typeface="Arial" panose="020B0604020202020204" pitchFamily="34" charset="0"/>
+              <a:buChar char="•"/>
+              <a:defRPr sz="8640" kern="1200">
+                <a:solidFill>
+                  <a:schemeClr val="tx1"/>
+                </a:solidFill>
+                <a:latin typeface="+mn-lt"/>
+                <a:ea typeface="+mn-ea"/>
+                <a:cs typeface="+mn-cs"/>
+              </a:defRPr>
+            </a:lvl6pPr>
+            <a:lvl7pPr marL="14264640" indent="-1097280" algn="l" defTabSz="4389120" rtl="0" eaLnBrk="1" latinLnBrk="0" hangingPunct="1">
+              <a:lnSpc>
+                <a:spcPct val="90000"/>
+              </a:lnSpc>
+              <a:spcBef>
+                <a:spcPts val="2400"/>
+              </a:spcBef>
+              <a:buFont typeface="Arial" panose="020B0604020202020204" pitchFamily="34" charset="0"/>
+              <a:buChar char="•"/>
+              <a:defRPr sz="8640" kern="1200">
+                <a:solidFill>
+                  <a:schemeClr val="tx1"/>
+                </a:solidFill>
+                <a:latin typeface="+mn-lt"/>
+                <a:ea typeface="+mn-ea"/>
+                <a:cs typeface="+mn-cs"/>
+              </a:defRPr>
+            </a:lvl7pPr>
+            <a:lvl8pPr marL="16459200" indent="-1097280" algn="l" defTabSz="4389120" rtl="0" eaLnBrk="1" latinLnBrk="0" hangingPunct="1">
+              <a:lnSpc>
+                <a:spcPct val="90000"/>
+              </a:lnSpc>
+              <a:spcBef>
+                <a:spcPts val="2400"/>
+              </a:spcBef>
+              <a:buFont typeface="Arial" panose="020B0604020202020204" pitchFamily="34" charset="0"/>
+              <a:buChar char="•"/>
+              <a:defRPr sz="8640" kern="1200">
+                <a:solidFill>
+                  <a:schemeClr val="tx1"/>
+                </a:solidFill>
+                <a:latin typeface="+mn-lt"/>
+                <a:ea typeface="+mn-ea"/>
+                <a:cs typeface="+mn-cs"/>
+              </a:defRPr>
+            </a:lvl8pPr>
+            <a:lvl9pPr marL="18653760" indent="-1097280" algn="l" defTabSz="4389120" rtl="0" eaLnBrk="1" latinLnBrk="0" hangingPunct="1">
+              <a:lnSpc>
+                <a:spcPct val="90000"/>
+              </a:lnSpc>
+              <a:spcBef>
+                <a:spcPts val="2400"/>
+              </a:spcBef>
+              <a:buFont typeface="Arial" panose="020B0604020202020204" pitchFamily="34" charset="0"/>
+              <a:buChar char="•"/>
+              <a:defRPr sz="8640" kern="1200">
+                <a:solidFill>
+                  <a:schemeClr val="tx1"/>
+                </a:solidFill>
+                <a:latin typeface="+mn-lt"/>
+                <a:ea typeface="+mn-ea"/>
+                <a:cs typeface="+mn-cs"/>
+              </a:defRPr>
+            </a:lvl9pPr>
+          </a:lstStyle>
+          <a:p>
+            <a:pPr>
+              <a:spcAft>
+                <a:spcPts val="2600"/>
+              </a:spcAft>
+            </a:pPr>
+            <a:r>
+              <a:rPr lang="en-US" sz="4000" dirty="0" smtClean="0">
+                <a:latin typeface="Verdana Regular" charset="0"/>
+              </a:rPr>
+              <a:t>4   Draw Trajectory</a:t>
+            </a:r>
+          </a:p>
+        </p:txBody>
+      </p:sp>
+      <p:sp>
+        <p:nvSpPr>
+          <p:cNvPr id="72" name="Text Placeholder 18"/>
+          <p:cNvSpPr txBox="1">
+            <a:spLocks/>
+          </p:cNvSpPr>
+          <p:nvPr/>
+        </p:nvSpPr>
+        <p:spPr>
+          <a:xfrm>
+            <a:off x="25550384" y="7384920"/>
+            <a:ext cx="6522781" cy="436017"/>
+          </a:xfrm>
+          <a:prstGeom prst="rect">
+            <a:avLst/>
+          </a:prstGeom>
+        </p:spPr>
+        <p:txBody>
+          <a:bodyPr wrap="square" lIns="0" tIns="0" rIns="0" bIns="0">
+            <a:spAutoFit/>
+          </a:bodyPr>
+          <a:lstStyle>
+            <a:lvl1pPr marL="0" indent="0" algn="l" defTabSz="4389120" rtl="0" eaLnBrk="1" latinLnBrk="0" hangingPunct="1">
+              <a:lnSpc>
+                <a:spcPts val="3360"/>
+              </a:lnSpc>
+              <a:spcBef>
+                <a:spcPts val="0"/>
+              </a:spcBef>
+              <a:spcAft>
+                <a:spcPts val="800"/>
+              </a:spcAft>
+              <a:buFontTx/>
+              <a:buNone/>
+              <a:defRPr lang="en-US" sz="2800" kern="1200" baseline="0" smtClean="0">
+                <a:solidFill>
+                  <a:schemeClr val="tx1"/>
+                </a:solidFill>
+                <a:effectLst/>
+                <a:latin typeface="KievitPro-Regular" charset="0"/>
+                <a:ea typeface="+mn-ea"/>
+                <a:cs typeface="+mn-cs"/>
+              </a:defRPr>
+            </a:lvl1pPr>
+            <a:lvl2pPr marL="2194560" indent="0" algn="l" defTabSz="4389120" rtl="0" eaLnBrk="1" latinLnBrk="0" hangingPunct="1">
+              <a:lnSpc>
+                <a:spcPct val="90000"/>
+              </a:lnSpc>
+              <a:spcBef>
+                <a:spcPts val="2400"/>
+              </a:spcBef>
+              <a:buFontTx/>
+              <a:buNone/>
+              <a:defRPr sz="11520" kern="1200">
+                <a:solidFill>
+                  <a:schemeClr val="tx1"/>
+                </a:solidFill>
+                <a:latin typeface="+mn-lt"/>
+                <a:ea typeface="+mn-ea"/>
+                <a:cs typeface="+mn-cs"/>
+              </a:defRPr>
+            </a:lvl2pPr>
+            <a:lvl3pPr marL="4389120" indent="0" algn="l" defTabSz="4389120" rtl="0" eaLnBrk="1" latinLnBrk="0" hangingPunct="1">
+              <a:lnSpc>
+                <a:spcPct val="90000"/>
+              </a:lnSpc>
+              <a:spcBef>
+                <a:spcPts val="2400"/>
+              </a:spcBef>
+              <a:buFontTx/>
+              <a:buNone/>
+              <a:defRPr sz="9600" kern="1200">
+                <a:solidFill>
+                  <a:schemeClr val="tx1"/>
+                </a:solidFill>
+                <a:latin typeface="+mn-lt"/>
+                <a:ea typeface="+mn-ea"/>
+                <a:cs typeface="+mn-cs"/>
+              </a:defRPr>
+            </a:lvl3pPr>
+            <a:lvl4pPr marL="6583680" indent="0" algn="l" defTabSz="4389120" rtl="0" eaLnBrk="1" latinLnBrk="0" hangingPunct="1">
+              <a:lnSpc>
+                <a:spcPct val="90000"/>
+              </a:lnSpc>
+              <a:spcBef>
+                <a:spcPts val="2400"/>
+              </a:spcBef>
+              <a:buFontTx/>
+              <a:buNone/>
+              <a:defRPr sz="8640" kern="1200">
+                <a:solidFill>
+                  <a:schemeClr val="tx1"/>
+                </a:solidFill>
+                <a:latin typeface="+mn-lt"/>
+                <a:ea typeface="+mn-ea"/>
+                <a:cs typeface="+mn-cs"/>
+              </a:defRPr>
+            </a:lvl4pPr>
+            <a:lvl5pPr marL="8778240" indent="0" algn="l" defTabSz="4389120" rtl="0" eaLnBrk="1" latinLnBrk="0" hangingPunct="1">
+              <a:lnSpc>
+                <a:spcPct val="90000"/>
+              </a:lnSpc>
+              <a:spcBef>
+                <a:spcPts val="2400"/>
+              </a:spcBef>
+              <a:buFontTx/>
+              <a:buNone/>
+              <a:defRPr sz="8640" kern="1200">
+                <a:solidFill>
+                  <a:schemeClr val="tx1"/>
+                </a:solidFill>
+                <a:latin typeface="+mn-lt"/>
+                <a:ea typeface="+mn-ea"/>
+                <a:cs typeface="+mn-cs"/>
+              </a:defRPr>
+            </a:lvl5pPr>
+            <a:lvl6pPr marL="12070080" indent="-1097280" algn="l" defTabSz="4389120" rtl="0" eaLnBrk="1" latinLnBrk="0" hangingPunct="1">
+              <a:lnSpc>
+                <a:spcPct val="90000"/>
+              </a:lnSpc>
+              <a:spcBef>
+                <a:spcPts val="2400"/>
+              </a:spcBef>
+              <a:buFont typeface="Arial" panose="020B0604020202020204" pitchFamily="34" charset="0"/>
+              <a:buChar char="•"/>
+              <a:defRPr sz="8640" kern="1200">
+                <a:solidFill>
+                  <a:schemeClr val="tx1"/>
+                </a:solidFill>
+                <a:latin typeface="+mn-lt"/>
+                <a:ea typeface="+mn-ea"/>
+                <a:cs typeface="+mn-cs"/>
+              </a:defRPr>
+            </a:lvl6pPr>
+            <a:lvl7pPr marL="14264640" indent="-1097280" algn="l" defTabSz="4389120" rtl="0" eaLnBrk="1" latinLnBrk="0" hangingPunct="1">
+              <a:lnSpc>
+                <a:spcPct val="90000"/>
+              </a:lnSpc>
+              <a:spcBef>
+                <a:spcPts val="2400"/>
+              </a:spcBef>
+              <a:buFont typeface="Arial" panose="020B0604020202020204" pitchFamily="34" charset="0"/>
+              <a:buChar char="•"/>
+              <a:defRPr sz="8640" kern="1200">
+                <a:solidFill>
+                  <a:schemeClr val="tx1"/>
+                </a:solidFill>
+                <a:latin typeface="+mn-lt"/>
+                <a:ea typeface="+mn-ea"/>
+                <a:cs typeface="+mn-cs"/>
+              </a:defRPr>
+            </a:lvl7pPr>
+            <a:lvl8pPr marL="16459200" indent="-1097280" algn="l" defTabSz="4389120" rtl="0" eaLnBrk="1" latinLnBrk="0" hangingPunct="1">
+              <a:lnSpc>
+                <a:spcPct val="90000"/>
+              </a:lnSpc>
+              <a:spcBef>
+                <a:spcPts val="2400"/>
+              </a:spcBef>
+              <a:buFont typeface="Arial" panose="020B0604020202020204" pitchFamily="34" charset="0"/>
+              <a:buChar char="•"/>
+              <a:defRPr sz="8640" kern="1200">
+                <a:solidFill>
+                  <a:schemeClr val="tx1"/>
+                </a:solidFill>
+                <a:latin typeface="+mn-lt"/>
+                <a:ea typeface="+mn-ea"/>
+                <a:cs typeface="+mn-cs"/>
+              </a:defRPr>
+            </a:lvl8pPr>
+            <a:lvl9pPr marL="18653760" indent="-1097280" algn="l" defTabSz="4389120" rtl="0" eaLnBrk="1" latinLnBrk="0" hangingPunct="1">
+              <a:lnSpc>
+                <a:spcPct val="90000"/>
+              </a:lnSpc>
+              <a:spcBef>
+                <a:spcPts val="2400"/>
+              </a:spcBef>
+              <a:buFont typeface="Arial" panose="020B0604020202020204" pitchFamily="34" charset="0"/>
+              <a:buChar char="•"/>
+              <a:defRPr sz="8640" kern="1200">
+                <a:solidFill>
+                  <a:schemeClr val="tx1"/>
+                </a:solidFill>
+                <a:latin typeface="+mn-lt"/>
+                <a:ea typeface="+mn-ea"/>
+                <a:cs typeface="+mn-cs"/>
+              </a:defRPr>
+            </a:lvl9pPr>
+          </a:lstStyle>
+          <a:p>
+            <a:pPr>
+              <a:spcAft>
+                <a:spcPts val="2600"/>
+              </a:spcAft>
+            </a:pPr>
+            <a:r>
+              <a:rPr lang="en-US" sz="4000" dirty="0" smtClean="0">
+                <a:latin typeface="Verdana Regular" charset="0"/>
+              </a:rPr>
+              <a:t>2   Generate 3D Object</a:t>
+            </a:r>
+          </a:p>
+        </p:txBody>
+      </p:sp>
+      <p:sp>
+        <p:nvSpPr>
+          <p:cNvPr id="73" name="Text Placeholder 18"/>
+          <p:cNvSpPr txBox="1">
+            <a:spLocks/>
+          </p:cNvSpPr>
+          <p:nvPr/>
+        </p:nvSpPr>
+        <p:spPr>
+          <a:xfrm>
+            <a:off x="12444412" y="21573067"/>
+            <a:ext cx="5064655" cy="436017"/>
+          </a:xfrm>
+          <a:prstGeom prst="rect">
+            <a:avLst/>
+          </a:prstGeom>
+        </p:spPr>
+        <p:txBody>
+          <a:bodyPr wrap="square" lIns="0" tIns="0" rIns="0" bIns="0">
+            <a:spAutoFit/>
+          </a:bodyPr>
+          <a:lstStyle>
+            <a:lvl1pPr marL="0" indent="0" algn="l" defTabSz="4389120" rtl="0" eaLnBrk="1" latinLnBrk="0" hangingPunct="1">
+              <a:lnSpc>
+                <a:spcPts val="3360"/>
+              </a:lnSpc>
+              <a:spcBef>
+                <a:spcPts val="0"/>
+              </a:spcBef>
+              <a:spcAft>
+                <a:spcPts val="800"/>
+              </a:spcAft>
+              <a:buFontTx/>
+              <a:buNone/>
+              <a:defRPr lang="en-US" sz="2800" kern="1200" baseline="0" smtClean="0">
+                <a:solidFill>
+                  <a:schemeClr val="tx1"/>
+                </a:solidFill>
+                <a:effectLst/>
+                <a:latin typeface="KievitPro-Regular" charset="0"/>
+                <a:ea typeface="+mn-ea"/>
+                <a:cs typeface="+mn-cs"/>
+              </a:defRPr>
+            </a:lvl1pPr>
+            <a:lvl2pPr marL="2194560" indent="0" algn="l" defTabSz="4389120" rtl="0" eaLnBrk="1" latinLnBrk="0" hangingPunct="1">
+              <a:lnSpc>
+                <a:spcPct val="90000"/>
+              </a:lnSpc>
+              <a:spcBef>
+                <a:spcPts val="2400"/>
+              </a:spcBef>
+              <a:buFontTx/>
+              <a:buNone/>
+              <a:defRPr sz="11520" kern="1200">
+                <a:solidFill>
+                  <a:schemeClr val="tx1"/>
+                </a:solidFill>
+                <a:latin typeface="+mn-lt"/>
+                <a:ea typeface="+mn-ea"/>
+                <a:cs typeface="+mn-cs"/>
+              </a:defRPr>
+            </a:lvl2pPr>
+            <a:lvl3pPr marL="4389120" indent="0" algn="l" defTabSz="4389120" rtl="0" eaLnBrk="1" latinLnBrk="0" hangingPunct="1">
+              <a:lnSpc>
+                <a:spcPct val="90000"/>
+              </a:lnSpc>
+              <a:spcBef>
+                <a:spcPts val="2400"/>
+              </a:spcBef>
+              <a:buFontTx/>
+              <a:buNone/>
+              <a:defRPr sz="9600" kern="1200">
+                <a:solidFill>
+                  <a:schemeClr val="tx1"/>
+                </a:solidFill>
+                <a:latin typeface="+mn-lt"/>
+                <a:ea typeface="+mn-ea"/>
+                <a:cs typeface="+mn-cs"/>
+              </a:defRPr>
+            </a:lvl3pPr>
+            <a:lvl4pPr marL="6583680" indent="0" algn="l" defTabSz="4389120" rtl="0" eaLnBrk="1" latinLnBrk="0" hangingPunct="1">
+              <a:lnSpc>
+                <a:spcPct val="90000"/>
+              </a:lnSpc>
+              <a:spcBef>
+                <a:spcPts val="2400"/>
+              </a:spcBef>
+              <a:buFontTx/>
+              <a:buNone/>
+              <a:defRPr sz="8640" kern="1200">
+                <a:solidFill>
+                  <a:schemeClr val="tx1"/>
+                </a:solidFill>
+                <a:latin typeface="+mn-lt"/>
+                <a:ea typeface="+mn-ea"/>
+                <a:cs typeface="+mn-cs"/>
+              </a:defRPr>
+            </a:lvl4pPr>
+            <a:lvl5pPr marL="8778240" indent="0" algn="l" defTabSz="4389120" rtl="0" eaLnBrk="1" latinLnBrk="0" hangingPunct="1">
+              <a:lnSpc>
+                <a:spcPct val="90000"/>
+              </a:lnSpc>
+              <a:spcBef>
+                <a:spcPts val="2400"/>
+              </a:spcBef>
+              <a:buFontTx/>
+              <a:buNone/>
+              <a:defRPr sz="8640" kern="1200">
+                <a:solidFill>
+                  <a:schemeClr val="tx1"/>
+                </a:solidFill>
+                <a:latin typeface="+mn-lt"/>
+                <a:ea typeface="+mn-ea"/>
+                <a:cs typeface="+mn-cs"/>
+              </a:defRPr>
+            </a:lvl5pPr>
+            <a:lvl6pPr marL="12070080" indent="-1097280" algn="l" defTabSz="4389120" rtl="0" eaLnBrk="1" latinLnBrk="0" hangingPunct="1">
+              <a:lnSpc>
+                <a:spcPct val="90000"/>
+              </a:lnSpc>
+              <a:spcBef>
+                <a:spcPts val="2400"/>
+              </a:spcBef>
+              <a:buFont typeface="Arial" panose="020B0604020202020204" pitchFamily="34" charset="0"/>
+              <a:buChar char="•"/>
+              <a:defRPr sz="8640" kern="1200">
+                <a:solidFill>
+                  <a:schemeClr val="tx1"/>
+                </a:solidFill>
+                <a:latin typeface="+mn-lt"/>
+                <a:ea typeface="+mn-ea"/>
+                <a:cs typeface="+mn-cs"/>
+              </a:defRPr>
+            </a:lvl6pPr>
+            <a:lvl7pPr marL="14264640" indent="-1097280" algn="l" defTabSz="4389120" rtl="0" eaLnBrk="1" latinLnBrk="0" hangingPunct="1">
+              <a:lnSpc>
+                <a:spcPct val="90000"/>
+              </a:lnSpc>
+              <a:spcBef>
+                <a:spcPts val="2400"/>
+              </a:spcBef>
+              <a:buFont typeface="Arial" panose="020B0604020202020204" pitchFamily="34" charset="0"/>
+              <a:buChar char="•"/>
+              <a:defRPr sz="8640" kern="1200">
+                <a:solidFill>
+                  <a:schemeClr val="tx1"/>
+                </a:solidFill>
+                <a:latin typeface="+mn-lt"/>
+                <a:ea typeface="+mn-ea"/>
+                <a:cs typeface="+mn-cs"/>
+              </a:defRPr>
+            </a:lvl7pPr>
+            <a:lvl8pPr marL="16459200" indent="-1097280" algn="l" defTabSz="4389120" rtl="0" eaLnBrk="1" latinLnBrk="0" hangingPunct="1">
+              <a:lnSpc>
+                <a:spcPct val="90000"/>
+              </a:lnSpc>
+              <a:spcBef>
+                <a:spcPts val="2400"/>
+              </a:spcBef>
+              <a:buFont typeface="Arial" panose="020B0604020202020204" pitchFamily="34" charset="0"/>
+              <a:buChar char="•"/>
+              <a:defRPr sz="8640" kern="1200">
+                <a:solidFill>
+                  <a:schemeClr val="tx1"/>
+                </a:solidFill>
+                <a:latin typeface="+mn-lt"/>
+                <a:ea typeface="+mn-ea"/>
+                <a:cs typeface="+mn-cs"/>
+              </a:defRPr>
+            </a:lvl8pPr>
+            <a:lvl9pPr marL="18653760" indent="-1097280" algn="l" defTabSz="4389120" rtl="0" eaLnBrk="1" latinLnBrk="0" hangingPunct="1">
+              <a:lnSpc>
+                <a:spcPct val="90000"/>
+              </a:lnSpc>
+              <a:spcBef>
+                <a:spcPts val="2400"/>
+              </a:spcBef>
+              <a:buFont typeface="Arial" panose="020B0604020202020204" pitchFamily="34" charset="0"/>
+              <a:buChar char="•"/>
+              <a:defRPr sz="8640" kern="1200">
+                <a:solidFill>
+                  <a:schemeClr val="tx1"/>
+                </a:solidFill>
+                <a:latin typeface="+mn-lt"/>
+                <a:ea typeface="+mn-ea"/>
+                <a:cs typeface="+mn-cs"/>
+              </a:defRPr>
+            </a:lvl9pPr>
+          </a:lstStyle>
+          <a:p>
+            <a:pPr>
+              <a:spcAft>
+                <a:spcPts val="2600"/>
+              </a:spcAft>
+            </a:pPr>
+            <a:r>
+              <a:rPr lang="en-US" sz="4000" dirty="0">
+                <a:latin typeface="Verdana Regular" charset="0"/>
+              </a:rPr>
+              <a:t>3</a:t>
+            </a:r>
+            <a:r>
+              <a:rPr lang="en-US" sz="4000" dirty="0" smtClean="0">
+                <a:latin typeface="Verdana Regular" charset="0"/>
+              </a:rPr>
+              <a:t>   Resize 3D Object</a:t>
+            </a:r>
+          </a:p>
+        </p:txBody>
+      </p:sp>
+      <p:sp>
+        <p:nvSpPr>
+          <p:cNvPr id="74" name="Shape 99"/>
+          <p:cNvSpPr/>
+          <p:nvPr/>
+        </p:nvSpPr>
+        <p:spPr>
+          <a:xfrm>
+            <a:off x="19723227" y="19502474"/>
+            <a:ext cx="644180" cy="635070"/>
+          </a:xfrm>
+          <a:prstGeom prst="ellipse">
+            <a:avLst/>
+          </a:prstGeom>
+          <a:noFill/>
+          <a:ln w="9525" cap="flat" cmpd="sng">
+            <a:solidFill>
+              <a:srgbClr val="000000"/>
+            </a:solidFill>
+            <a:prstDash val="solid"/>
+            <a:round/>
+            <a:headEnd type="none" w="sm" len="sm"/>
+            <a:tailEnd type="none" w="sm" len="sm"/>
+          </a:ln>
+        </p:spPr>
+        <p:txBody>
+          <a:bodyPr spcFirstLastPara="1" wrap="square" lIns="91425" tIns="91425" rIns="91425" bIns="91425" anchor="ctr" anchorCtr="0">
+            <a:noAutofit/>
+          </a:bodyPr>
+          <a:lstStyle/>
+          <a:p>
+            <a:pPr marL="0" lvl="0" indent="0">
+              <a:spcBef>
+                <a:spcPts val="0"/>
+              </a:spcBef>
+              <a:spcAft>
+                <a:spcPts val="0"/>
+              </a:spcAft>
+              <a:buNone/>
+            </a:pPr>
+            <a:endParaRPr/>
+          </a:p>
+        </p:txBody>
+      </p:sp>
+      <p:sp>
+        <p:nvSpPr>
+          <p:cNvPr id="75" name="Shape 99"/>
+          <p:cNvSpPr/>
+          <p:nvPr/>
+        </p:nvSpPr>
+        <p:spPr>
+          <a:xfrm>
+            <a:off x="25386291" y="21191339"/>
+            <a:ext cx="644180" cy="635070"/>
+          </a:xfrm>
+          <a:prstGeom prst="ellipse">
+            <a:avLst/>
+          </a:prstGeom>
+          <a:noFill/>
+          <a:ln w="9525" cap="flat" cmpd="sng">
+            <a:solidFill>
+              <a:srgbClr val="000000"/>
+            </a:solidFill>
+            <a:prstDash val="solid"/>
+            <a:round/>
+            <a:headEnd type="none" w="sm" len="sm"/>
+            <a:tailEnd type="none" w="sm" len="sm"/>
+          </a:ln>
+        </p:spPr>
+        <p:txBody>
+          <a:bodyPr spcFirstLastPara="1" wrap="square" lIns="91425" tIns="91425" rIns="91425" bIns="91425" anchor="ctr" anchorCtr="0">
+            <a:noAutofit/>
+          </a:bodyPr>
+          <a:lstStyle/>
+          <a:p>
+            <a:pPr marL="0" lvl="0" indent="0">
+              <a:spcBef>
+                <a:spcPts val="0"/>
+              </a:spcBef>
+              <a:spcAft>
+                <a:spcPts val="0"/>
+              </a:spcAft>
+              <a:buNone/>
+            </a:pPr>
+            <a:endParaRPr/>
+          </a:p>
+        </p:txBody>
+      </p:sp>
+      <p:sp>
+        <p:nvSpPr>
+          <p:cNvPr id="76" name="Shape 99"/>
+          <p:cNvSpPr/>
+          <p:nvPr/>
+        </p:nvSpPr>
+        <p:spPr>
+          <a:xfrm>
+            <a:off x="25363768" y="7213900"/>
+            <a:ext cx="644180" cy="635070"/>
+          </a:xfrm>
+          <a:prstGeom prst="ellipse">
+            <a:avLst/>
+          </a:prstGeom>
+          <a:noFill/>
+          <a:ln w="9525" cap="flat" cmpd="sng">
+            <a:solidFill>
+              <a:srgbClr val="000000"/>
+            </a:solidFill>
+            <a:prstDash val="solid"/>
+            <a:round/>
+            <a:headEnd type="none" w="sm" len="sm"/>
+            <a:tailEnd type="none" w="sm" len="sm"/>
+          </a:ln>
+        </p:spPr>
+        <p:txBody>
+          <a:bodyPr spcFirstLastPara="1" wrap="square" lIns="91425" tIns="91425" rIns="91425" bIns="91425" anchor="ctr" anchorCtr="0">
+            <a:noAutofit/>
+          </a:bodyPr>
+          <a:lstStyle/>
+          <a:p>
+            <a:pPr marL="0" lvl="0" indent="0">
+              <a:spcBef>
+                <a:spcPts val="0"/>
+              </a:spcBef>
+              <a:spcAft>
+                <a:spcPts val="0"/>
+              </a:spcAft>
+              <a:buNone/>
+            </a:pPr>
+            <a:endParaRPr/>
+          </a:p>
+        </p:txBody>
+      </p:sp>
+    </p:spTree>
+    <p:extLst>
+      <p:ext uri="{BB962C8B-B14F-4D97-AF65-F5344CB8AC3E}">
+        <p14:creationId xmlns:p14="http://schemas.microsoft.com/office/powerpoint/2010/main" val="1414346063"/>
       </p:ext>
     </p:extLst>
   </p:cSld>
